--- a/Vue基础.pptx
+++ b/Vue基础.pptx
@@ -5,26 +5,25 @@
     <p:sldMasterId id="2147483648" r:id="rId1"/>
   </p:sldMasterIdLst>
   <p:notesMasterIdLst>
-    <p:notesMasterId r:id="rId19"/>
+    <p:notesMasterId r:id="rId4"/>
   </p:notesMasterIdLst>
   <p:sldIdLst>
-    <p:sldId id="372" r:id="rId2"/>
-    <p:sldId id="478" r:id="rId3"/>
-    <p:sldId id="480" r:id="rId4"/>
-    <p:sldId id="481" r:id="rId5"/>
-    <p:sldId id="491" r:id="rId6"/>
-    <p:sldId id="492" r:id="rId7"/>
-    <p:sldId id="482" r:id="rId8"/>
-    <p:sldId id="483" r:id="rId9"/>
-    <p:sldId id="484" r:id="rId10"/>
-    <p:sldId id="485" r:id="rId11"/>
-    <p:sldId id="486" r:id="rId12"/>
-    <p:sldId id="487" r:id="rId13"/>
-    <p:sldId id="488" r:id="rId14"/>
-    <p:sldId id="489" r:id="rId15"/>
-    <p:sldId id="490" r:id="rId16"/>
-    <p:sldId id="479" r:id="rId17"/>
-    <p:sldId id="443" r:id="rId18"/>
+    <p:sldId id="372" r:id="rId3"/>
+    <p:sldId id="478" r:id="rId5"/>
+    <p:sldId id="480" r:id="rId6"/>
+    <p:sldId id="481" r:id="rId7"/>
+    <p:sldId id="491" r:id="rId8"/>
+    <p:sldId id="492" r:id="rId9"/>
+    <p:sldId id="482" r:id="rId10"/>
+    <p:sldId id="483" r:id="rId11"/>
+    <p:sldId id="484" r:id="rId12"/>
+    <p:sldId id="485" r:id="rId13"/>
+    <p:sldId id="486" r:id="rId14"/>
+    <p:sldId id="487" r:id="rId15"/>
+    <p:sldId id="488" r:id="rId16"/>
+    <p:sldId id="489" r:id="rId17"/>
+    <p:sldId id="479" r:id="rId18"/>
+    <p:sldId id="443" r:id="rId19"/>
   </p:sldIdLst>
   <p:sldSz cx="12192000" cy="6858000"/>
   <p:notesSz cx="6858000" cy="9144000"/>
@@ -123,22 +122,6 @@
       </a:defRPr>
     </a:lvl9pPr>
   </p:defaultTextStyle>
-  <p:extLst>
-    <p:ext uri="{EFAFB233-063F-42B5-8137-9DF3F51BA10A}">
-      <p15:sldGuideLst xmlns="" xmlns:p15="http://schemas.microsoft.com/office/powerpoint/2012/main">
-        <p15:guide id="1" orient="horz" pos="2241">
-          <p15:clr>
-            <a:srgbClr val="A4A3A4"/>
-          </p15:clr>
-        </p15:guide>
-        <p15:guide id="2" pos="3821">
-          <p15:clr>
-            <a:srgbClr val="A4A3A4"/>
-          </p15:clr>
-        </p15:guide>
-      </p15:sldGuideLst>
-    </p:ext>
-  </p:extLst>
 </p:presentation>
 </file>
 
@@ -224,8 +207,6 @@
           <a:p>
             <a:fld id="{F9DCCBB9-D96C-4EBA-82A1-34318BBBAA59}" type="datetimeFigureOut">
               <a:rPr lang="zh-CN" altLang="en-US" smtClean="0"/>
-              <a:pPr/>
-              <a:t>2020/3/4</a:t>
             </a:fld>
             <a:endParaRPr lang="zh-CN" altLang="en-US"/>
           </a:p>
@@ -292,6 +273,7 @@
               <a:rPr lang="zh-CN" altLang="en-US"/>
               <a:t>单击此处编辑母版文本样式</a:t>
             </a:r>
+            <a:endParaRPr lang="zh-CN" altLang="en-US"/>
           </a:p>
           <a:p>
             <a:pPr lvl="1"/>
@@ -299,6 +281,7 @@
               <a:rPr lang="zh-CN" altLang="en-US"/>
               <a:t>第二级</a:t>
             </a:r>
+            <a:endParaRPr lang="zh-CN" altLang="en-US"/>
           </a:p>
           <a:p>
             <a:pPr lvl="2"/>
@@ -306,6 +289,7 @@
               <a:rPr lang="zh-CN" altLang="en-US"/>
               <a:t>第三级</a:t>
             </a:r>
+            <a:endParaRPr lang="zh-CN" altLang="en-US"/>
           </a:p>
           <a:p>
             <a:pPr lvl="3"/>
@@ -313,6 +297,7 @@
               <a:rPr lang="zh-CN" altLang="en-US"/>
               <a:t>第四级</a:t>
             </a:r>
+            <a:endParaRPr lang="zh-CN" altLang="en-US"/>
           </a:p>
           <a:p>
             <a:pPr lvl="4"/>
@@ -320,6 +305,7 @@
               <a:rPr lang="zh-CN" altLang="en-US"/>
               <a:t>第五级</a:t>
             </a:r>
+            <a:endParaRPr lang="zh-CN" altLang="en-US"/>
           </a:p>
         </p:txBody>
       </p:sp>
@@ -383,19 +369,12 @@
           <a:p>
             <a:fld id="{845D2DAF-7A11-4887-8CD5-B116BE4C2387}" type="slidenum">
               <a:rPr lang="zh-CN" altLang="en-US" smtClean="0"/>
-              <a:pPr/>
-              <a:t>‹#›</a:t>
             </a:fld>
             <a:endParaRPr lang="zh-CN" altLang="en-US"/>
           </a:p>
         </p:txBody>
       </p:sp>
     </p:spTree>
-    <p:extLst>
-      <p:ext uri="{BB962C8B-B14F-4D97-AF65-F5344CB8AC3E}">
-        <p14:creationId xmlns="" xmlns:p14="http://schemas.microsoft.com/office/powerpoint/2010/main" val="884351198"/>
-      </p:ext>
-    </p:extLst>
   </p:cSld>
   <p:clrMap bg1="lt1" tx1="dk1" bg2="lt2" tx2="dk2" accent1="accent1" accent2="accent2" accent3="accent3" accent4="accent4" accent5="accent5" accent6="accent6" hlink="hlink" folHlink="folHlink"/>
   <p:notesStyle>
@@ -558,8 +537,6 @@
           <a:p>
             <a:fld id="{418F03C3-53C1-4F10-8DAF-D1F318E96C6E}" type="slidenum">
               <a:rPr lang="zh-CN" altLang="en-US" smtClean="0"/>
-              <a:pPr/>
-              <a:t>1</a:t>
             </a:fld>
             <a:endParaRPr lang="zh-CN" altLang="en-US"/>
           </a:p>
@@ -592,11 +569,6 @@
         </p:txBody>
       </p:sp>
     </p:spTree>
-    <p:extLst>
-      <p:ext uri="{BB962C8B-B14F-4D97-AF65-F5344CB8AC3E}">
-        <p14:creationId xmlns="" xmlns:p14="http://schemas.microsoft.com/office/powerpoint/2010/main" val="1626530175"/>
-      </p:ext>
-    </p:extLst>
   </p:cSld>
   <p:clrMapOvr>
     <a:masterClrMapping/>
@@ -669,19 +641,12 @@
           <a:p>
             <a:fld id="{845D2DAF-7A11-4887-8CD5-B116BE4C2387}" type="slidenum">
               <a:rPr lang="zh-CN" altLang="en-US" smtClean="0"/>
-              <a:pPr/>
-              <a:t>10</a:t>
             </a:fld>
             <a:endParaRPr lang="zh-CN" altLang="en-US"/>
           </a:p>
         </p:txBody>
       </p:sp>
     </p:spTree>
-    <p:extLst>
-      <p:ext uri="{BB962C8B-B14F-4D97-AF65-F5344CB8AC3E}">
-        <p14:creationId xmlns="" xmlns:p14="http://schemas.microsoft.com/office/powerpoint/2010/main" val="2185699864"/>
-      </p:ext>
-    </p:extLst>
   </p:cSld>
   <p:clrMapOvr>
     <a:masterClrMapping/>
@@ -754,19 +719,12 @@
           <a:p>
             <a:fld id="{845D2DAF-7A11-4887-8CD5-B116BE4C2387}" type="slidenum">
               <a:rPr lang="zh-CN" altLang="en-US" smtClean="0"/>
-              <a:pPr/>
-              <a:t>11</a:t>
             </a:fld>
             <a:endParaRPr lang="zh-CN" altLang="en-US"/>
           </a:p>
         </p:txBody>
       </p:sp>
     </p:spTree>
-    <p:extLst>
-      <p:ext uri="{BB962C8B-B14F-4D97-AF65-F5344CB8AC3E}">
-        <p14:creationId xmlns="" xmlns:p14="http://schemas.microsoft.com/office/powerpoint/2010/main" val="2185699864"/>
-      </p:ext>
-    </p:extLst>
   </p:cSld>
   <p:clrMapOvr>
     <a:masterClrMapping/>
@@ -839,19 +797,12 @@
           <a:p>
             <a:fld id="{845D2DAF-7A11-4887-8CD5-B116BE4C2387}" type="slidenum">
               <a:rPr lang="zh-CN" altLang="en-US" smtClean="0"/>
-              <a:pPr/>
-              <a:t>12</a:t>
             </a:fld>
             <a:endParaRPr lang="zh-CN" altLang="en-US"/>
           </a:p>
         </p:txBody>
       </p:sp>
     </p:spTree>
-    <p:extLst>
-      <p:ext uri="{BB962C8B-B14F-4D97-AF65-F5344CB8AC3E}">
-        <p14:creationId xmlns="" xmlns:p14="http://schemas.microsoft.com/office/powerpoint/2010/main" val="2185699864"/>
-      </p:ext>
-    </p:extLst>
   </p:cSld>
   <p:clrMapOvr>
     <a:masterClrMapping/>
@@ -924,19 +875,12 @@
           <a:p>
             <a:fld id="{845D2DAF-7A11-4887-8CD5-B116BE4C2387}" type="slidenum">
               <a:rPr lang="zh-CN" altLang="en-US" smtClean="0"/>
-              <a:pPr/>
-              <a:t>13</a:t>
             </a:fld>
             <a:endParaRPr lang="zh-CN" altLang="en-US"/>
           </a:p>
         </p:txBody>
       </p:sp>
     </p:spTree>
-    <p:extLst>
-      <p:ext uri="{BB962C8B-B14F-4D97-AF65-F5344CB8AC3E}">
-        <p14:creationId xmlns="" xmlns:p14="http://schemas.microsoft.com/office/powerpoint/2010/main" val="2185699864"/>
-      </p:ext>
-    </p:extLst>
   </p:cSld>
   <p:clrMapOvr>
     <a:masterClrMapping/>
@@ -1009,19 +953,12 @@
           <a:p>
             <a:fld id="{845D2DAF-7A11-4887-8CD5-B116BE4C2387}" type="slidenum">
               <a:rPr lang="zh-CN" altLang="en-US" smtClean="0"/>
-              <a:pPr/>
-              <a:t>14</a:t>
             </a:fld>
             <a:endParaRPr lang="zh-CN" altLang="en-US"/>
           </a:p>
         </p:txBody>
       </p:sp>
     </p:spTree>
-    <p:extLst>
-      <p:ext uri="{BB962C8B-B14F-4D97-AF65-F5344CB8AC3E}">
-        <p14:creationId xmlns="" xmlns:p14="http://schemas.microsoft.com/office/powerpoint/2010/main" val="2185699864"/>
-      </p:ext>
-    </p:extLst>
   </p:cSld>
   <p:clrMapOvr>
     <a:masterClrMapping/>
@@ -1094,19 +1031,12 @@
           <a:p>
             <a:fld id="{845D2DAF-7A11-4887-8CD5-B116BE4C2387}" type="slidenum">
               <a:rPr lang="zh-CN" altLang="en-US" smtClean="0"/>
-              <a:pPr/>
-              <a:t>15</a:t>
             </a:fld>
             <a:endParaRPr lang="zh-CN" altLang="en-US"/>
           </a:p>
         </p:txBody>
       </p:sp>
     </p:spTree>
-    <p:extLst>
-      <p:ext uri="{BB962C8B-B14F-4D97-AF65-F5344CB8AC3E}">
-        <p14:creationId xmlns="" xmlns:p14="http://schemas.microsoft.com/office/powerpoint/2010/main" val="2185699864"/>
-      </p:ext>
-    </p:extLst>
   </p:cSld>
   <p:clrMapOvr>
     <a:masterClrMapping/>
@@ -1169,91 +1099,6 @@
             <a:spLocks noGrp="1"/>
           </p:cNvSpPr>
           <p:nvPr>
-            <p:ph type="sldNum" sz="quarter" idx="10"/>
-          </p:nvPr>
-        </p:nvSpPr>
-        <p:spPr/>
-        <p:txBody>
-          <a:bodyPr/>
-          <a:lstStyle/>
-          <a:p>
-            <a:fld id="{845D2DAF-7A11-4887-8CD5-B116BE4C2387}" type="slidenum">
-              <a:rPr lang="zh-CN" altLang="en-US" smtClean="0"/>
-              <a:pPr/>
-              <a:t>16</a:t>
-            </a:fld>
-            <a:endParaRPr lang="zh-CN" altLang="en-US"/>
-          </a:p>
-        </p:txBody>
-      </p:sp>
-    </p:spTree>
-    <p:extLst>
-      <p:ext uri="{BB962C8B-B14F-4D97-AF65-F5344CB8AC3E}">
-        <p14:creationId xmlns="" xmlns:p14="http://schemas.microsoft.com/office/powerpoint/2010/main" val="2185699864"/>
-      </p:ext>
-    </p:extLst>
-  </p:cSld>
-  <p:clrMapOvr>
-    <a:masterClrMapping/>
-  </p:clrMapOvr>
-</p:notes>
-</file>
-
-<file path=ppt/notesSlides/notesSlide17.xml><?xml version="1.0" encoding="utf-8"?>
-<p:notes xmlns:a="http://schemas.openxmlformats.org/drawingml/2006/main" xmlns:r="http://schemas.openxmlformats.org/officeDocument/2006/relationships" xmlns:p="http://schemas.openxmlformats.org/presentationml/2006/main">
-  <p:cSld>
-    <p:spTree>
-      <p:nvGrpSpPr>
-        <p:cNvPr id="1" name=""/>
-        <p:cNvGrpSpPr/>
-        <p:nvPr/>
-      </p:nvGrpSpPr>
-      <p:grpSpPr>
-        <a:xfrm>
-          <a:off x="0" y="0"/>
-          <a:ext cx="0" cy="0"/>
-          <a:chOff x="0" y="0"/>
-          <a:chExt cx="0" cy="0"/>
-        </a:xfrm>
-      </p:grpSpPr>
-      <p:sp>
-        <p:nvSpPr>
-          <p:cNvPr id="2" name="幻灯片图像占位符 1"/>
-          <p:cNvSpPr>
-            <a:spLocks noGrp="1" noRot="1" noChangeAspect="1"/>
-          </p:cNvSpPr>
-          <p:nvPr>
-            <p:ph type="sldImg"/>
-          </p:nvPr>
-        </p:nvSpPr>
-        <p:spPr/>
-      </p:sp>
-      <p:sp>
-        <p:nvSpPr>
-          <p:cNvPr id="3" name="备注占位符 2"/>
-          <p:cNvSpPr>
-            <a:spLocks noGrp="1"/>
-          </p:cNvSpPr>
-          <p:nvPr>
-            <p:ph type="body" idx="1"/>
-          </p:nvPr>
-        </p:nvSpPr>
-        <p:spPr/>
-        <p:txBody>
-          <a:bodyPr/>
-          <a:lstStyle/>
-          <a:p>
-            <a:endParaRPr lang="zh-CN" altLang="en-US"/>
-          </a:p>
-        </p:txBody>
-      </p:sp>
-      <p:sp>
-        <p:nvSpPr>
-          <p:cNvPr id="4" name="灯片编号占位符 3"/>
-          <p:cNvSpPr>
-            <a:spLocks noGrp="1"/>
-          </p:cNvSpPr>
-          <p:nvPr>
             <p:ph type="sldNum" sz="quarter" idx="5"/>
           </p:nvPr>
         </p:nvSpPr>
@@ -1264,19 +1109,12 @@
           <a:p>
             <a:fld id="{5849F42C-2DAE-424C-A4B8-3140182C3E9F}" type="slidenum">
               <a:rPr lang="zh-CN" altLang="en-US" smtClean="0"/>
-              <a:pPr/>
-              <a:t>17</a:t>
             </a:fld>
             <a:endParaRPr lang="zh-CN" altLang="en-US" dirty="0"/>
           </a:p>
         </p:txBody>
       </p:sp>
     </p:spTree>
-    <p:extLst>
-      <p:ext uri="{BB962C8B-B14F-4D97-AF65-F5344CB8AC3E}">
-        <p14:creationId xmlns="" xmlns:p14="http://schemas.microsoft.com/office/powerpoint/2010/main" val="1250985046"/>
-      </p:ext>
-    </p:extLst>
   </p:cSld>
   <p:clrMapOvr>
     <a:masterClrMapping/>
@@ -1349,19 +1187,12 @@
           <a:p>
             <a:fld id="{845D2DAF-7A11-4887-8CD5-B116BE4C2387}" type="slidenum">
               <a:rPr lang="zh-CN" altLang="en-US" smtClean="0"/>
-              <a:pPr/>
-              <a:t>2</a:t>
             </a:fld>
             <a:endParaRPr lang="zh-CN" altLang="en-US"/>
           </a:p>
         </p:txBody>
       </p:sp>
     </p:spTree>
-    <p:extLst>
-      <p:ext uri="{BB962C8B-B14F-4D97-AF65-F5344CB8AC3E}">
-        <p14:creationId xmlns="" xmlns:p14="http://schemas.microsoft.com/office/powerpoint/2010/main" val="2185699864"/>
-      </p:ext>
-    </p:extLst>
   </p:cSld>
   <p:clrMapOvr>
     <a:masterClrMapping/>
@@ -1434,19 +1265,12 @@
           <a:p>
             <a:fld id="{845D2DAF-7A11-4887-8CD5-B116BE4C2387}" type="slidenum">
               <a:rPr lang="zh-CN" altLang="en-US" smtClean="0"/>
-              <a:pPr/>
-              <a:t>3</a:t>
             </a:fld>
             <a:endParaRPr lang="zh-CN" altLang="en-US"/>
           </a:p>
         </p:txBody>
       </p:sp>
     </p:spTree>
-    <p:extLst>
-      <p:ext uri="{BB962C8B-B14F-4D97-AF65-F5344CB8AC3E}">
-        <p14:creationId xmlns="" xmlns:p14="http://schemas.microsoft.com/office/powerpoint/2010/main" val="2185699864"/>
-      </p:ext>
-    </p:extLst>
   </p:cSld>
   <p:clrMapOvr>
     <a:masterClrMapping/>
@@ -1519,19 +1343,12 @@
           <a:p>
             <a:fld id="{845D2DAF-7A11-4887-8CD5-B116BE4C2387}" type="slidenum">
               <a:rPr lang="zh-CN" altLang="en-US" smtClean="0"/>
-              <a:pPr/>
-              <a:t>4</a:t>
             </a:fld>
             <a:endParaRPr lang="zh-CN" altLang="en-US"/>
           </a:p>
         </p:txBody>
       </p:sp>
     </p:spTree>
-    <p:extLst>
-      <p:ext uri="{BB962C8B-B14F-4D97-AF65-F5344CB8AC3E}">
-        <p14:creationId xmlns="" xmlns:p14="http://schemas.microsoft.com/office/powerpoint/2010/main" val="2185699864"/>
-      </p:ext>
-    </p:extLst>
   </p:cSld>
   <p:clrMapOvr>
     <a:masterClrMapping/>
@@ -1604,19 +1421,12 @@
           <a:p>
             <a:fld id="{845D2DAF-7A11-4887-8CD5-B116BE4C2387}" type="slidenum">
               <a:rPr lang="zh-CN" altLang="en-US" smtClean="0"/>
-              <a:pPr/>
-              <a:t>5</a:t>
             </a:fld>
             <a:endParaRPr lang="zh-CN" altLang="en-US"/>
           </a:p>
         </p:txBody>
       </p:sp>
     </p:spTree>
-    <p:extLst>
-      <p:ext uri="{BB962C8B-B14F-4D97-AF65-F5344CB8AC3E}">
-        <p14:creationId xmlns="" xmlns:p14="http://schemas.microsoft.com/office/powerpoint/2010/main" val="2185699864"/>
-      </p:ext>
-    </p:extLst>
   </p:cSld>
   <p:clrMapOvr>
     <a:masterClrMapping/>
@@ -1689,19 +1499,12 @@
           <a:p>
             <a:fld id="{845D2DAF-7A11-4887-8CD5-B116BE4C2387}" type="slidenum">
               <a:rPr lang="zh-CN" altLang="en-US" smtClean="0"/>
-              <a:pPr/>
-              <a:t>6</a:t>
             </a:fld>
             <a:endParaRPr lang="zh-CN" altLang="en-US"/>
           </a:p>
         </p:txBody>
       </p:sp>
     </p:spTree>
-    <p:extLst>
-      <p:ext uri="{BB962C8B-B14F-4D97-AF65-F5344CB8AC3E}">
-        <p14:creationId xmlns="" xmlns:p14="http://schemas.microsoft.com/office/powerpoint/2010/main" val="2185699864"/>
-      </p:ext>
-    </p:extLst>
   </p:cSld>
   <p:clrMapOvr>
     <a:masterClrMapping/>
@@ -1774,19 +1577,12 @@
           <a:p>
             <a:fld id="{845D2DAF-7A11-4887-8CD5-B116BE4C2387}" type="slidenum">
               <a:rPr lang="zh-CN" altLang="en-US" smtClean="0"/>
-              <a:pPr/>
-              <a:t>7</a:t>
             </a:fld>
             <a:endParaRPr lang="zh-CN" altLang="en-US"/>
           </a:p>
         </p:txBody>
       </p:sp>
     </p:spTree>
-    <p:extLst>
-      <p:ext uri="{BB962C8B-B14F-4D97-AF65-F5344CB8AC3E}">
-        <p14:creationId xmlns="" xmlns:p14="http://schemas.microsoft.com/office/powerpoint/2010/main" val="2185699864"/>
-      </p:ext>
-    </p:extLst>
   </p:cSld>
   <p:clrMapOvr>
     <a:masterClrMapping/>
@@ -1859,19 +1655,12 @@
           <a:p>
             <a:fld id="{845D2DAF-7A11-4887-8CD5-B116BE4C2387}" type="slidenum">
               <a:rPr lang="zh-CN" altLang="en-US" smtClean="0"/>
-              <a:pPr/>
-              <a:t>8</a:t>
             </a:fld>
             <a:endParaRPr lang="zh-CN" altLang="en-US"/>
           </a:p>
         </p:txBody>
       </p:sp>
     </p:spTree>
-    <p:extLst>
-      <p:ext uri="{BB962C8B-B14F-4D97-AF65-F5344CB8AC3E}">
-        <p14:creationId xmlns="" xmlns:p14="http://schemas.microsoft.com/office/powerpoint/2010/main" val="2185699864"/>
-      </p:ext>
-    </p:extLst>
   </p:cSld>
   <p:clrMapOvr>
     <a:masterClrMapping/>
@@ -1944,19 +1733,12 @@
           <a:p>
             <a:fld id="{845D2DAF-7A11-4887-8CD5-B116BE4C2387}" type="slidenum">
               <a:rPr lang="zh-CN" altLang="en-US" smtClean="0"/>
-              <a:pPr/>
-              <a:t>9</a:t>
             </a:fld>
             <a:endParaRPr lang="zh-CN" altLang="en-US"/>
           </a:p>
         </p:txBody>
       </p:sp>
     </p:spTree>
-    <p:extLst>
-      <p:ext uri="{BB962C8B-B14F-4D97-AF65-F5344CB8AC3E}">
-        <p14:creationId xmlns="" xmlns:p14="http://schemas.microsoft.com/office/powerpoint/2010/main" val="2185699864"/>
-      </p:ext>
-    </p:extLst>
   </p:cSld>
   <p:clrMapOvr>
     <a:masterClrMapping/>
@@ -2009,6 +1791,7 @@
               <a:rPr lang="zh-CN" altLang="en-US"/>
               <a:t>单击此处编辑母版标题样式</a:t>
             </a:r>
+            <a:endParaRPr lang="zh-CN" altLang="en-US"/>
           </a:p>
         </p:txBody>
       </p:sp>
@@ -2073,6 +1856,7 @@
               <a:rPr lang="zh-CN" altLang="en-US"/>
               <a:t>单击此处编辑母版副标题样式</a:t>
             </a:r>
+            <a:endParaRPr lang="zh-CN" altLang="en-US"/>
           </a:p>
         </p:txBody>
       </p:sp>
@@ -2093,8 +1877,6 @@
           <a:p>
             <a:fld id="{CB821BB6-FFC6-4F4F-BB7C-1255C9EBF2D9}" type="datetimeFigureOut">
               <a:rPr lang="zh-CN" altLang="en-US" smtClean="0"/>
-              <a:pPr/>
-              <a:t>2020/3/4</a:t>
             </a:fld>
             <a:endParaRPr lang="zh-CN" altLang="en-US"/>
           </a:p>
@@ -2136,8 +1918,6 @@
           <a:p>
             <a:fld id="{CC4954EA-27E7-4AB6-94E1-688632AAB0E2}" type="slidenum">
               <a:rPr lang="zh-CN" altLang="en-US" smtClean="0"/>
-              <a:pPr/>
-              <a:t>‹#›</a:t>
             </a:fld>
             <a:endParaRPr lang="zh-CN" altLang="en-US"/>
           </a:p>
@@ -2190,6 +1970,7 @@
               <a:rPr lang="zh-CN" altLang="en-US"/>
               <a:t>单击此处编辑母版标题样式</a:t>
             </a:r>
+            <a:endParaRPr lang="zh-CN" altLang="en-US"/>
           </a:p>
         </p:txBody>
       </p:sp>
@@ -2213,6 +1994,7 @@
               <a:rPr lang="zh-CN" altLang="en-US"/>
               <a:t>单击此处编辑母版文本样式</a:t>
             </a:r>
+            <a:endParaRPr lang="zh-CN" altLang="en-US"/>
           </a:p>
           <a:p>
             <a:pPr lvl="1"/>
@@ -2220,6 +2002,7 @@
               <a:rPr lang="zh-CN" altLang="en-US"/>
               <a:t>第二级</a:t>
             </a:r>
+            <a:endParaRPr lang="zh-CN" altLang="en-US"/>
           </a:p>
           <a:p>
             <a:pPr lvl="2"/>
@@ -2227,6 +2010,7 @@
               <a:rPr lang="zh-CN" altLang="en-US"/>
               <a:t>第三级</a:t>
             </a:r>
+            <a:endParaRPr lang="zh-CN" altLang="en-US"/>
           </a:p>
           <a:p>
             <a:pPr lvl="3"/>
@@ -2234,6 +2018,7 @@
               <a:rPr lang="zh-CN" altLang="en-US"/>
               <a:t>第四级</a:t>
             </a:r>
+            <a:endParaRPr lang="zh-CN" altLang="en-US"/>
           </a:p>
           <a:p>
             <a:pPr lvl="4"/>
@@ -2241,6 +2026,7 @@
               <a:rPr lang="zh-CN" altLang="en-US"/>
               <a:t>第五级</a:t>
             </a:r>
+            <a:endParaRPr lang="zh-CN" altLang="en-US"/>
           </a:p>
         </p:txBody>
       </p:sp>
@@ -2261,8 +2047,6 @@
           <a:p>
             <a:fld id="{CB821BB6-FFC6-4F4F-BB7C-1255C9EBF2D9}" type="datetimeFigureOut">
               <a:rPr lang="zh-CN" altLang="en-US" smtClean="0"/>
-              <a:pPr/>
-              <a:t>2020/3/4</a:t>
             </a:fld>
             <a:endParaRPr lang="zh-CN" altLang="en-US"/>
           </a:p>
@@ -2304,8 +2088,6 @@
           <a:p>
             <a:fld id="{CC4954EA-27E7-4AB6-94E1-688632AAB0E2}" type="slidenum">
               <a:rPr lang="zh-CN" altLang="en-US" smtClean="0"/>
-              <a:pPr/>
-              <a:t>‹#›</a:t>
             </a:fld>
             <a:endParaRPr lang="zh-CN" altLang="en-US"/>
           </a:p>
@@ -2363,6 +2145,7 @@
               <a:rPr lang="zh-CN" altLang="en-US"/>
               <a:t>单击此处编辑母版标题样式</a:t>
             </a:r>
+            <a:endParaRPr lang="zh-CN" altLang="en-US"/>
           </a:p>
         </p:txBody>
       </p:sp>
@@ -2391,6 +2174,7 @@
               <a:rPr lang="zh-CN" altLang="en-US"/>
               <a:t>单击此处编辑母版文本样式</a:t>
             </a:r>
+            <a:endParaRPr lang="zh-CN" altLang="en-US"/>
           </a:p>
           <a:p>
             <a:pPr lvl="1"/>
@@ -2398,6 +2182,7 @@
               <a:rPr lang="zh-CN" altLang="en-US"/>
               <a:t>第二级</a:t>
             </a:r>
+            <a:endParaRPr lang="zh-CN" altLang="en-US"/>
           </a:p>
           <a:p>
             <a:pPr lvl="2"/>
@@ -2405,6 +2190,7 @@
               <a:rPr lang="zh-CN" altLang="en-US"/>
               <a:t>第三级</a:t>
             </a:r>
+            <a:endParaRPr lang="zh-CN" altLang="en-US"/>
           </a:p>
           <a:p>
             <a:pPr lvl="3"/>
@@ -2412,6 +2198,7 @@
               <a:rPr lang="zh-CN" altLang="en-US"/>
               <a:t>第四级</a:t>
             </a:r>
+            <a:endParaRPr lang="zh-CN" altLang="en-US"/>
           </a:p>
           <a:p>
             <a:pPr lvl="4"/>
@@ -2419,6 +2206,7 @@
               <a:rPr lang="zh-CN" altLang="en-US"/>
               <a:t>第五级</a:t>
             </a:r>
+            <a:endParaRPr lang="zh-CN" altLang="en-US"/>
           </a:p>
         </p:txBody>
       </p:sp>
@@ -2439,8 +2227,6 @@
           <a:p>
             <a:fld id="{CB821BB6-FFC6-4F4F-BB7C-1255C9EBF2D9}" type="datetimeFigureOut">
               <a:rPr lang="zh-CN" altLang="en-US" smtClean="0"/>
-              <a:pPr/>
-              <a:t>2020/3/4</a:t>
             </a:fld>
             <a:endParaRPr lang="zh-CN" altLang="en-US"/>
           </a:p>
@@ -2482,8 +2268,6 @@
           <a:p>
             <a:fld id="{CC4954EA-27E7-4AB6-94E1-688632AAB0E2}" type="slidenum">
               <a:rPr lang="zh-CN" altLang="en-US" smtClean="0"/>
-              <a:pPr/>
-              <a:t>‹#›</a:t>
             </a:fld>
             <a:endParaRPr lang="zh-CN" altLang="en-US"/>
           </a:p>
@@ -2536,6 +2320,7 @@
               <a:rPr lang="zh-CN" altLang="en-US"/>
               <a:t>单击此处编辑母版标题样式</a:t>
             </a:r>
+            <a:endParaRPr lang="zh-CN" altLang="en-US"/>
           </a:p>
         </p:txBody>
       </p:sp>
@@ -2559,6 +2344,7 @@
               <a:rPr lang="zh-CN" altLang="en-US"/>
               <a:t>单击此处编辑母版文本样式</a:t>
             </a:r>
+            <a:endParaRPr lang="zh-CN" altLang="en-US"/>
           </a:p>
           <a:p>
             <a:pPr lvl="1"/>
@@ -2566,6 +2352,7 @@
               <a:rPr lang="zh-CN" altLang="en-US"/>
               <a:t>第二级</a:t>
             </a:r>
+            <a:endParaRPr lang="zh-CN" altLang="en-US"/>
           </a:p>
           <a:p>
             <a:pPr lvl="2"/>
@@ -2573,6 +2360,7 @@
               <a:rPr lang="zh-CN" altLang="en-US"/>
               <a:t>第三级</a:t>
             </a:r>
+            <a:endParaRPr lang="zh-CN" altLang="en-US"/>
           </a:p>
           <a:p>
             <a:pPr lvl="3"/>
@@ -2580,6 +2368,7 @@
               <a:rPr lang="zh-CN" altLang="en-US"/>
               <a:t>第四级</a:t>
             </a:r>
+            <a:endParaRPr lang="zh-CN" altLang="en-US"/>
           </a:p>
           <a:p>
             <a:pPr lvl="4"/>
@@ -2587,6 +2376,7 @@
               <a:rPr lang="zh-CN" altLang="en-US"/>
               <a:t>第五级</a:t>
             </a:r>
+            <a:endParaRPr lang="zh-CN" altLang="en-US"/>
           </a:p>
         </p:txBody>
       </p:sp>
@@ -2607,8 +2397,6 @@
           <a:p>
             <a:fld id="{CB821BB6-FFC6-4F4F-BB7C-1255C9EBF2D9}" type="datetimeFigureOut">
               <a:rPr lang="zh-CN" altLang="en-US" smtClean="0"/>
-              <a:pPr/>
-              <a:t>2020/3/4</a:t>
             </a:fld>
             <a:endParaRPr lang="zh-CN" altLang="en-US"/>
           </a:p>
@@ -2650,8 +2438,6 @@
           <a:p>
             <a:fld id="{CC4954EA-27E7-4AB6-94E1-688632AAB0E2}" type="slidenum">
               <a:rPr lang="zh-CN" altLang="en-US" smtClean="0"/>
-              <a:pPr/>
-              <a:t>‹#›</a:t>
             </a:fld>
             <a:endParaRPr lang="zh-CN" altLang="en-US"/>
           </a:p>
@@ -2713,6 +2499,7 @@
               <a:rPr lang="zh-CN" altLang="en-US"/>
               <a:t>单击此处编辑母版标题样式</a:t>
             </a:r>
+            <a:endParaRPr lang="zh-CN" altLang="en-US"/>
           </a:p>
         </p:txBody>
       </p:sp>
@@ -2832,6 +2619,7 @@
               <a:rPr lang="zh-CN" altLang="en-US"/>
               <a:t>单击此处编辑母版文本样式</a:t>
             </a:r>
+            <a:endParaRPr lang="zh-CN" altLang="en-US"/>
           </a:p>
         </p:txBody>
       </p:sp>
@@ -2852,8 +2640,6 @@
           <a:p>
             <a:fld id="{CB821BB6-FFC6-4F4F-BB7C-1255C9EBF2D9}" type="datetimeFigureOut">
               <a:rPr lang="zh-CN" altLang="en-US" smtClean="0"/>
-              <a:pPr/>
-              <a:t>2020/3/4</a:t>
             </a:fld>
             <a:endParaRPr lang="zh-CN" altLang="en-US"/>
           </a:p>
@@ -2895,8 +2681,6 @@
           <a:p>
             <a:fld id="{CC4954EA-27E7-4AB6-94E1-688632AAB0E2}" type="slidenum">
               <a:rPr lang="zh-CN" altLang="en-US" smtClean="0"/>
-              <a:pPr/>
-              <a:t>‹#›</a:t>
             </a:fld>
             <a:endParaRPr lang="zh-CN" altLang="en-US"/>
           </a:p>
@@ -2949,6 +2733,7 @@
               <a:rPr lang="zh-CN" altLang="en-US"/>
               <a:t>单击此处编辑母版标题样式</a:t>
             </a:r>
+            <a:endParaRPr lang="zh-CN" altLang="en-US"/>
           </a:p>
         </p:txBody>
       </p:sp>
@@ -2977,6 +2762,7 @@
               <a:rPr lang="zh-CN" altLang="en-US"/>
               <a:t>单击此处编辑母版文本样式</a:t>
             </a:r>
+            <a:endParaRPr lang="zh-CN" altLang="en-US"/>
           </a:p>
           <a:p>
             <a:pPr lvl="1"/>
@@ -2984,6 +2770,7 @@
               <a:rPr lang="zh-CN" altLang="en-US"/>
               <a:t>第二级</a:t>
             </a:r>
+            <a:endParaRPr lang="zh-CN" altLang="en-US"/>
           </a:p>
           <a:p>
             <a:pPr lvl="2"/>
@@ -2991,6 +2778,7 @@
               <a:rPr lang="zh-CN" altLang="en-US"/>
               <a:t>第三级</a:t>
             </a:r>
+            <a:endParaRPr lang="zh-CN" altLang="en-US"/>
           </a:p>
           <a:p>
             <a:pPr lvl="3"/>
@@ -2998,6 +2786,7 @@
               <a:rPr lang="zh-CN" altLang="en-US"/>
               <a:t>第四级</a:t>
             </a:r>
+            <a:endParaRPr lang="zh-CN" altLang="en-US"/>
           </a:p>
           <a:p>
             <a:pPr lvl="4"/>
@@ -3005,6 +2794,7 @@
               <a:rPr lang="zh-CN" altLang="en-US"/>
               <a:t>第五级</a:t>
             </a:r>
+            <a:endParaRPr lang="zh-CN" altLang="en-US"/>
           </a:p>
         </p:txBody>
       </p:sp>
@@ -3033,6 +2823,7 @@
               <a:rPr lang="zh-CN" altLang="en-US"/>
               <a:t>单击此处编辑母版文本样式</a:t>
             </a:r>
+            <a:endParaRPr lang="zh-CN" altLang="en-US"/>
           </a:p>
           <a:p>
             <a:pPr lvl="1"/>
@@ -3040,6 +2831,7 @@
               <a:rPr lang="zh-CN" altLang="en-US"/>
               <a:t>第二级</a:t>
             </a:r>
+            <a:endParaRPr lang="zh-CN" altLang="en-US"/>
           </a:p>
           <a:p>
             <a:pPr lvl="2"/>
@@ -3047,6 +2839,7 @@
               <a:rPr lang="zh-CN" altLang="en-US"/>
               <a:t>第三级</a:t>
             </a:r>
+            <a:endParaRPr lang="zh-CN" altLang="en-US"/>
           </a:p>
           <a:p>
             <a:pPr lvl="3"/>
@@ -3054,6 +2847,7 @@
               <a:rPr lang="zh-CN" altLang="en-US"/>
               <a:t>第四级</a:t>
             </a:r>
+            <a:endParaRPr lang="zh-CN" altLang="en-US"/>
           </a:p>
           <a:p>
             <a:pPr lvl="4"/>
@@ -3061,6 +2855,7 @@
               <a:rPr lang="zh-CN" altLang="en-US"/>
               <a:t>第五级</a:t>
             </a:r>
+            <a:endParaRPr lang="zh-CN" altLang="en-US"/>
           </a:p>
         </p:txBody>
       </p:sp>
@@ -3081,8 +2876,6 @@
           <a:p>
             <a:fld id="{CB821BB6-FFC6-4F4F-BB7C-1255C9EBF2D9}" type="datetimeFigureOut">
               <a:rPr lang="zh-CN" altLang="en-US" smtClean="0"/>
-              <a:pPr/>
-              <a:t>2020/3/4</a:t>
             </a:fld>
             <a:endParaRPr lang="zh-CN" altLang="en-US"/>
           </a:p>
@@ -3124,8 +2917,6 @@
           <a:p>
             <a:fld id="{CC4954EA-27E7-4AB6-94E1-688632AAB0E2}" type="slidenum">
               <a:rPr lang="zh-CN" altLang="en-US" smtClean="0"/>
-              <a:pPr/>
-              <a:t>‹#›</a:t>
             </a:fld>
             <a:endParaRPr lang="zh-CN" altLang="en-US"/>
           </a:p>
@@ -3183,6 +2974,7 @@
               <a:rPr lang="zh-CN" altLang="en-US"/>
               <a:t>单击此处编辑母版标题样式</a:t>
             </a:r>
+            <a:endParaRPr lang="zh-CN" altLang="en-US"/>
           </a:p>
         </p:txBody>
       </p:sp>
@@ -3248,6 +3040,7 @@
               <a:rPr lang="zh-CN" altLang="en-US"/>
               <a:t>单击此处编辑母版文本样式</a:t>
             </a:r>
+            <a:endParaRPr lang="zh-CN" altLang="en-US"/>
           </a:p>
         </p:txBody>
       </p:sp>
@@ -3276,6 +3069,7 @@
               <a:rPr lang="zh-CN" altLang="en-US"/>
               <a:t>单击此处编辑母版文本样式</a:t>
             </a:r>
+            <a:endParaRPr lang="zh-CN" altLang="en-US"/>
           </a:p>
           <a:p>
             <a:pPr lvl="1"/>
@@ -3283,6 +3077,7 @@
               <a:rPr lang="zh-CN" altLang="en-US"/>
               <a:t>第二级</a:t>
             </a:r>
+            <a:endParaRPr lang="zh-CN" altLang="en-US"/>
           </a:p>
           <a:p>
             <a:pPr lvl="2"/>
@@ -3290,6 +3085,7 @@
               <a:rPr lang="zh-CN" altLang="en-US"/>
               <a:t>第三级</a:t>
             </a:r>
+            <a:endParaRPr lang="zh-CN" altLang="en-US"/>
           </a:p>
           <a:p>
             <a:pPr lvl="3"/>
@@ -3297,6 +3093,7 @@
               <a:rPr lang="zh-CN" altLang="en-US"/>
               <a:t>第四级</a:t>
             </a:r>
+            <a:endParaRPr lang="zh-CN" altLang="en-US"/>
           </a:p>
           <a:p>
             <a:pPr lvl="4"/>
@@ -3304,6 +3101,7 @@
               <a:rPr lang="zh-CN" altLang="en-US"/>
               <a:t>第五级</a:t>
             </a:r>
+            <a:endParaRPr lang="zh-CN" altLang="en-US"/>
           </a:p>
         </p:txBody>
       </p:sp>
@@ -3369,6 +3167,7 @@
               <a:rPr lang="zh-CN" altLang="en-US"/>
               <a:t>单击此处编辑母版文本样式</a:t>
             </a:r>
+            <a:endParaRPr lang="zh-CN" altLang="en-US"/>
           </a:p>
         </p:txBody>
       </p:sp>
@@ -3397,6 +3196,7 @@
               <a:rPr lang="zh-CN" altLang="en-US"/>
               <a:t>单击此处编辑母版文本样式</a:t>
             </a:r>
+            <a:endParaRPr lang="zh-CN" altLang="en-US"/>
           </a:p>
           <a:p>
             <a:pPr lvl="1"/>
@@ -3404,6 +3204,7 @@
               <a:rPr lang="zh-CN" altLang="en-US"/>
               <a:t>第二级</a:t>
             </a:r>
+            <a:endParaRPr lang="zh-CN" altLang="en-US"/>
           </a:p>
           <a:p>
             <a:pPr lvl="2"/>
@@ -3411,6 +3212,7 @@
               <a:rPr lang="zh-CN" altLang="en-US"/>
               <a:t>第三级</a:t>
             </a:r>
+            <a:endParaRPr lang="zh-CN" altLang="en-US"/>
           </a:p>
           <a:p>
             <a:pPr lvl="3"/>
@@ -3418,6 +3220,7 @@
               <a:rPr lang="zh-CN" altLang="en-US"/>
               <a:t>第四级</a:t>
             </a:r>
+            <a:endParaRPr lang="zh-CN" altLang="en-US"/>
           </a:p>
           <a:p>
             <a:pPr lvl="4"/>
@@ -3425,6 +3228,7 @@
               <a:rPr lang="zh-CN" altLang="en-US"/>
               <a:t>第五级</a:t>
             </a:r>
+            <a:endParaRPr lang="zh-CN" altLang="en-US"/>
           </a:p>
         </p:txBody>
       </p:sp>
@@ -3445,8 +3249,6 @@
           <a:p>
             <a:fld id="{CB821BB6-FFC6-4F4F-BB7C-1255C9EBF2D9}" type="datetimeFigureOut">
               <a:rPr lang="zh-CN" altLang="en-US" smtClean="0"/>
-              <a:pPr/>
-              <a:t>2020/3/4</a:t>
             </a:fld>
             <a:endParaRPr lang="zh-CN" altLang="en-US"/>
           </a:p>
@@ -3488,8 +3290,6 @@
           <a:p>
             <a:fld id="{CC4954EA-27E7-4AB6-94E1-688632AAB0E2}" type="slidenum">
               <a:rPr lang="zh-CN" altLang="en-US" smtClean="0"/>
-              <a:pPr/>
-              <a:t>‹#›</a:t>
             </a:fld>
             <a:endParaRPr lang="zh-CN" altLang="en-US"/>
           </a:p>
@@ -3542,6 +3342,7 @@
               <a:rPr lang="zh-CN" altLang="en-US"/>
               <a:t>单击此处编辑母版标题样式</a:t>
             </a:r>
+            <a:endParaRPr lang="zh-CN" altLang="en-US"/>
           </a:p>
         </p:txBody>
       </p:sp>
@@ -3562,8 +3363,6 @@
           <a:p>
             <a:fld id="{CB821BB6-FFC6-4F4F-BB7C-1255C9EBF2D9}" type="datetimeFigureOut">
               <a:rPr lang="zh-CN" altLang="en-US" smtClean="0"/>
-              <a:pPr/>
-              <a:t>2020/3/4</a:t>
             </a:fld>
             <a:endParaRPr lang="zh-CN" altLang="en-US"/>
           </a:p>
@@ -3605,8 +3404,6 @@
           <a:p>
             <a:fld id="{CC4954EA-27E7-4AB6-94E1-688632AAB0E2}" type="slidenum">
               <a:rPr lang="zh-CN" altLang="en-US" smtClean="0"/>
-              <a:pPr/>
-              <a:t>‹#›</a:t>
             </a:fld>
             <a:endParaRPr lang="zh-CN" altLang="en-US"/>
           </a:p>
@@ -3657,8 +3454,6 @@
           <a:p>
             <a:fld id="{CB821BB6-FFC6-4F4F-BB7C-1255C9EBF2D9}" type="datetimeFigureOut">
               <a:rPr lang="zh-CN" altLang="en-US" smtClean="0"/>
-              <a:pPr/>
-              <a:t>2020/3/4</a:t>
             </a:fld>
             <a:endParaRPr lang="zh-CN" altLang="en-US"/>
           </a:p>
@@ -3700,8 +3495,6 @@
           <a:p>
             <a:fld id="{CC4954EA-27E7-4AB6-94E1-688632AAB0E2}" type="slidenum">
               <a:rPr lang="zh-CN" altLang="en-US" smtClean="0"/>
-              <a:pPr/>
-              <a:t>‹#›</a:t>
             </a:fld>
             <a:endParaRPr lang="zh-CN" altLang="en-US"/>
           </a:p>
@@ -3763,6 +3556,7 @@
               <a:rPr lang="zh-CN" altLang="en-US"/>
               <a:t>单击此处编辑母版标题样式</a:t>
             </a:r>
+            <a:endParaRPr lang="zh-CN" altLang="en-US"/>
           </a:p>
         </p:txBody>
       </p:sp>
@@ -3819,6 +3613,7 @@
               <a:rPr lang="zh-CN" altLang="en-US"/>
               <a:t>单击此处编辑母版文本样式</a:t>
             </a:r>
+            <a:endParaRPr lang="zh-CN" altLang="en-US"/>
           </a:p>
           <a:p>
             <a:pPr lvl="1"/>
@@ -3826,6 +3621,7 @@
               <a:rPr lang="zh-CN" altLang="en-US"/>
               <a:t>第二级</a:t>
             </a:r>
+            <a:endParaRPr lang="zh-CN" altLang="en-US"/>
           </a:p>
           <a:p>
             <a:pPr lvl="2"/>
@@ -3833,6 +3629,7 @@
               <a:rPr lang="zh-CN" altLang="en-US"/>
               <a:t>第三级</a:t>
             </a:r>
+            <a:endParaRPr lang="zh-CN" altLang="en-US"/>
           </a:p>
           <a:p>
             <a:pPr lvl="3"/>
@@ -3840,6 +3637,7 @@
               <a:rPr lang="zh-CN" altLang="en-US"/>
               <a:t>第四级</a:t>
             </a:r>
+            <a:endParaRPr lang="zh-CN" altLang="en-US"/>
           </a:p>
           <a:p>
             <a:pPr lvl="4"/>
@@ -3847,6 +3645,7 @@
               <a:rPr lang="zh-CN" altLang="en-US"/>
               <a:t>第五级</a:t>
             </a:r>
+            <a:endParaRPr lang="zh-CN" altLang="en-US"/>
           </a:p>
         </p:txBody>
       </p:sp>
@@ -3912,6 +3711,7 @@
               <a:rPr lang="zh-CN" altLang="en-US"/>
               <a:t>单击此处编辑母版文本样式</a:t>
             </a:r>
+            <a:endParaRPr lang="zh-CN" altLang="en-US"/>
           </a:p>
         </p:txBody>
       </p:sp>
@@ -3932,8 +3732,6 @@
           <a:p>
             <a:fld id="{CB821BB6-FFC6-4F4F-BB7C-1255C9EBF2D9}" type="datetimeFigureOut">
               <a:rPr lang="zh-CN" altLang="en-US" smtClean="0"/>
-              <a:pPr/>
-              <a:t>2020/3/4</a:t>
             </a:fld>
             <a:endParaRPr lang="zh-CN" altLang="en-US"/>
           </a:p>
@@ -3975,8 +3773,6 @@
           <a:p>
             <a:fld id="{CC4954EA-27E7-4AB6-94E1-688632AAB0E2}" type="slidenum">
               <a:rPr lang="zh-CN" altLang="en-US" smtClean="0"/>
-              <a:pPr/>
-              <a:t>‹#›</a:t>
             </a:fld>
             <a:endParaRPr lang="zh-CN" altLang="en-US"/>
           </a:p>
@@ -4038,6 +3834,7 @@
               <a:rPr lang="zh-CN" altLang="en-US"/>
               <a:t>单击此处编辑母版标题样式</a:t>
             </a:r>
+            <a:endParaRPr lang="zh-CN" altLang="en-US"/>
           </a:p>
         </p:txBody>
       </p:sp>
@@ -4164,6 +3961,7 @@
               <a:rPr lang="zh-CN" altLang="en-US"/>
               <a:t>单击此处编辑母版文本样式</a:t>
             </a:r>
+            <a:endParaRPr lang="zh-CN" altLang="en-US"/>
           </a:p>
         </p:txBody>
       </p:sp>
@@ -4184,8 +3982,6 @@
           <a:p>
             <a:fld id="{CB821BB6-FFC6-4F4F-BB7C-1255C9EBF2D9}" type="datetimeFigureOut">
               <a:rPr lang="zh-CN" altLang="en-US" smtClean="0"/>
-              <a:pPr/>
-              <a:t>2020/3/4</a:t>
             </a:fld>
             <a:endParaRPr lang="zh-CN" altLang="en-US"/>
           </a:p>
@@ -4227,8 +4023,6 @@
           <a:p>
             <a:fld id="{CC4954EA-27E7-4AB6-94E1-688632AAB0E2}" type="slidenum">
               <a:rPr lang="zh-CN" altLang="en-US" smtClean="0"/>
-              <a:pPr/>
-              <a:t>‹#›</a:t>
             </a:fld>
             <a:endParaRPr lang="zh-CN" altLang="en-US"/>
           </a:p>
@@ -4299,6 +4093,7 @@
               <a:rPr lang="zh-CN" altLang="en-US"/>
               <a:t>单击此处编辑母版标题样式</a:t>
             </a:r>
+            <a:endParaRPr lang="zh-CN" altLang="en-US"/>
           </a:p>
         </p:txBody>
       </p:sp>
@@ -4332,6 +4127,7 @@
               <a:rPr lang="zh-CN" altLang="en-US"/>
               <a:t>单击此处编辑母版文本样式</a:t>
             </a:r>
+            <a:endParaRPr lang="zh-CN" altLang="en-US"/>
           </a:p>
           <a:p>
             <a:pPr lvl="1"/>
@@ -4339,6 +4135,7 @@
               <a:rPr lang="zh-CN" altLang="en-US"/>
               <a:t>第二级</a:t>
             </a:r>
+            <a:endParaRPr lang="zh-CN" altLang="en-US"/>
           </a:p>
           <a:p>
             <a:pPr lvl="2"/>
@@ -4346,6 +4143,7 @@
               <a:rPr lang="zh-CN" altLang="en-US"/>
               <a:t>第三级</a:t>
             </a:r>
+            <a:endParaRPr lang="zh-CN" altLang="en-US"/>
           </a:p>
           <a:p>
             <a:pPr lvl="3"/>
@@ -4353,6 +4151,7 @@
               <a:rPr lang="zh-CN" altLang="en-US"/>
               <a:t>第四级</a:t>
             </a:r>
+            <a:endParaRPr lang="zh-CN" altLang="en-US"/>
           </a:p>
           <a:p>
             <a:pPr lvl="4"/>
@@ -4360,6 +4159,7 @@
               <a:rPr lang="zh-CN" altLang="en-US"/>
               <a:t>第五级</a:t>
             </a:r>
+            <a:endParaRPr lang="zh-CN" altLang="en-US"/>
           </a:p>
         </p:txBody>
       </p:sp>
@@ -4398,8 +4198,6 @@
           <a:p>
             <a:fld id="{CB821BB6-FFC6-4F4F-BB7C-1255C9EBF2D9}" type="datetimeFigureOut">
               <a:rPr lang="zh-CN" altLang="en-US" smtClean="0"/>
-              <a:pPr/>
-              <a:t>2020/3/4</a:t>
             </a:fld>
             <a:endParaRPr lang="zh-CN" altLang="en-US"/>
           </a:p>
@@ -4477,8 +4275,6 @@
           <a:p>
             <a:fld id="{CC4954EA-27E7-4AB6-94E1-688632AAB0E2}" type="slidenum">
               <a:rPr lang="zh-CN" altLang="en-US" smtClean="0"/>
-              <a:pPr/>
-              <a:t>‹#›</a:t>
             </a:fld>
             <a:endParaRPr lang="zh-CN" altLang="en-US"/>
           </a:p>
@@ -4531,7 +4327,7 @@
         <a:spcBef>
           <a:spcPts val="1000"/>
         </a:spcBef>
-        <a:buFont typeface="Arial" panose="020B0604020202020204" pitchFamily="34" charset="0"/>
+        <a:buFont typeface="Arial" panose="020B0604020202090204" pitchFamily="34" charset="0"/>
         <a:buChar char="•"/>
         <a:defRPr sz="2800" kern="1200">
           <a:solidFill>
@@ -4549,7 +4345,7 @@
         <a:spcBef>
           <a:spcPts val="500"/>
         </a:spcBef>
-        <a:buFont typeface="Arial" panose="020B0604020202020204" pitchFamily="34" charset="0"/>
+        <a:buFont typeface="Arial" panose="020B0604020202090204" pitchFamily="34" charset="0"/>
         <a:buChar char="•"/>
         <a:defRPr sz="2400" kern="1200">
           <a:solidFill>
@@ -4567,7 +4363,7 @@
         <a:spcBef>
           <a:spcPts val="500"/>
         </a:spcBef>
-        <a:buFont typeface="Arial" panose="020B0604020202020204" pitchFamily="34" charset="0"/>
+        <a:buFont typeface="Arial" panose="020B0604020202090204" pitchFamily="34" charset="0"/>
         <a:buChar char="•"/>
         <a:defRPr sz="2000" kern="1200">
           <a:solidFill>
@@ -4585,7 +4381,7 @@
         <a:spcBef>
           <a:spcPts val="500"/>
         </a:spcBef>
-        <a:buFont typeface="Arial" panose="020B0604020202020204" pitchFamily="34" charset="0"/>
+        <a:buFont typeface="Arial" panose="020B0604020202090204" pitchFamily="34" charset="0"/>
         <a:buChar char="•"/>
         <a:defRPr sz="1800" kern="1200">
           <a:solidFill>
@@ -4603,7 +4399,7 @@
         <a:spcBef>
           <a:spcPts val="500"/>
         </a:spcBef>
-        <a:buFont typeface="Arial" panose="020B0604020202020204" pitchFamily="34" charset="0"/>
+        <a:buFont typeface="Arial" panose="020B0604020202090204" pitchFamily="34" charset="0"/>
         <a:buChar char="•"/>
         <a:defRPr sz="1800" kern="1200">
           <a:solidFill>
@@ -4621,7 +4417,7 @@
         <a:spcBef>
           <a:spcPts val="500"/>
         </a:spcBef>
-        <a:buFont typeface="Arial" panose="020B0604020202020204" pitchFamily="34" charset="0"/>
+        <a:buFont typeface="Arial" panose="020B0604020202090204" pitchFamily="34" charset="0"/>
         <a:buChar char="•"/>
         <a:defRPr sz="1800" kern="1200">
           <a:solidFill>
@@ -4639,7 +4435,7 @@
         <a:spcBef>
           <a:spcPts val="500"/>
         </a:spcBef>
-        <a:buFont typeface="Arial" panose="020B0604020202020204" pitchFamily="34" charset="0"/>
+        <a:buFont typeface="Arial" panose="020B0604020202090204" pitchFamily="34" charset="0"/>
         <a:buChar char="•"/>
         <a:defRPr sz="1800" kern="1200">
           <a:solidFill>
@@ -4657,7 +4453,7 @@
         <a:spcBef>
           <a:spcPts val="500"/>
         </a:spcBef>
-        <a:buFont typeface="Arial" panose="020B0604020202020204" pitchFamily="34" charset="0"/>
+        <a:buFont typeface="Arial" panose="020B0604020202090204" pitchFamily="34" charset="0"/>
         <a:buChar char="•"/>
         <a:defRPr sz="1800" kern="1200">
           <a:solidFill>
@@ -4675,7 +4471,7 @@
         <a:spcBef>
           <a:spcPts val="500"/>
         </a:spcBef>
-        <a:buFont typeface="Arial" panose="020B0604020202020204" pitchFamily="34" charset="0"/>
+        <a:buFont typeface="Arial" panose="020B0604020202090204" pitchFamily="34" charset="0"/>
         <a:buChar char="•"/>
         <a:defRPr sz="1800" kern="1200">
           <a:solidFill>
@@ -4812,7 +4608,7 @@
           <p:nvPr/>
         </p:nvPicPr>
         <p:blipFill>
-          <a:blip r:embed="rId3" cstate="print"/>
+          <a:blip r:embed="rId1" cstate="print"/>
           <a:srcRect t="4787"/>
           <a:stretch>
             <a:fillRect/>
@@ -4933,7 +4729,7 @@
           <p:nvPr/>
         </p:nvPicPr>
         <p:blipFill>
-          <a:blip r:embed="rId4" cstate="print"/>
+          <a:blip r:embed="rId2" cstate="print"/>
           <a:srcRect/>
           <a:stretch>
             <a:fillRect/>
@@ -4960,7 +4756,7 @@
         <p:spPr bwMode="auto">
           <a:xfrm>
             <a:off x="2516650" y="4490696"/>
-            <a:ext cx="11333526" cy="553998"/>
+            <a:ext cx="11333526" cy="553720"/>
           </a:xfrm>
           <a:prstGeom prst="rect">
             <a:avLst/>
@@ -4971,14 +4767,14 @@
           </a:ln>
           <a:extLst>
             <a:ext uri="{909E8E84-426E-40DD-AFC4-6F175D3DCCD1}">
-              <a14:hiddenFill xmlns="" xmlns:a14="http://schemas.microsoft.com/office/drawing/2010/main">
+              <a14:hiddenFill xmlns:a14="http://schemas.microsoft.com/office/drawing/2010/main">
                 <a:solidFill>
                   <a:srgbClr val="FFFFFF"/>
                 </a:solidFill>
               </a14:hiddenFill>
             </a:ext>
             <a:ext uri="{91240B29-F687-4F45-9708-019B960494DF}">
-              <a14:hiddenLine xmlns="" xmlns:a14="http://schemas.microsoft.com/office/drawing/2010/main" w="9525">
+              <a14:hiddenLine xmlns:a14="http://schemas.microsoft.com/office/drawing/2010/main" w="9525">
                 <a:solidFill>
                   <a:srgbClr val="000000"/>
                 </a:solidFill>
@@ -4998,7 +4794,7 @@
               <a:spcBef>
                 <a:spcPct val="20000"/>
               </a:spcBef>
-              <a:buFont typeface="Arial" panose="020B0604020202020204" pitchFamily="34" charset="0"/>
+              <a:buFont typeface="Arial" panose="020B0604020202090204" pitchFamily="34" charset="0"/>
               <a:buChar char="•"/>
               <a:defRPr sz="3200">
                 <a:solidFill>
@@ -5013,7 +4809,7 @@
               <a:spcBef>
                 <a:spcPct val="20000"/>
               </a:spcBef>
-              <a:buFont typeface="Arial" panose="020B0604020202020204" pitchFamily="34" charset="0"/>
+              <a:buFont typeface="Arial" panose="020B0604020202090204" pitchFamily="34" charset="0"/>
               <a:buChar char="–"/>
               <a:defRPr sz="2800">
                 <a:solidFill>
@@ -5028,7 +4824,7 @@
               <a:spcBef>
                 <a:spcPct val="20000"/>
               </a:spcBef>
-              <a:buFont typeface="Arial" panose="020B0604020202020204" pitchFamily="34" charset="0"/>
+              <a:buFont typeface="Arial" panose="020B0604020202090204" pitchFamily="34" charset="0"/>
               <a:buChar char="•"/>
               <a:defRPr sz="2400">
                 <a:solidFill>
@@ -5043,7 +4839,7 @@
               <a:spcBef>
                 <a:spcPct val="20000"/>
               </a:spcBef>
-              <a:buFont typeface="Arial" panose="020B0604020202020204" pitchFamily="34" charset="0"/>
+              <a:buFont typeface="Arial" panose="020B0604020202090204" pitchFamily="34" charset="0"/>
               <a:buChar char="–"/>
               <a:defRPr sz="2000">
                 <a:solidFill>
@@ -5058,7 +4854,7 @@
               <a:spcBef>
                 <a:spcPct val="20000"/>
               </a:spcBef>
-              <a:buFont typeface="Arial" panose="020B0604020202020204" pitchFamily="34" charset="0"/>
+              <a:buFont typeface="Arial" panose="020B0604020202090204" pitchFamily="34" charset="0"/>
               <a:buChar char="»"/>
               <a:defRPr sz="2000">
                 <a:solidFill>
@@ -5076,7 +4872,7 @@
               <a:spcAft>
                 <a:spcPct val="0"/>
               </a:spcAft>
-              <a:buFont typeface="Arial" panose="020B0604020202020204" pitchFamily="34" charset="0"/>
+              <a:buFont typeface="Arial" panose="020B0604020202090204" pitchFamily="34" charset="0"/>
               <a:buChar char="»"/>
               <a:defRPr sz="2000">
                 <a:solidFill>
@@ -5094,7 +4890,7 @@
               <a:spcAft>
                 <a:spcPct val="0"/>
               </a:spcAft>
-              <a:buFont typeface="Arial" panose="020B0604020202020204" pitchFamily="34" charset="0"/>
+              <a:buFont typeface="Arial" panose="020B0604020202090204" pitchFamily="34" charset="0"/>
               <a:buChar char="»"/>
               <a:defRPr sz="2000">
                 <a:solidFill>
@@ -5112,7 +4908,7 @@
               <a:spcAft>
                 <a:spcPct val="0"/>
               </a:spcAft>
-              <a:buFont typeface="Arial" panose="020B0604020202020204" pitchFamily="34" charset="0"/>
+              <a:buFont typeface="Arial" panose="020B0604020202090204" pitchFamily="34" charset="0"/>
               <a:buChar char="»"/>
               <a:defRPr sz="2000">
                 <a:solidFill>
@@ -5130,7 +4926,7 @@
               <a:spcAft>
                 <a:spcPct val="0"/>
               </a:spcAft>
-              <a:buFont typeface="Arial" panose="020B0604020202020204" pitchFamily="34" charset="0"/>
+              <a:buFont typeface="Arial" panose="020B0604020202090204" pitchFamily="34" charset="0"/>
               <a:buChar char="»"/>
               <a:defRPr sz="2000">
                 <a:solidFill>
@@ -5151,33 +4947,24 @@
                 <a:solidFill>
                   <a:srgbClr val="02489E"/>
                 </a:solidFill>
-                <a:cs typeface="Arial" panose="020B0604020202020204" pitchFamily="34" charset="0"/>
+                <a:cs typeface="Arial" panose="020B0604020202090204" pitchFamily="34" charset="0"/>
               </a:rPr>
               <a:t>vue</a:t>
             </a:r>
             <a:r>
-              <a:rPr lang="en-US" altLang="zh-CN" sz="3600" b="1" cap="all" dirty="0" smtClean="0">
+              <a:rPr lang="zh-CN" altLang="en-US" sz="3600" b="1" cap="all" dirty="0" smtClean="0">
                 <a:solidFill>
                   <a:srgbClr val="02489E"/>
                 </a:solidFill>
-                <a:cs typeface="Arial" panose="020B0604020202020204" pitchFamily="34" charset="0"/>
+                <a:cs typeface="Arial" panose="020B0604020202090204" pitchFamily="34" charset="0"/>
               </a:rPr>
-              <a:t> </a:t>
-            </a:r>
-            <a:r>
-              <a:rPr lang="zh-CN" altLang="en-US" sz="3600" b="1" cap="all" dirty="0" smtClean="0">
-                <a:solidFill>
-                  <a:srgbClr val="02489E"/>
-                </a:solidFill>
-                <a:cs typeface="Arial" panose="020B0604020202020204" pitchFamily="34" charset="0"/>
-              </a:rPr>
-              <a:t>基础及组件</a:t>
-            </a:r>
-            <a:endParaRPr lang="en-US" altLang="zh-CN" sz="3600" b="1" cap="all" dirty="0" smtClean="0">
+              <a:t>基础及组件模型</a:t>
+            </a:r>
+            <a:endParaRPr lang="zh-CN" altLang="en-US" sz="3600" b="1" cap="all" dirty="0" smtClean="0">
               <a:solidFill>
                 <a:srgbClr val="02489E"/>
               </a:solidFill>
-              <a:cs typeface="Arial" panose="020B0604020202020204" pitchFamily="34" charset="0"/>
+              <a:cs typeface="Arial" panose="020B0604020202090204" pitchFamily="34" charset="0"/>
             </a:endParaRPr>
           </a:p>
         </p:txBody>
@@ -5188,7 +4975,7 @@
     <a:masterClrMapping/>
   </p:clrMapOvr>
   <mc:AlternateContent xmlns:mc="http://schemas.openxmlformats.org/markup-compatibility/2006">
-    <mc:Choice xmlns="" xmlns:p14="http://schemas.microsoft.com/office/powerpoint/2010/main" Requires="p14">
+    <mc:Choice xmlns:p14="http://schemas.microsoft.com/office/powerpoint/2010/main" Requires="p14">
       <p:transition p14:dur="0" advTm="911"/>
     </mc:Choice>
     <mc:Fallback>
@@ -5231,11 +5018,11 @@
           <p:nvPr/>
         </p:nvPicPr>
         <p:blipFill rotWithShape="1">
-          <a:blip r:embed="rId3" cstate="print">
+          <a:blip r:embed="rId1" cstate="print">
             <a:extLst>
               <a:ext uri="{BEBA8EAE-BF5A-486C-A8C5-ECC9F3942E4B}">
-                <a14:imgProps xmlns="" xmlns:a14="http://schemas.microsoft.com/office/drawing/2010/main">
-                  <a14:imgLayer r:embed="rId4">
+                <a14:imgProps xmlns:a14="http://schemas.microsoft.com/office/drawing/2010/main">
+                  <a14:imgLayer r:embed="rId2">
                     <a14:imgEffect>
                       <a14:saturation sat="0"/>
                     </a14:imgEffect>
@@ -5358,49 +5145,6 @@
       </p:sp>
       <p:sp>
         <p:nvSpPr>
-          <p:cNvPr id="7" name="文本框 6"/>
-          <p:cNvSpPr txBox="1"/>
-          <p:nvPr/>
-        </p:nvSpPr>
-        <p:spPr>
-          <a:xfrm>
-            <a:off x="1520031" y="804444"/>
-            <a:ext cx="2613546" cy="338554"/>
-          </a:xfrm>
-          <a:prstGeom prst="rect">
-            <a:avLst/>
-          </a:prstGeom>
-          <a:noFill/>
-        </p:spPr>
-        <p:txBody>
-          <a:bodyPr wrap="square" rtlCol="0">
-            <a:spAutoFit/>
-          </a:bodyPr>
-          <a:lstStyle/>
-          <a:p>
-            <a:pPr algn="dist"/>
-            <a:r>
-              <a:rPr lang="en-US" altLang="zh-CN" sz="1600" dirty="0">
-                <a:solidFill>
-                  <a:schemeClr val="bg1"/>
-                </a:solidFill>
-                <a:latin typeface="微软雅黑" panose="020B0503020204020204" pitchFamily="34" charset="-122"/>
-                <a:ea typeface="微软雅黑" panose="020B0503020204020204" pitchFamily="34" charset="-122"/>
-              </a:rPr>
-              <a:t>CONTENTS</a:t>
-            </a:r>
-            <a:endParaRPr lang="zh-CN" altLang="en-US" sz="1600" dirty="0">
-              <a:solidFill>
-                <a:schemeClr val="bg1"/>
-              </a:solidFill>
-              <a:latin typeface="微软雅黑" panose="020B0503020204020204" pitchFamily="34" charset="-122"/>
-              <a:ea typeface="微软雅黑" panose="020B0503020204020204" pitchFamily="34" charset="-122"/>
-            </a:endParaRPr>
-          </a:p>
-        </p:txBody>
-      </p:sp>
-      <p:sp>
-        <p:nvSpPr>
           <p:cNvPr id="19" name="文本框 7"/>
           <p:cNvSpPr txBox="1"/>
           <p:nvPr/>
@@ -5457,6 +5201,15 @@
               </a:rPr>
               <a:t>组件</a:t>
             </a:r>
+            <a:endParaRPr kumimoji="1" lang="zh-CN" altLang="en-US" sz="4400" b="1" dirty="0" smtClean="0">
+              <a:solidFill>
+                <a:schemeClr val="bg1"/>
+              </a:solidFill>
+              <a:latin typeface="微软雅黑" panose="020B0503020204020204" pitchFamily="34" charset="-122"/>
+              <a:ea typeface="微软雅黑" panose="020B0503020204020204" pitchFamily="34" charset="-122"/>
+              <a:cs typeface="微软雅黑" panose="020B0503020204020204" pitchFamily="34" charset="-122"/>
+              <a:sym typeface="+mn-ea"/>
+            </a:endParaRPr>
           </a:p>
         </p:txBody>
       </p:sp>
@@ -5539,7 +5292,7 @@
           <p:nvPr/>
         </p:nvPicPr>
         <p:blipFill>
-          <a:blip r:embed="rId5"/>
+          <a:blip r:embed="rId3"/>
           <a:stretch>
             <a:fillRect/>
           </a:stretch>
@@ -5580,14 +5333,18 @@
             <a:r>
               <a:rPr lang="zh-CN" altLang="en-US" sz="2800">
                 <a:solidFill>
-                  <a:schemeClr val="accent5">
-                    <a:lumMod val="75000"/>
-                  </a:schemeClr>
+                  <a:schemeClr val="accent1"/>
                 </a:solidFill>
                 <a:effectLst/>
               </a:rPr>
               <a:t>静态</a:t>
             </a:r>
+            <a:endParaRPr lang="zh-CN" altLang="en-US" sz="2800">
+              <a:solidFill>
+                <a:schemeClr val="accent1"/>
+              </a:solidFill>
+              <a:effectLst/>
+            </a:endParaRPr>
           </a:p>
         </p:txBody>
       </p:sp>
@@ -5617,14 +5374,22 @@
             <a:r>
               <a:rPr lang="zh-CN" altLang="en-US" sz="2800">
                 <a:solidFill>
-                  <a:schemeClr val="bg1">
-                    <a:lumMod val="85000"/>
+                  <a:schemeClr val="accent2">
+                    <a:lumMod val="75000"/>
                   </a:schemeClr>
                 </a:solidFill>
                 <a:effectLst/>
               </a:rPr>
               <a:t>单向传值</a:t>
             </a:r>
+            <a:endParaRPr lang="zh-CN" altLang="en-US" sz="2800">
+              <a:solidFill>
+                <a:schemeClr val="accent2">
+                  <a:lumMod val="75000"/>
+                </a:schemeClr>
+              </a:solidFill>
+              <a:effectLst/>
+            </a:endParaRPr>
           </a:p>
         </p:txBody>
       </p:sp>
@@ -5654,14 +5419,22 @@
             <a:r>
               <a:rPr lang="zh-CN" altLang="en-US" sz="2800">
                 <a:solidFill>
-                  <a:schemeClr val="bg1">
-                    <a:lumMod val="85000"/>
+                  <a:schemeClr val="accent2">
+                    <a:lumMod val="75000"/>
                   </a:schemeClr>
                 </a:solidFill>
                 <a:effectLst/>
               </a:rPr>
               <a:t>抛出事件</a:t>
             </a:r>
+            <a:endParaRPr lang="zh-CN" altLang="en-US" sz="2800">
+              <a:solidFill>
+                <a:schemeClr val="accent2">
+                  <a:lumMod val="75000"/>
+                </a:schemeClr>
+              </a:solidFill>
+              <a:effectLst/>
+            </a:endParaRPr>
           </a:p>
         </p:txBody>
       </p:sp>
@@ -5691,14 +5464,22 @@
             <a:r>
               <a:rPr lang="zh-CN" altLang="en-US" sz="2800">
                 <a:solidFill>
-                  <a:schemeClr val="bg1">
-                    <a:lumMod val="85000"/>
+                  <a:schemeClr val="accent2">
+                    <a:lumMod val="75000"/>
                   </a:schemeClr>
                 </a:solidFill>
                 <a:effectLst/>
               </a:rPr>
               <a:t>插槽</a:t>
             </a:r>
+            <a:endParaRPr lang="zh-CN" altLang="en-US" sz="2800">
+              <a:solidFill>
+                <a:schemeClr val="accent2">
+                  <a:lumMod val="75000"/>
+                </a:schemeClr>
+              </a:solidFill>
+              <a:effectLst/>
+            </a:endParaRPr>
           </a:p>
         </p:txBody>
       </p:sp>
@@ -5728,14 +5509,22 @@
             <a:r>
               <a:rPr lang="zh-CN" altLang="en-US" sz="2800">
                 <a:solidFill>
-                  <a:schemeClr val="bg1">
-                    <a:lumMod val="85000"/>
+                  <a:schemeClr val="accent2">
+                    <a:lumMod val="75000"/>
                   </a:schemeClr>
                 </a:solidFill>
                 <a:effectLst/>
               </a:rPr>
               <a:t>传值插槽</a:t>
             </a:r>
+            <a:endParaRPr lang="zh-CN" altLang="en-US" sz="2800">
+              <a:solidFill>
+                <a:schemeClr val="accent2">
+                  <a:lumMod val="75000"/>
+                </a:schemeClr>
+              </a:solidFill>
+              <a:effectLst/>
+            </a:endParaRPr>
           </a:p>
         </p:txBody>
       </p:sp>
@@ -5748,7 +5537,7 @@
           <p:nvPr/>
         </p:nvPicPr>
         <p:blipFill>
-          <a:blip r:embed="rId6"/>
+          <a:blip r:embed="rId4"/>
           <a:stretch>
             <a:fillRect/>
           </a:stretch>
@@ -5786,25 +5575,62 @@
           <a:lstStyle/>
           <a:p>
             <a:r>
-              <a:rPr lang="zh-CN" altLang="en-US" sz="2800"/>
+              <a:rPr lang="zh-CN" altLang="en-US" sz="2800">
+                <a:solidFill>
+                  <a:schemeClr val="accent2">
+                    <a:lumMod val="75000"/>
+                  </a:schemeClr>
+                </a:solidFill>
+              </a:rPr>
               <a:t>场景：</a:t>
             </a:r>
             <a:r>
-              <a:rPr lang="en-US" altLang="zh-CN" sz="2800"/>
+              <a:rPr lang="en-US" altLang="zh-CN" sz="2800">
+                <a:solidFill>
+                  <a:schemeClr val="accent2">
+                    <a:lumMod val="75000"/>
+                  </a:schemeClr>
+                </a:solidFill>
+              </a:rPr>
               <a:t>http</a:t>
             </a:r>
             <a:r>
-              <a:rPr lang="zh-CN" altLang="en-US" sz="2800"/>
+              <a:rPr lang="zh-CN" altLang="en-US" sz="2800">
+                <a:solidFill>
+                  <a:schemeClr val="accent2">
+                    <a:lumMod val="75000"/>
+                  </a:schemeClr>
+                </a:solidFill>
+              </a:rPr>
               <a:t>请求加载中的动画或者公司</a:t>
             </a:r>
             <a:r>
-              <a:rPr lang="en-US" altLang="zh-CN" sz="2800"/>
+              <a:rPr lang="en-US" altLang="zh-CN" sz="2800">
+                <a:solidFill>
+                  <a:schemeClr val="accent2">
+                    <a:lumMod val="75000"/>
+                  </a:schemeClr>
+                </a:solidFill>
+              </a:rPr>
               <a:t>logo</a:t>
             </a:r>
             <a:r>
-              <a:rPr lang="zh-CN" altLang="en-US" sz="2800"/>
+              <a:rPr lang="zh-CN" altLang="en-US" sz="2800">
+                <a:solidFill>
+                  <a:schemeClr val="accent2">
+                    <a:lumMod val="75000"/>
+                  </a:schemeClr>
+                </a:solidFill>
+              </a:rPr>
               <a:t>，有多处使用，希望修改的时候能统一改动。</a:t>
             </a:r>
+            <a:endParaRPr lang="zh-CN" altLang="en-US" sz="2800">
+              <a:solidFill>
+                <a:schemeClr val="accent2">
+                  <a:lumMod val="75000"/>
+                </a:schemeClr>
+              </a:solidFill>
+            </a:endParaRPr>
           </a:p>
         </p:txBody>
       </p:sp>
@@ -5850,11 +5676,11 @@
           <p:nvPr/>
         </p:nvPicPr>
         <p:blipFill rotWithShape="1">
-          <a:blip r:embed="rId3" cstate="print">
+          <a:blip r:embed="rId1" cstate="print">
             <a:extLst>
               <a:ext uri="{BEBA8EAE-BF5A-486C-A8C5-ECC9F3942E4B}">
-                <a14:imgProps xmlns="" xmlns:a14="http://schemas.microsoft.com/office/drawing/2010/main">
-                  <a14:imgLayer r:embed="rId4">
+                <a14:imgProps xmlns:a14="http://schemas.microsoft.com/office/drawing/2010/main">
+                  <a14:imgLayer r:embed="rId2">
                     <a14:imgEffect>
                       <a14:saturation sat="0"/>
                     </a14:imgEffect>
@@ -5977,49 +5803,6 @@
       </p:sp>
       <p:sp>
         <p:nvSpPr>
-          <p:cNvPr id="7" name="文本框 6"/>
-          <p:cNvSpPr txBox="1"/>
-          <p:nvPr/>
-        </p:nvSpPr>
-        <p:spPr>
-          <a:xfrm>
-            <a:off x="1520031" y="804444"/>
-            <a:ext cx="2613546" cy="338554"/>
-          </a:xfrm>
-          <a:prstGeom prst="rect">
-            <a:avLst/>
-          </a:prstGeom>
-          <a:noFill/>
-        </p:spPr>
-        <p:txBody>
-          <a:bodyPr wrap="square" rtlCol="0">
-            <a:spAutoFit/>
-          </a:bodyPr>
-          <a:lstStyle/>
-          <a:p>
-            <a:pPr algn="dist"/>
-            <a:r>
-              <a:rPr lang="en-US" altLang="zh-CN" sz="1600" dirty="0">
-                <a:solidFill>
-                  <a:schemeClr val="bg1"/>
-                </a:solidFill>
-                <a:latin typeface="微软雅黑" panose="020B0503020204020204" pitchFamily="34" charset="-122"/>
-                <a:ea typeface="微软雅黑" panose="020B0503020204020204" pitchFamily="34" charset="-122"/>
-              </a:rPr>
-              <a:t>CONTENTS</a:t>
-            </a:r>
-            <a:endParaRPr lang="zh-CN" altLang="en-US" sz="1600" dirty="0">
-              <a:solidFill>
-                <a:schemeClr val="bg1"/>
-              </a:solidFill>
-              <a:latin typeface="微软雅黑" panose="020B0503020204020204" pitchFamily="34" charset="-122"/>
-              <a:ea typeface="微软雅黑" panose="020B0503020204020204" pitchFamily="34" charset="-122"/>
-            </a:endParaRPr>
-          </a:p>
-        </p:txBody>
-      </p:sp>
-      <p:sp>
-        <p:nvSpPr>
           <p:cNvPr id="19" name="文本框 7"/>
           <p:cNvSpPr txBox="1"/>
           <p:nvPr/>
@@ -6076,6 +5859,15 @@
               </a:rPr>
               <a:t>组件</a:t>
             </a:r>
+            <a:endParaRPr kumimoji="1" lang="zh-CN" altLang="en-US" sz="4400" b="1" dirty="0" smtClean="0">
+              <a:solidFill>
+                <a:schemeClr val="bg1"/>
+              </a:solidFill>
+              <a:latin typeface="微软雅黑" panose="020B0503020204020204" pitchFamily="34" charset="-122"/>
+              <a:ea typeface="微软雅黑" panose="020B0503020204020204" pitchFamily="34" charset="-122"/>
+              <a:cs typeface="微软雅黑" panose="020B0503020204020204" pitchFamily="34" charset="-122"/>
+              <a:sym typeface="+mn-ea"/>
+            </a:endParaRPr>
           </a:p>
         </p:txBody>
       </p:sp>
@@ -6175,14 +5967,18 @@
             <a:r>
               <a:rPr lang="zh-CN" altLang="en-US" sz="2800">
                 <a:solidFill>
-                  <a:schemeClr val="bg1">
-                    <a:lumMod val="85000"/>
-                  </a:schemeClr>
+                  <a:srgbClr val="01479D"/>
                 </a:solidFill>
                 <a:effectLst/>
               </a:rPr>
               <a:t>静态</a:t>
             </a:r>
+            <a:endParaRPr lang="zh-CN" altLang="en-US" sz="2800">
+              <a:solidFill>
+                <a:srgbClr val="01479D"/>
+              </a:solidFill>
+              <a:effectLst/>
+            </a:endParaRPr>
           </a:p>
         </p:txBody>
       </p:sp>
@@ -6212,14 +6008,18 @@
             <a:r>
               <a:rPr lang="zh-CN" altLang="en-US" sz="2800">
                 <a:solidFill>
-                  <a:schemeClr val="accent5">
-                    <a:lumMod val="75000"/>
-                  </a:schemeClr>
+                  <a:schemeClr val="accent1"/>
                 </a:solidFill>
                 <a:effectLst/>
               </a:rPr>
               <a:t>单向传值</a:t>
             </a:r>
+            <a:endParaRPr lang="zh-CN" altLang="en-US" sz="2800">
+              <a:solidFill>
+                <a:schemeClr val="accent1"/>
+              </a:solidFill>
+              <a:effectLst/>
+            </a:endParaRPr>
           </a:p>
         </p:txBody>
       </p:sp>
@@ -6249,14 +6049,18 @@
             <a:r>
               <a:rPr lang="zh-CN" altLang="en-US" sz="2800">
                 <a:solidFill>
-                  <a:schemeClr val="bg1">
-                    <a:lumMod val="85000"/>
-                  </a:schemeClr>
+                  <a:srgbClr val="01479D"/>
                 </a:solidFill>
                 <a:effectLst/>
               </a:rPr>
               <a:t>抛出事件</a:t>
             </a:r>
+            <a:endParaRPr lang="zh-CN" altLang="en-US" sz="2800">
+              <a:solidFill>
+                <a:srgbClr val="01479D"/>
+              </a:solidFill>
+              <a:effectLst/>
+            </a:endParaRPr>
           </a:p>
         </p:txBody>
       </p:sp>
@@ -6286,14 +6090,18 @@
             <a:r>
               <a:rPr lang="zh-CN" altLang="en-US" sz="2800">
                 <a:solidFill>
-                  <a:schemeClr val="bg1">
-                    <a:lumMod val="85000"/>
-                  </a:schemeClr>
+                  <a:srgbClr val="01479D"/>
                 </a:solidFill>
                 <a:effectLst/>
               </a:rPr>
               <a:t>插槽</a:t>
             </a:r>
+            <a:endParaRPr lang="zh-CN" altLang="en-US" sz="2800">
+              <a:solidFill>
+                <a:srgbClr val="01479D"/>
+              </a:solidFill>
+              <a:effectLst/>
+            </a:endParaRPr>
           </a:p>
         </p:txBody>
       </p:sp>
@@ -6323,14 +6131,18 @@
             <a:r>
               <a:rPr lang="zh-CN" altLang="en-US" sz="2800">
                 <a:solidFill>
-                  <a:schemeClr val="bg1">
-                    <a:lumMod val="85000"/>
-                  </a:schemeClr>
+                  <a:srgbClr val="01479D"/>
                 </a:solidFill>
                 <a:effectLst/>
               </a:rPr>
               <a:t>传值插槽</a:t>
             </a:r>
+            <a:endParaRPr lang="zh-CN" altLang="en-US" sz="2800">
+              <a:solidFill>
+                <a:srgbClr val="01479D"/>
+              </a:solidFill>
+              <a:effectLst/>
+            </a:endParaRPr>
           </a:p>
         </p:txBody>
       </p:sp>
@@ -6357,25 +6169,50 @@
           <a:lstStyle/>
           <a:p>
             <a:r>
-              <a:rPr lang="zh-CN" altLang="en-US" sz="2800"/>
+              <a:rPr lang="zh-CN" altLang="en-US" sz="2800">
+                <a:solidFill>
+                  <a:srgbClr val="01479D"/>
+                </a:solidFill>
+              </a:rPr>
               <a:t>场景：提示框</a:t>
             </a:r>
             <a:r>
-              <a:rPr lang="en-US" altLang="zh-CN" sz="2800"/>
+              <a:rPr lang="en-US" altLang="zh-CN" sz="2800">
+                <a:solidFill>
+                  <a:srgbClr val="01479D"/>
+                </a:solidFill>
+              </a:rPr>
               <a:t>/</a:t>
             </a:r>
             <a:r>
-              <a:rPr lang="zh-CN" altLang="en-US" sz="2800"/>
+              <a:rPr lang="zh-CN" altLang="en-US" sz="2800">
+                <a:solidFill>
+                  <a:srgbClr val="01479D"/>
+                </a:solidFill>
+              </a:rPr>
               <a:t>消息气泡</a:t>
             </a:r>
             <a:r>
-              <a:rPr lang="en-US" altLang="zh-CN" sz="2800"/>
+              <a:rPr lang="en-US" altLang="zh-CN" sz="2800">
+                <a:solidFill>
+                  <a:srgbClr val="01479D"/>
+                </a:solidFill>
+              </a:rPr>
               <a:t>/</a:t>
             </a:r>
             <a:r>
-              <a:rPr lang="zh-CN" altLang="en-US" sz="2800"/>
+              <a:rPr lang="zh-CN" altLang="en-US" sz="2800">
+                <a:solidFill>
+                  <a:srgbClr val="01479D"/>
+                </a:solidFill>
+              </a:rPr>
               <a:t>进度条等，外观样式需要统一，但是渲染内容不同。</a:t>
             </a:r>
+            <a:endParaRPr lang="zh-CN" altLang="en-US" sz="2800">
+              <a:solidFill>
+                <a:srgbClr val="01479D"/>
+              </a:solidFill>
+            </a:endParaRPr>
           </a:p>
         </p:txBody>
       </p:sp>
@@ -6388,7 +6225,7 @@
           <p:nvPr/>
         </p:nvPicPr>
         <p:blipFill>
-          <a:blip r:embed="rId5"/>
+          <a:blip r:embed="rId3"/>
           <a:stretch>
             <a:fillRect/>
           </a:stretch>
@@ -6412,7 +6249,7 @@
           <p:nvPr/>
         </p:nvPicPr>
         <p:blipFill>
-          <a:blip r:embed="rId6"/>
+          <a:blip r:embed="rId4"/>
           <a:stretch>
             <a:fillRect/>
           </a:stretch>
@@ -6436,7 +6273,7 @@
           <p:nvPr/>
         </p:nvPicPr>
         <p:blipFill>
-          <a:blip r:embed="rId7"/>
+          <a:blip r:embed="rId5"/>
           <a:stretch>
             <a:fillRect/>
           </a:stretch>
@@ -6493,11 +6330,11 @@
           <p:nvPr/>
         </p:nvPicPr>
         <p:blipFill rotWithShape="1">
-          <a:blip r:embed="rId3" cstate="print">
+          <a:blip r:embed="rId1" cstate="print">
             <a:extLst>
               <a:ext uri="{BEBA8EAE-BF5A-486C-A8C5-ECC9F3942E4B}">
-                <a14:imgProps xmlns="" xmlns:a14="http://schemas.microsoft.com/office/drawing/2010/main">
-                  <a14:imgLayer r:embed="rId4">
+                <a14:imgProps xmlns:a14="http://schemas.microsoft.com/office/drawing/2010/main">
+                  <a14:imgLayer r:embed="rId2">
                     <a14:imgEffect>
                       <a14:saturation sat="0"/>
                     </a14:imgEffect>
@@ -6620,49 +6457,6 @@
       </p:sp>
       <p:sp>
         <p:nvSpPr>
-          <p:cNvPr id="7" name="文本框 6"/>
-          <p:cNvSpPr txBox="1"/>
-          <p:nvPr/>
-        </p:nvSpPr>
-        <p:spPr>
-          <a:xfrm>
-            <a:off x="1520031" y="804444"/>
-            <a:ext cx="2613546" cy="338554"/>
-          </a:xfrm>
-          <a:prstGeom prst="rect">
-            <a:avLst/>
-          </a:prstGeom>
-          <a:noFill/>
-        </p:spPr>
-        <p:txBody>
-          <a:bodyPr wrap="square" rtlCol="0">
-            <a:spAutoFit/>
-          </a:bodyPr>
-          <a:lstStyle/>
-          <a:p>
-            <a:pPr algn="dist"/>
-            <a:r>
-              <a:rPr lang="en-US" altLang="zh-CN" sz="1600" dirty="0">
-                <a:solidFill>
-                  <a:schemeClr val="bg1"/>
-                </a:solidFill>
-                <a:latin typeface="微软雅黑" panose="020B0503020204020204" pitchFamily="34" charset="-122"/>
-                <a:ea typeface="微软雅黑" panose="020B0503020204020204" pitchFamily="34" charset="-122"/>
-              </a:rPr>
-              <a:t>CONTENTS</a:t>
-            </a:r>
-            <a:endParaRPr lang="zh-CN" altLang="en-US" sz="1600" dirty="0">
-              <a:solidFill>
-                <a:schemeClr val="bg1"/>
-              </a:solidFill>
-              <a:latin typeface="微软雅黑" panose="020B0503020204020204" pitchFamily="34" charset="-122"/>
-              <a:ea typeface="微软雅黑" panose="020B0503020204020204" pitchFamily="34" charset="-122"/>
-            </a:endParaRPr>
-          </a:p>
-        </p:txBody>
-      </p:sp>
-      <p:sp>
-        <p:nvSpPr>
           <p:cNvPr id="19" name="文本框 7"/>
           <p:cNvSpPr txBox="1"/>
           <p:nvPr/>
@@ -6719,6 +6513,15 @@
               </a:rPr>
               <a:t>组件</a:t>
             </a:r>
+            <a:endParaRPr kumimoji="1" lang="zh-CN" altLang="en-US" sz="4400" b="1" dirty="0" smtClean="0">
+              <a:solidFill>
+                <a:schemeClr val="bg1"/>
+              </a:solidFill>
+              <a:latin typeface="微软雅黑" panose="020B0503020204020204" pitchFamily="34" charset="-122"/>
+              <a:ea typeface="微软雅黑" panose="020B0503020204020204" pitchFamily="34" charset="-122"/>
+              <a:cs typeface="微软雅黑" panose="020B0503020204020204" pitchFamily="34" charset="-122"/>
+              <a:sym typeface="+mn-ea"/>
+            </a:endParaRPr>
           </a:p>
         </p:txBody>
       </p:sp>
@@ -6818,14 +6621,22 @@
             <a:r>
               <a:rPr lang="zh-CN" altLang="en-US" sz="2800">
                 <a:solidFill>
-                  <a:schemeClr val="bg1">
-                    <a:lumMod val="85000"/>
+                  <a:schemeClr val="accent2">
+                    <a:lumMod val="75000"/>
                   </a:schemeClr>
                 </a:solidFill>
                 <a:effectLst/>
               </a:rPr>
               <a:t>静态</a:t>
             </a:r>
+            <a:endParaRPr lang="zh-CN" altLang="en-US" sz="2800">
+              <a:solidFill>
+                <a:schemeClr val="accent2">
+                  <a:lumMod val="75000"/>
+                </a:schemeClr>
+              </a:solidFill>
+              <a:effectLst/>
+            </a:endParaRPr>
           </a:p>
         </p:txBody>
       </p:sp>
@@ -6855,14 +6666,22 @@
             <a:r>
               <a:rPr lang="zh-CN" altLang="en-US" sz="2800">
                 <a:solidFill>
-                  <a:schemeClr val="bg1">
-                    <a:lumMod val="85000"/>
+                  <a:schemeClr val="accent2">
+                    <a:lumMod val="75000"/>
                   </a:schemeClr>
                 </a:solidFill>
                 <a:effectLst/>
               </a:rPr>
               <a:t>单向传值</a:t>
             </a:r>
+            <a:endParaRPr lang="zh-CN" altLang="en-US" sz="2800">
+              <a:solidFill>
+                <a:schemeClr val="accent2">
+                  <a:lumMod val="75000"/>
+                </a:schemeClr>
+              </a:solidFill>
+              <a:effectLst/>
+            </a:endParaRPr>
           </a:p>
         </p:txBody>
       </p:sp>
@@ -6892,14 +6711,18 @@
             <a:r>
               <a:rPr lang="zh-CN" altLang="en-US" sz="2800">
                 <a:solidFill>
-                  <a:schemeClr val="accent5">
-                    <a:lumMod val="75000"/>
-                  </a:schemeClr>
+                  <a:schemeClr val="accent1"/>
                 </a:solidFill>
                 <a:effectLst/>
               </a:rPr>
               <a:t>抛出事件</a:t>
             </a:r>
+            <a:endParaRPr lang="zh-CN" altLang="en-US" sz="2800">
+              <a:solidFill>
+                <a:schemeClr val="accent1"/>
+              </a:solidFill>
+              <a:effectLst/>
+            </a:endParaRPr>
           </a:p>
         </p:txBody>
       </p:sp>
@@ -6929,14 +6752,22 @@
             <a:r>
               <a:rPr lang="zh-CN" altLang="en-US" sz="2800">
                 <a:solidFill>
-                  <a:schemeClr val="bg1">
-                    <a:lumMod val="85000"/>
+                  <a:schemeClr val="accent2">
+                    <a:lumMod val="75000"/>
                   </a:schemeClr>
                 </a:solidFill>
                 <a:effectLst/>
               </a:rPr>
               <a:t>插槽</a:t>
             </a:r>
+            <a:endParaRPr lang="zh-CN" altLang="en-US" sz="2800">
+              <a:solidFill>
+                <a:schemeClr val="accent2">
+                  <a:lumMod val="75000"/>
+                </a:schemeClr>
+              </a:solidFill>
+              <a:effectLst/>
+            </a:endParaRPr>
           </a:p>
         </p:txBody>
       </p:sp>
@@ -6966,14 +6797,22 @@
             <a:r>
               <a:rPr lang="zh-CN" altLang="en-US" sz="2800">
                 <a:solidFill>
-                  <a:schemeClr val="bg1">
-                    <a:lumMod val="85000"/>
+                  <a:schemeClr val="accent2">
+                    <a:lumMod val="75000"/>
                   </a:schemeClr>
                 </a:solidFill>
                 <a:effectLst/>
               </a:rPr>
               <a:t>传值插槽</a:t>
             </a:r>
+            <a:endParaRPr lang="zh-CN" altLang="en-US" sz="2800">
+              <a:solidFill>
+                <a:schemeClr val="accent2">
+                  <a:lumMod val="75000"/>
+                </a:schemeClr>
+              </a:solidFill>
+              <a:effectLst/>
+            </a:endParaRPr>
           </a:p>
         </p:txBody>
       </p:sp>
@@ -7000,9 +6839,22 @@
           <a:lstStyle/>
           <a:p>
             <a:r>
-              <a:rPr lang="zh-CN" altLang="en-US" sz="2800"/>
+              <a:rPr lang="zh-CN" altLang="en-US" sz="2800">
+                <a:solidFill>
+                  <a:schemeClr val="accent2">
+                    <a:lumMod val="75000"/>
+                  </a:schemeClr>
+                </a:solidFill>
+              </a:rPr>
               <a:t>场景：用户点击日期组件时，希望获取日期进行查询</a:t>
             </a:r>
+            <a:endParaRPr lang="zh-CN" altLang="en-US" sz="2800">
+              <a:solidFill>
+                <a:schemeClr val="accent2">
+                  <a:lumMod val="75000"/>
+                </a:schemeClr>
+              </a:solidFill>
+            </a:endParaRPr>
           </a:p>
         </p:txBody>
       </p:sp>
@@ -7015,7 +6867,7 @@
           <p:nvPr/>
         </p:nvPicPr>
         <p:blipFill>
-          <a:blip r:embed="rId5"/>
+          <a:blip r:embed="rId3"/>
           <a:stretch>
             <a:fillRect/>
           </a:stretch>
@@ -7072,11 +6924,11 @@
           <p:nvPr/>
         </p:nvPicPr>
         <p:blipFill rotWithShape="1">
-          <a:blip r:embed="rId3" cstate="print">
+          <a:blip r:embed="rId1" cstate="print">
             <a:extLst>
               <a:ext uri="{BEBA8EAE-BF5A-486C-A8C5-ECC9F3942E4B}">
-                <a14:imgProps xmlns="" xmlns:a14="http://schemas.microsoft.com/office/drawing/2010/main">
-                  <a14:imgLayer r:embed="rId4">
+                <a14:imgProps xmlns:a14="http://schemas.microsoft.com/office/drawing/2010/main">
+                  <a14:imgLayer r:embed="rId2">
                     <a14:imgEffect>
                       <a14:saturation sat="0"/>
                     </a14:imgEffect>
@@ -7199,49 +7051,6 @@
       </p:sp>
       <p:sp>
         <p:nvSpPr>
-          <p:cNvPr id="7" name="文本框 6"/>
-          <p:cNvSpPr txBox="1"/>
-          <p:nvPr/>
-        </p:nvSpPr>
-        <p:spPr>
-          <a:xfrm>
-            <a:off x="1520031" y="804444"/>
-            <a:ext cx="2613546" cy="338554"/>
-          </a:xfrm>
-          <a:prstGeom prst="rect">
-            <a:avLst/>
-          </a:prstGeom>
-          <a:noFill/>
-        </p:spPr>
-        <p:txBody>
-          <a:bodyPr wrap="square" rtlCol="0">
-            <a:spAutoFit/>
-          </a:bodyPr>
-          <a:lstStyle/>
-          <a:p>
-            <a:pPr algn="dist"/>
-            <a:r>
-              <a:rPr lang="en-US" altLang="zh-CN" sz="1600" dirty="0">
-                <a:solidFill>
-                  <a:schemeClr val="bg1"/>
-                </a:solidFill>
-                <a:latin typeface="微软雅黑" panose="020B0503020204020204" pitchFamily="34" charset="-122"/>
-                <a:ea typeface="微软雅黑" panose="020B0503020204020204" pitchFamily="34" charset="-122"/>
-              </a:rPr>
-              <a:t>CONTENTS</a:t>
-            </a:r>
-            <a:endParaRPr lang="zh-CN" altLang="en-US" sz="1600" dirty="0">
-              <a:solidFill>
-                <a:schemeClr val="bg1"/>
-              </a:solidFill>
-              <a:latin typeface="微软雅黑" panose="020B0503020204020204" pitchFamily="34" charset="-122"/>
-              <a:ea typeface="微软雅黑" panose="020B0503020204020204" pitchFamily="34" charset="-122"/>
-            </a:endParaRPr>
-          </a:p>
-        </p:txBody>
-      </p:sp>
-      <p:sp>
-        <p:nvSpPr>
           <p:cNvPr id="19" name="文本框 7"/>
           <p:cNvSpPr txBox="1"/>
           <p:nvPr/>
@@ -7298,6 +7107,15 @@
               </a:rPr>
               <a:t>组件</a:t>
             </a:r>
+            <a:endParaRPr kumimoji="1" lang="zh-CN" altLang="en-US" sz="4400" b="1" dirty="0" smtClean="0">
+              <a:solidFill>
+                <a:schemeClr val="bg1"/>
+              </a:solidFill>
+              <a:latin typeface="微软雅黑" panose="020B0503020204020204" pitchFamily="34" charset="-122"/>
+              <a:ea typeface="微软雅黑" panose="020B0503020204020204" pitchFamily="34" charset="-122"/>
+              <a:cs typeface="微软雅黑" panose="020B0503020204020204" pitchFamily="34" charset="-122"/>
+              <a:sym typeface="+mn-ea"/>
+            </a:endParaRPr>
           </a:p>
         </p:txBody>
       </p:sp>
@@ -7397,14 +7215,22 @@
             <a:r>
               <a:rPr lang="zh-CN" altLang="en-US" sz="2800">
                 <a:solidFill>
-                  <a:schemeClr val="bg1">
-                    <a:lumMod val="85000"/>
+                  <a:schemeClr val="accent2">
+                    <a:lumMod val="75000"/>
                   </a:schemeClr>
                 </a:solidFill>
                 <a:effectLst/>
               </a:rPr>
               <a:t>静态</a:t>
             </a:r>
+            <a:endParaRPr lang="zh-CN" altLang="en-US" sz="2800">
+              <a:solidFill>
+                <a:schemeClr val="accent2">
+                  <a:lumMod val="75000"/>
+                </a:schemeClr>
+              </a:solidFill>
+              <a:effectLst/>
+            </a:endParaRPr>
           </a:p>
         </p:txBody>
       </p:sp>
@@ -7434,14 +7260,22 @@
             <a:r>
               <a:rPr lang="zh-CN" altLang="en-US" sz="2800">
                 <a:solidFill>
-                  <a:schemeClr val="bg1">
-                    <a:lumMod val="85000"/>
+                  <a:schemeClr val="accent2">
+                    <a:lumMod val="75000"/>
                   </a:schemeClr>
                 </a:solidFill>
                 <a:effectLst/>
               </a:rPr>
               <a:t>单向传值</a:t>
             </a:r>
+            <a:endParaRPr lang="zh-CN" altLang="en-US" sz="2800">
+              <a:solidFill>
+                <a:schemeClr val="accent2">
+                  <a:lumMod val="75000"/>
+                </a:schemeClr>
+              </a:solidFill>
+              <a:effectLst/>
+            </a:endParaRPr>
           </a:p>
         </p:txBody>
       </p:sp>
@@ -7471,14 +7305,22 @@
             <a:r>
               <a:rPr lang="zh-CN" altLang="en-US" sz="2800">
                 <a:solidFill>
-                  <a:schemeClr val="bg1">
-                    <a:lumMod val="85000"/>
+                  <a:schemeClr val="accent2">
+                    <a:lumMod val="75000"/>
                   </a:schemeClr>
                 </a:solidFill>
                 <a:effectLst/>
               </a:rPr>
               <a:t>抛出事件</a:t>
             </a:r>
+            <a:endParaRPr lang="zh-CN" altLang="en-US" sz="2800">
+              <a:solidFill>
+                <a:schemeClr val="accent2">
+                  <a:lumMod val="75000"/>
+                </a:schemeClr>
+              </a:solidFill>
+              <a:effectLst/>
+            </a:endParaRPr>
           </a:p>
         </p:txBody>
       </p:sp>
@@ -7508,14 +7350,18 @@
             <a:r>
               <a:rPr lang="zh-CN" altLang="en-US" sz="2800">
                 <a:solidFill>
-                  <a:schemeClr val="accent5">
-                    <a:lumMod val="75000"/>
-                  </a:schemeClr>
+                  <a:schemeClr val="accent1"/>
                 </a:solidFill>
                 <a:effectLst/>
               </a:rPr>
               <a:t>插槽</a:t>
             </a:r>
+            <a:endParaRPr lang="zh-CN" altLang="en-US" sz="2800">
+              <a:solidFill>
+                <a:schemeClr val="accent1"/>
+              </a:solidFill>
+              <a:effectLst/>
+            </a:endParaRPr>
           </a:p>
         </p:txBody>
       </p:sp>
@@ -7545,14 +7391,22 @@
             <a:r>
               <a:rPr lang="zh-CN" altLang="en-US" sz="2800">
                 <a:solidFill>
-                  <a:schemeClr val="bg1">
-                    <a:lumMod val="85000"/>
+                  <a:schemeClr val="accent2">
+                    <a:lumMod val="75000"/>
                   </a:schemeClr>
                 </a:solidFill>
                 <a:effectLst/>
               </a:rPr>
               <a:t>传值插槽</a:t>
             </a:r>
+            <a:endParaRPr lang="zh-CN" altLang="en-US" sz="2800">
+              <a:solidFill>
+                <a:schemeClr val="accent2">
+                  <a:lumMod val="75000"/>
+                </a:schemeClr>
+              </a:solidFill>
+              <a:effectLst/>
+            </a:endParaRPr>
           </a:p>
         </p:txBody>
       </p:sp>
@@ -7579,9 +7433,22 @@
           <a:lstStyle/>
           <a:p>
             <a:r>
-              <a:rPr lang="zh-CN" altLang="en-US" sz="2800" dirty="0"/>
+              <a:rPr lang="zh-CN" altLang="en-US" sz="2800" dirty="0">
+                <a:solidFill>
+                  <a:schemeClr val="accent2">
+                    <a:lumMod val="75000"/>
+                  </a:schemeClr>
+                </a:solidFill>
+              </a:rPr>
               <a:t>场景：卡片统一样式，但是卡片内部显示的内容却没有办法限制</a:t>
             </a:r>
+            <a:endParaRPr lang="zh-CN" altLang="en-US" sz="2800" dirty="0">
+              <a:solidFill>
+                <a:schemeClr val="accent2">
+                  <a:lumMod val="75000"/>
+                </a:schemeClr>
+              </a:solidFill>
+            </a:endParaRPr>
           </a:p>
         </p:txBody>
       </p:sp>
@@ -7594,7 +7461,7 @@
           <p:nvPr/>
         </p:nvPicPr>
         <p:blipFill>
-          <a:blip r:embed="rId5"/>
+          <a:blip r:embed="rId3"/>
           <a:stretch>
             <a:fillRect/>
           </a:stretch>
@@ -7618,7 +7485,7 @@
           <p:nvPr/>
         </p:nvPicPr>
         <p:blipFill>
-          <a:blip r:embed="rId6"/>
+          <a:blip r:embed="rId4"/>
           <a:stretch>
             <a:fillRect/>
           </a:stretch>
@@ -7675,11 +7542,11 @@
           <p:nvPr/>
         </p:nvPicPr>
         <p:blipFill rotWithShape="1">
-          <a:blip r:embed="rId3" cstate="print">
+          <a:blip r:embed="rId1" cstate="print">
             <a:extLst>
               <a:ext uri="{BEBA8EAE-BF5A-486C-A8C5-ECC9F3942E4B}">
-                <a14:imgProps xmlns="" xmlns:a14="http://schemas.microsoft.com/office/drawing/2010/main">
-                  <a14:imgLayer r:embed="rId4">
+                <a14:imgProps xmlns:a14="http://schemas.microsoft.com/office/drawing/2010/main">
+                  <a14:imgLayer r:embed="rId2">
                     <a14:imgEffect>
                       <a14:saturation sat="0"/>
                     </a14:imgEffect>
@@ -7802,49 +7669,6 @@
       </p:sp>
       <p:sp>
         <p:nvSpPr>
-          <p:cNvPr id="7" name="文本框 6"/>
-          <p:cNvSpPr txBox="1"/>
-          <p:nvPr/>
-        </p:nvSpPr>
-        <p:spPr>
-          <a:xfrm>
-            <a:off x="1520031" y="804444"/>
-            <a:ext cx="2613546" cy="338554"/>
-          </a:xfrm>
-          <a:prstGeom prst="rect">
-            <a:avLst/>
-          </a:prstGeom>
-          <a:noFill/>
-        </p:spPr>
-        <p:txBody>
-          <a:bodyPr wrap="square" rtlCol="0">
-            <a:spAutoFit/>
-          </a:bodyPr>
-          <a:lstStyle/>
-          <a:p>
-            <a:pPr algn="dist"/>
-            <a:r>
-              <a:rPr lang="en-US" altLang="zh-CN" sz="1600" dirty="0">
-                <a:solidFill>
-                  <a:schemeClr val="bg1"/>
-                </a:solidFill>
-                <a:latin typeface="微软雅黑" panose="020B0503020204020204" pitchFamily="34" charset="-122"/>
-                <a:ea typeface="微软雅黑" panose="020B0503020204020204" pitchFamily="34" charset="-122"/>
-              </a:rPr>
-              <a:t>CONTENTS</a:t>
-            </a:r>
-            <a:endParaRPr lang="zh-CN" altLang="en-US" sz="1600" dirty="0">
-              <a:solidFill>
-                <a:schemeClr val="bg1"/>
-              </a:solidFill>
-              <a:latin typeface="微软雅黑" panose="020B0503020204020204" pitchFamily="34" charset="-122"/>
-              <a:ea typeface="微软雅黑" panose="020B0503020204020204" pitchFamily="34" charset="-122"/>
-            </a:endParaRPr>
-          </a:p>
-        </p:txBody>
-      </p:sp>
-      <p:sp>
-        <p:nvSpPr>
           <p:cNvPr id="19" name="文本框 7"/>
           <p:cNvSpPr txBox="1"/>
           <p:nvPr/>
@@ -7901,6 +7725,15 @@
               </a:rPr>
               <a:t>组件</a:t>
             </a:r>
+            <a:endParaRPr kumimoji="1" lang="zh-CN" altLang="en-US" sz="4400" b="1" dirty="0" smtClean="0">
+              <a:solidFill>
+                <a:schemeClr val="bg1"/>
+              </a:solidFill>
+              <a:latin typeface="微软雅黑" panose="020B0503020204020204" pitchFamily="34" charset="-122"/>
+              <a:ea typeface="微软雅黑" panose="020B0503020204020204" pitchFamily="34" charset="-122"/>
+              <a:cs typeface="微软雅黑" panose="020B0503020204020204" pitchFamily="34" charset="-122"/>
+              <a:sym typeface="+mn-ea"/>
+            </a:endParaRPr>
           </a:p>
         </p:txBody>
       </p:sp>
@@ -8000,14 +7833,22 @@
             <a:r>
               <a:rPr lang="zh-CN" altLang="en-US" sz="2800">
                 <a:solidFill>
-                  <a:schemeClr val="bg1">
-                    <a:lumMod val="85000"/>
+                  <a:schemeClr val="accent2">
+                    <a:lumMod val="75000"/>
                   </a:schemeClr>
                 </a:solidFill>
                 <a:effectLst/>
               </a:rPr>
               <a:t>静态</a:t>
             </a:r>
+            <a:endParaRPr lang="zh-CN" altLang="en-US" sz="2800">
+              <a:solidFill>
+                <a:schemeClr val="accent2">
+                  <a:lumMod val="75000"/>
+                </a:schemeClr>
+              </a:solidFill>
+              <a:effectLst/>
+            </a:endParaRPr>
           </a:p>
         </p:txBody>
       </p:sp>
@@ -8037,14 +7878,22 @@
             <a:r>
               <a:rPr lang="zh-CN" altLang="en-US" sz="2800">
                 <a:solidFill>
-                  <a:schemeClr val="bg1">
-                    <a:lumMod val="85000"/>
+                  <a:schemeClr val="accent2">
+                    <a:lumMod val="75000"/>
                   </a:schemeClr>
                 </a:solidFill>
                 <a:effectLst/>
               </a:rPr>
               <a:t>单向传值</a:t>
             </a:r>
+            <a:endParaRPr lang="zh-CN" altLang="en-US" sz="2800">
+              <a:solidFill>
+                <a:schemeClr val="accent2">
+                  <a:lumMod val="75000"/>
+                </a:schemeClr>
+              </a:solidFill>
+              <a:effectLst/>
+            </a:endParaRPr>
           </a:p>
         </p:txBody>
       </p:sp>
@@ -8074,14 +7923,22 @@
             <a:r>
               <a:rPr lang="zh-CN" altLang="en-US" sz="2800">
                 <a:solidFill>
-                  <a:schemeClr val="bg1">
-                    <a:lumMod val="85000"/>
+                  <a:schemeClr val="accent2">
+                    <a:lumMod val="75000"/>
                   </a:schemeClr>
                 </a:solidFill>
                 <a:effectLst/>
               </a:rPr>
               <a:t>抛出事件</a:t>
             </a:r>
+            <a:endParaRPr lang="zh-CN" altLang="en-US" sz="2800">
+              <a:solidFill>
+                <a:schemeClr val="accent2">
+                  <a:lumMod val="75000"/>
+                </a:schemeClr>
+              </a:solidFill>
+              <a:effectLst/>
+            </a:endParaRPr>
           </a:p>
         </p:txBody>
       </p:sp>
@@ -8111,14 +7968,22 @@
             <a:r>
               <a:rPr lang="zh-CN" altLang="en-US" sz="2800">
                 <a:solidFill>
-                  <a:schemeClr val="bg1">
-                    <a:lumMod val="85000"/>
+                  <a:schemeClr val="accent2">
+                    <a:lumMod val="75000"/>
                   </a:schemeClr>
                 </a:solidFill>
                 <a:effectLst/>
               </a:rPr>
               <a:t>插槽</a:t>
             </a:r>
+            <a:endParaRPr lang="zh-CN" altLang="en-US" sz="2800">
+              <a:solidFill>
+                <a:schemeClr val="accent2">
+                  <a:lumMod val="75000"/>
+                </a:schemeClr>
+              </a:solidFill>
+              <a:effectLst/>
+            </a:endParaRPr>
           </a:p>
         </p:txBody>
       </p:sp>
@@ -8141,6 +8006,10 @@
         <p:txBody>
           <a:bodyPr wrap="square" rtlCol="0">
             <a:spAutoFit/>
+            <a:scene3d>
+              <a:camera prst="orthographicFront"/>
+              <a:lightRig rig="threePt" dir="t"/>
+            </a:scene3d>
           </a:bodyPr>
           <a:lstStyle/>
           <a:p>
@@ -8148,64 +8017,129 @@
             <a:r>
               <a:rPr lang="zh-CN" altLang="en-US" sz="2800">
                 <a:solidFill>
-                  <a:schemeClr val="accent5">
+                  <a:schemeClr val="accent1"/>
+                </a:solidFill>
+                <a:effectLst>
+                  <a:outerShdw blurRad="38100" dist="25400" dir="5400000" algn="ctr" rotWithShape="0">
+                    <a:srgbClr val="6E747A">
+                      <a:alpha val="43000"/>
+                    </a:srgbClr>
+                  </a:outerShdw>
+                </a:effectLst>
+              </a:rPr>
+              <a:t>传值插槽</a:t>
+            </a:r>
+            <a:endParaRPr lang="zh-CN" altLang="en-US" sz="2800">
+              <a:solidFill>
+                <a:schemeClr val="accent1"/>
+              </a:solidFill>
+              <a:effectLst>
+                <a:outerShdw blurRad="38100" dist="25400" dir="5400000" algn="ctr" rotWithShape="0">
+                  <a:srgbClr val="6E747A">
+                    <a:alpha val="43000"/>
+                  </a:srgbClr>
+                </a:outerShdw>
+              </a:effectLst>
+            </a:endParaRPr>
+          </a:p>
+        </p:txBody>
+      </p:sp>
+      <p:sp>
+        <p:nvSpPr>
+          <p:cNvPr id="14" name="文本框 10"/>
+          <p:cNvSpPr txBox="1"/>
+          <p:nvPr/>
+        </p:nvSpPr>
+        <p:spPr>
+          <a:xfrm>
+            <a:off x="2634615" y="2179979"/>
+            <a:ext cx="9018270" cy="953135"/>
+          </a:xfrm>
+          <a:prstGeom prst="rect">
+            <a:avLst/>
+          </a:prstGeom>
+          <a:noFill/>
+        </p:spPr>
+        <p:txBody>
+          <a:bodyPr wrap="square" rtlCol="0">
+            <a:spAutoFit/>
+            <a:scene3d>
+              <a:camera prst="orthographicFront"/>
+              <a:lightRig rig="threePt" dir="t"/>
+            </a:scene3d>
+          </a:bodyPr>
+          <a:lstStyle/>
+          <a:p>
+            <a:pPr algn="l"/>
+            <a:r>
+              <a:rPr lang="zh-CN" altLang="en-US" sz="2800">
+                <a:solidFill>
+                  <a:schemeClr val="accent2">
                     <a:lumMod val="75000"/>
                   </a:schemeClr>
                 </a:solidFill>
                 <a:effectLst/>
               </a:rPr>
-              <a:t>传值插槽</a:t>
-            </a:r>
-          </a:p>
-        </p:txBody>
-      </p:sp>
-      <p:sp>
-        <p:nvSpPr>
-          <p:cNvPr id="14" name="文本框 10"/>
-          <p:cNvSpPr txBox="1"/>
-          <p:nvPr/>
-        </p:nvSpPr>
-        <p:spPr>
-          <a:xfrm>
-            <a:off x="2634615" y="2179979"/>
-            <a:ext cx="9018270" cy="954107"/>
-          </a:xfrm>
-          <a:prstGeom prst="rect">
-            <a:avLst/>
-          </a:prstGeom>
-          <a:noFill/>
-        </p:spPr>
-        <p:txBody>
-          <a:bodyPr wrap="square" rtlCol="0">
-            <a:spAutoFit/>
-          </a:bodyPr>
-          <a:lstStyle/>
-          <a:p>
-            <a:r>
-              <a:rPr lang="zh-CN" altLang="en-US" sz="2800" dirty="0"/>
-              <a:t>场景：</a:t>
-            </a:r>
-            <a:r>
-              <a:rPr lang="zh-CN" altLang="en-US" sz="2800" dirty="0" smtClean="0"/>
-              <a:t>表格组件根据</a:t>
-            </a:r>
-            <a:r>
-              <a:rPr lang="en-US" altLang="zh-CN" sz="2800" dirty="0" smtClean="0"/>
-              <a:t>id</a:t>
-            </a:r>
-            <a:r>
-              <a:rPr lang="zh-CN" altLang="en-US" sz="2800" dirty="0" smtClean="0"/>
-              <a:t>进行数据请求和渲染，现在需要插槽渲染一个删除按钮，父组件通过</a:t>
-            </a:r>
-            <a:r>
-              <a:rPr lang="en-US" altLang="zh-CN" sz="2800" dirty="0" smtClean="0"/>
+              <a:t>场景：表格组件根据</a:t>
+            </a:r>
+            <a:r>
+              <a:rPr lang="en-US" altLang="zh-CN" sz="2800">
+                <a:solidFill>
+                  <a:schemeClr val="accent2">
+                    <a:lumMod val="75000"/>
+                  </a:schemeClr>
+                </a:solidFill>
+                <a:effectLst/>
+              </a:rPr>
               <a:t>ID</a:t>
             </a:r>
             <a:r>
-              <a:rPr lang="zh-CN" altLang="en-US" sz="2800" dirty="0" smtClean="0"/>
-              <a:t>来删除某行数据</a:t>
-            </a:r>
-            <a:endParaRPr lang="zh-CN" altLang="en-US" sz="2800" dirty="0"/>
+              <a:rPr lang="zh-CN" altLang="en-US" sz="2800">
+                <a:solidFill>
+                  <a:schemeClr val="accent2">
+                    <a:lumMod val="75000"/>
+                  </a:schemeClr>
+                </a:solidFill>
+                <a:effectLst/>
+              </a:rPr>
+              <a:t>进行数据请求和渲染，现在需要插槽渲染一个删除按钮</a:t>
+            </a:r>
+            <a:r>
+              <a:rPr lang="zh-CN" altLang="en-US" sz="2800" dirty="0" smtClean="0">
+                <a:solidFill>
+                  <a:schemeClr val="accent2">
+                    <a:lumMod val="75000"/>
+                  </a:schemeClr>
+                </a:solidFill>
+                <a:effectLst>
+                  <a:outerShdw blurRad="38100" dist="19050" dir="2700000" algn="tl" rotWithShape="0">
+                    <a:schemeClr val="dk1">
+                      <a:alpha val="40000"/>
+                    </a:schemeClr>
+                  </a:outerShdw>
+                </a:effectLst>
+              </a:rPr>
+              <a:t>，</a:t>
+            </a:r>
+            <a:r>
+              <a:rPr lang="zh-CN" altLang="en-US" sz="2800">
+                <a:solidFill>
+                  <a:schemeClr val="accent2">
+                    <a:lumMod val="75000"/>
+                  </a:schemeClr>
+                </a:solidFill>
+                <a:effectLst/>
+              </a:rPr>
+              <a:t>父组件通过ID来删除某行数据</a:t>
+            </a:r>
+            <a:endParaRPr lang="zh-CN" altLang="en-US" sz="2800">
+              <a:solidFill>
+                <a:schemeClr val="accent2">
+                  <a:lumMod val="75000"/>
+                </a:schemeClr>
+              </a:solidFill>
+              <a:effectLst/>
+            </a:endParaRPr>
           </a:p>
         </p:txBody>
       </p:sp>
@@ -8218,7 +8152,7 @@
           <p:nvPr/>
         </p:nvPicPr>
         <p:blipFill>
-          <a:blip r:embed="rId5"/>
+          <a:blip r:embed="rId3"/>
           <a:stretch>
             <a:fillRect/>
           </a:stretch>
@@ -8266,6 +8200,103 @@
           <a:chExt cx="0" cy="0"/>
         </a:xfrm>
       </p:grpSpPr>
+      <p:sp>
+        <p:nvSpPr>
+          <p:cNvPr id="8" name="椭圆 7"/>
+          <p:cNvSpPr/>
+          <p:nvPr/>
+        </p:nvSpPr>
+        <p:spPr>
+          <a:xfrm>
+            <a:off x="5107305" y="1884045"/>
+            <a:ext cx="8138795" cy="6134100"/>
+          </a:xfrm>
+          <a:prstGeom prst="ellipse">
+            <a:avLst/>
+          </a:prstGeom>
+          <a:solidFill>
+            <a:schemeClr val="accent2">
+              <a:lumMod val="75000"/>
+            </a:schemeClr>
+          </a:solidFill>
+          <a:ln>
+            <a:noFill/>
+          </a:ln>
+        </p:spPr>
+        <p:style>
+          <a:lnRef idx="2">
+            <a:schemeClr val="accent1">
+              <a:shade val="50000"/>
+            </a:schemeClr>
+          </a:lnRef>
+          <a:fillRef idx="1">
+            <a:schemeClr val="accent1"/>
+          </a:fillRef>
+          <a:effectRef idx="0">
+            <a:schemeClr val="accent1"/>
+          </a:effectRef>
+          <a:fontRef idx="minor">
+            <a:schemeClr val="lt1"/>
+          </a:fontRef>
+        </p:style>
+        <p:txBody>
+          <a:bodyPr vertOverflow="overflow" horzOverflow="overflow" vert="horz" wrap="square" numCol="1" spcCol="0" rtlCol="0" fromWordArt="0" anchor="ctr" anchorCtr="0" forceAA="0" compatLnSpc="1">
+            <a:noAutofit/>
+          </a:bodyPr>
+          <a:p>
+            <a:pPr lvl="0" algn="ctr"/>
+            <a:endParaRPr lang="zh-CN" altLang="en-US">
+              <a:solidFill>
+                <a:schemeClr val="bg1"/>
+              </a:solidFill>
+              <a:sym typeface="+mn-ea"/>
+            </a:endParaRPr>
+          </a:p>
+        </p:txBody>
+      </p:sp>
+      <p:sp>
+        <p:nvSpPr>
+          <p:cNvPr id="9" name="椭圆 8"/>
+          <p:cNvSpPr/>
+          <p:nvPr/>
+        </p:nvSpPr>
+        <p:spPr>
+          <a:xfrm>
+            <a:off x="2602865" y="1487805"/>
+            <a:ext cx="4283710" cy="4217670"/>
+          </a:xfrm>
+          <a:prstGeom prst="ellipse">
+            <a:avLst/>
+          </a:prstGeom>
+        </p:spPr>
+        <p:style>
+          <a:lnRef idx="2">
+            <a:schemeClr val="accent1">
+              <a:shade val="50000"/>
+            </a:schemeClr>
+          </a:lnRef>
+          <a:fillRef idx="1">
+            <a:schemeClr val="accent1"/>
+          </a:fillRef>
+          <a:effectRef idx="0">
+            <a:schemeClr val="accent1"/>
+          </a:effectRef>
+          <a:fontRef idx="minor">
+            <a:schemeClr val="lt1"/>
+          </a:fontRef>
+        </p:style>
+        <p:txBody>
+          <a:bodyPr rtlCol="0" anchor="ctr"/>
+          <a:p>
+            <a:pPr algn="ctr"/>
+            <a:endParaRPr lang="zh-CN" altLang="en-US">
+              <a:solidFill>
+                <a:schemeClr val="bg1"/>
+              </a:solidFill>
+            </a:endParaRPr>
+          </a:p>
+        </p:txBody>
+      </p:sp>
       <p:pic>
         <p:nvPicPr>
           <p:cNvPr id="5" name="图片 4"/>
@@ -8275,11 +8306,11 @@
           <p:nvPr/>
         </p:nvPicPr>
         <p:blipFill rotWithShape="1">
-          <a:blip r:embed="rId3" cstate="print">
+          <a:blip r:embed="rId1" cstate="print">
             <a:extLst>
               <a:ext uri="{BEBA8EAE-BF5A-486C-A8C5-ECC9F3942E4B}">
-                <a14:imgProps xmlns="" xmlns:a14="http://schemas.microsoft.com/office/drawing/2010/main">
-                  <a14:imgLayer r:embed="rId4">
+                <a14:imgProps xmlns:a14="http://schemas.microsoft.com/office/drawing/2010/main">
+                  <a14:imgLayer r:embed="rId2">
                     <a14:imgEffect>
                       <a14:saturation sat="0"/>
                     </a14:imgEffect>
@@ -8348,7 +8379,11 @@
           <a:lstStyle/>
           <a:p>
             <a:pPr algn="ctr"/>
-            <a:endParaRPr lang="zh-CN" altLang="en-US"/>
+            <a:endParaRPr lang="zh-CN" altLang="en-US">
+              <a:solidFill>
+                <a:schemeClr val="bg1"/>
+              </a:solidFill>
+            </a:endParaRPr>
           </a:p>
         </p:txBody>
       </p:sp>
@@ -8396,20 +8431,24 @@
           <a:lstStyle/>
           <a:p>
             <a:pPr algn="ctr"/>
-            <a:endParaRPr lang="zh-CN" altLang="en-US"/>
-          </a:p>
-        </p:txBody>
-      </p:sp>
-      <p:sp>
-        <p:nvSpPr>
-          <p:cNvPr id="7" name="文本框 6"/>
+            <a:endParaRPr lang="zh-CN" altLang="en-US">
+              <a:solidFill>
+                <a:schemeClr val="bg1"/>
+              </a:solidFill>
+            </a:endParaRPr>
+          </a:p>
+        </p:txBody>
+      </p:sp>
+      <p:sp>
+        <p:nvSpPr>
+          <p:cNvPr id="19" name="文本框 7"/>
           <p:cNvSpPr txBox="1"/>
           <p:nvPr/>
         </p:nvSpPr>
         <p:spPr>
           <a:xfrm>
-            <a:off x="1520031" y="804444"/>
-            <a:ext cx="2613546" cy="338554"/>
+            <a:off x="1511587" y="1231519"/>
+            <a:ext cx="2441694" cy="769441"/>
           </a:xfrm>
           <a:prstGeom prst="rect">
             <a:avLst/>
@@ -8417,90 +8456,32 @@
           <a:noFill/>
         </p:spPr>
         <p:txBody>
-          <a:bodyPr wrap="square" rtlCol="0">
+          <a:bodyPr wrap="none" rtlCol="0">
             <a:spAutoFit/>
           </a:bodyPr>
           <a:lstStyle/>
           <a:p>
-            <a:pPr algn="dist"/>
-            <a:r>
-              <a:rPr lang="en-US" altLang="zh-CN" sz="1600" dirty="0">
+            <a:r>
+              <a:rPr kumimoji="1" lang="zh-CN" altLang="en-US" sz="4400" b="1" dirty="0" smtClean="0">
                 <a:solidFill>
                   <a:schemeClr val="bg1"/>
                 </a:solidFill>
                 <a:latin typeface="微软雅黑" panose="020B0503020204020204" pitchFamily="34" charset="-122"/>
                 <a:ea typeface="微软雅黑" panose="020B0503020204020204" pitchFamily="34" charset="-122"/>
+                <a:cs typeface="微软雅黑" panose="020B0503020204020204" pitchFamily="34" charset="-122"/>
+                <a:sym typeface="+mn-ea"/>
               </a:rPr>
-              <a:t>CONTENTS</a:t>
-            </a:r>
-            <a:endParaRPr lang="zh-CN" altLang="en-US" sz="1600" dirty="0">
+              <a:t>项目实战</a:t>
+            </a:r>
+            <a:endParaRPr kumimoji="1" lang="zh-CN" altLang="en-US" sz="4400" b="1" dirty="0" smtClean="0">
               <a:solidFill>
                 <a:schemeClr val="bg1"/>
               </a:solidFill>
               <a:latin typeface="微软雅黑" panose="020B0503020204020204" pitchFamily="34" charset="-122"/>
               <a:ea typeface="微软雅黑" panose="020B0503020204020204" pitchFamily="34" charset="-122"/>
+              <a:cs typeface="微软雅黑" panose="020B0503020204020204" pitchFamily="34" charset="-122"/>
+              <a:sym typeface="+mn-ea"/>
             </a:endParaRPr>
-          </a:p>
-        </p:txBody>
-      </p:sp>
-      <p:sp>
-        <p:nvSpPr>
-          <p:cNvPr id="19" name="文本框 7"/>
-          <p:cNvSpPr txBox="1"/>
-          <p:nvPr/>
-        </p:nvSpPr>
-        <p:spPr>
-          <a:xfrm>
-            <a:off x="1511587" y="1231519"/>
-            <a:ext cx="2610010" cy="769441"/>
-          </a:xfrm>
-          <a:prstGeom prst="rect">
-            <a:avLst/>
-          </a:prstGeom>
-          <a:noFill/>
-        </p:spPr>
-        <p:txBody>
-          <a:bodyPr wrap="none" rtlCol="0">
-            <a:spAutoFit/>
-          </a:bodyPr>
-          <a:lstStyle/>
-          <a:p>
-            <a:r>
-              <a:rPr kumimoji="1" lang="en-US" altLang="zh-CN" sz="4400" b="1" dirty="0" err="1" smtClean="0">
-                <a:solidFill>
-                  <a:schemeClr val="bg1"/>
-                </a:solidFill>
-                <a:latin typeface="微软雅黑" panose="020B0503020204020204" pitchFamily="34" charset="-122"/>
-                <a:ea typeface="微软雅黑" panose="020B0503020204020204" pitchFamily="34" charset="-122"/>
-                <a:cs typeface="微软雅黑" panose="020B0503020204020204" pitchFamily="34" charset="-122"/>
-                <a:sym typeface="+mn-ea"/>
-              </a:rPr>
-              <a:t>指令</a:t>
-            </a:r>
-            <a:r>
-              <a:rPr kumimoji="1" lang="en-US" altLang="zh-CN" sz="4400" b="1" dirty="0" smtClean="0">
-                <a:solidFill>
-                  <a:schemeClr val="bg1"/>
-                </a:solidFill>
-                <a:latin typeface="微软雅黑" panose="020B0503020204020204" pitchFamily="34" charset="-122"/>
-                <a:ea typeface="微软雅黑" panose="020B0503020204020204" pitchFamily="34" charset="-122"/>
-                <a:cs typeface="微软雅黑" panose="020B0503020204020204" pitchFamily="34" charset="-122"/>
-                <a:sym typeface="+mn-ea"/>
-              </a:rPr>
-              <a:t> </a:t>
-            </a:r>
-            <a:r>
-              <a:rPr kumimoji="1" lang="zh-CN" altLang="en-US" sz="4400" b="1" dirty="0" smtClean="0">
-                <a:solidFill>
-                  <a:schemeClr val="bg1"/>
-                </a:solidFill>
-                <a:latin typeface="微软雅黑" panose="020B0503020204020204" pitchFamily="34" charset="-122"/>
-                <a:ea typeface="微软雅黑" panose="020B0503020204020204" pitchFamily="34" charset="-122"/>
-                <a:cs typeface="微软雅黑" panose="020B0503020204020204" pitchFamily="34" charset="-122"/>
-                <a:sym typeface="+mn-ea"/>
-              </a:rPr>
-              <a:t>组件</a:t>
-            </a:r>
           </a:p>
         </p:txBody>
       </p:sp>
@@ -8548,7 +8529,7 @@
         <p:spPr>
           <a:xfrm>
             <a:off x="3320716" y="6858000"/>
-            <a:ext cx="8871284" cy="0"/>
+            <a:ext cx="13602335" cy="0"/>
           </a:xfrm>
           <a:prstGeom prst="line">
             <a:avLst/>
@@ -8574,264 +8555,314 @@
           </a:fontRef>
         </p:style>
       </p:cxnSp>
-      <p:grpSp>
-        <p:nvGrpSpPr>
-          <p:cNvPr id="9" name="组合 8"/>
-          <p:cNvGrpSpPr/>
-          <p:nvPr/>
-        </p:nvGrpSpPr>
-        <p:grpSpPr>
-          <a:xfrm>
-            <a:off x="5182870" y="2783205"/>
-            <a:ext cx="6547731" cy="1616710"/>
-            <a:chOff x="8889" y="4098"/>
-            <a:chExt cx="13928" cy="2546"/>
-          </a:xfrm>
-        </p:grpSpPr>
-        <p:sp>
-          <p:nvSpPr>
-            <p:cNvPr id="10" name="文本框 6"/>
-            <p:cNvSpPr txBox="1"/>
-            <p:nvPr/>
-          </p:nvSpPr>
-          <p:spPr>
-            <a:xfrm>
-              <a:off x="20341" y="5444"/>
-              <a:ext cx="2476" cy="725"/>
-            </a:xfrm>
-            <a:prstGeom prst="rect">
-              <a:avLst/>
-            </a:prstGeom>
+      <p:sp>
+        <p:nvSpPr>
+          <p:cNvPr id="10" name="椭圆 9"/>
+          <p:cNvSpPr/>
+          <p:nvPr/>
+        </p:nvSpPr>
+        <p:spPr>
+          <a:xfrm>
+            <a:off x="488950" y="3460115"/>
+            <a:ext cx="4283710" cy="4217670"/>
+          </a:xfrm>
+          <a:prstGeom prst="ellipse">
+            <a:avLst/>
+          </a:prstGeom>
+          <a:solidFill>
+            <a:schemeClr val="accent2">
+              <a:lumMod val="75000"/>
+            </a:schemeClr>
+          </a:solidFill>
+          <a:ln>
             <a:noFill/>
-          </p:spPr>
-          <p:txBody>
-            <a:bodyPr wrap="square" rtlCol="0">
-              <a:spAutoFit/>
-            </a:bodyPr>
-            <a:lstStyle/>
-            <a:p>
-              <a:pPr algn="l"/>
-              <a:r>
-                <a:rPr lang="en-US" altLang="zh-CN" sz="2400">
-                  <a:solidFill>
-                    <a:schemeClr val="accent5">
-                      <a:lumMod val="75000"/>
-                    </a:schemeClr>
-                  </a:solidFill>
-                  <a:effectLst>
-                    <a:reflection blurRad="6350" stA="50000" endA="300" endPos="50000" dist="60007" dir="5400000" sy="-100000" algn="bl" rotWithShape="0"/>
-                  </a:effectLst>
-                </a:rPr>
-                <a:t>Vuex</a:t>
-              </a:r>
-            </a:p>
-          </p:txBody>
-        </p:sp>
-        <p:sp>
-          <p:nvSpPr>
-            <p:cNvPr id="11" name="文本框 9"/>
-            <p:cNvSpPr txBox="1"/>
-            <p:nvPr/>
-          </p:nvSpPr>
-          <p:spPr>
-            <a:xfrm>
-              <a:off x="17757" y="5919"/>
-              <a:ext cx="3658" cy="725"/>
-            </a:xfrm>
-            <a:prstGeom prst="rect">
-              <a:avLst/>
-            </a:prstGeom>
-            <a:noFill/>
-          </p:spPr>
-          <p:txBody>
-            <a:bodyPr wrap="square" rtlCol="0">
-              <a:spAutoFit/>
-            </a:bodyPr>
-            <a:lstStyle/>
-            <a:p>
-              <a:pPr algn="l"/>
-              <a:r>
-                <a:rPr lang="en-US" altLang="zh-CN" sz="2400" dirty="0" err="1">
-                  <a:solidFill>
-                    <a:schemeClr val="accent5">
-                      <a:lumMod val="75000"/>
-                    </a:schemeClr>
-                  </a:solidFill>
-                  <a:effectLst>
-                    <a:reflection blurRad="6350" stA="50000" endA="300" endPos="50000" dist="60007" dir="5400000" sy="-100000" algn="bl" rotWithShape="0"/>
-                  </a:effectLst>
-                </a:rPr>
-                <a:t>Axios</a:t>
-              </a:r>
-              <a:endParaRPr lang="en-US" altLang="zh-CN" sz="2400" dirty="0">
-                <a:solidFill>
-                  <a:schemeClr val="accent5">
-                    <a:lumMod val="75000"/>
-                  </a:schemeClr>
+          </a:ln>
+        </p:spPr>
+        <p:style>
+          <a:lnRef idx="2">
+            <a:schemeClr val="accent1">
+              <a:shade val="50000"/>
+            </a:schemeClr>
+          </a:lnRef>
+          <a:fillRef idx="1">
+            <a:schemeClr val="accent1"/>
+          </a:fillRef>
+          <a:effectRef idx="0">
+            <a:schemeClr val="accent1"/>
+          </a:effectRef>
+          <a:fontRef idx="minor">
+            <a:schemeClr val="lt1"/>
+          </a:fontRef>
+        </p:style>
+        <p:txBody>
+          <a:bodyPr rtlCol="0" anchor="ctr"/>
+          <a:p>
+            <a:pPr algn="ctr"/>
+            <a:endParaRPr lang="zh-CN" altLang="en-US">
+              <a:solidFill>
+                <a:schemeClr val="bg1"/>
+              </a:solidFill>
+            </a:endParaRPr>
+          </a:p>
+        </p:txBody>
+      </p:sp>
+      <p:sp>
+        <p:nvSpPr>
+          <p:cNvPr id="44" name="文本框 23"/>
+          <p:cNvSpPr txBox="1"/>
+          <p:nvPr/>
+        </p:nvSpPr>
+        <p:spPr>
+          <a:xfrm>
+            <a:off x="9138285" y="4914265"/>
+            <a:ext cx="2073910" cy="521970"/>
+          </a:xfrm>
+          <a:prstGeom prst="rect">
+            <a:avLst/>
+          </a:prstGeom>
+          <a:noFill/>
+        </p:spPr>
+        <p:txBody>
+          <a:bodyPr wrap="square" rtlCol="0">
+            <a:spAutoFit/>
+          </a:bodyPr>
+          <a:lstStyle/>
+          <a:p>
+            <a:r>
+              <a:rPr lang="en-US" altLang="zh-CN" sz="2800">
+                <a:solidFill>
+                  <a:schemeClr val="bg1"/>
                 </a:solidFill>
                 <a:effectLst>
                   <a:reflection blurRad="6350" stA="50000" endA="300" endPos="50000" dist="60007" dir="5400000" sy="-100000" algn="bl" rotWithShape="0"/>
                 </a:effectLst>
-              </a:endParaRPr>
-            </a:p>
-          </p:txBody>
-        </p:sp>
-        <p:sp>
-          <p:nvSpPr>
-            <p:cNvPr id="12" name="文本框 11"/>
-            <p:cNvSpPr txBox="1"/>
-            <p:nvPr/>
-          </p:nvSpPr>
-          <p:spPr>
-            <a:xfrm>
-              <a:off x="12870" y="5444"/>
-              <a:ext cx="5499" cy="725"/>
-            </a:xfrm>
-            <a:prstGeom prst="rect">
-              <a:avLst/>
-            </a:prstGeom>
-            <a:noFill/>
-          </p:spPr>
-          <p:txBody>
-            <a:bodyPr wrap="square" rtlCol="0">
-              <a:spAutoFit/>
-            </a:bodyPr>
-            <a:lstStyle/>
-            <a:p>
-              <a:pPr algn="l"/>
-              <a:r>
-                <a:rPr lang="en-US" altLang="zh-CN" sz="2400">
-                  <a:solidFill>
-                    <a:schemeClr val="accent5">
-                      <a:lumMod val="75000"/>
-                    </a:schemeClr>
-                  </a:solidFill>
-                  <a:effectLst>
-                    <a:reflection blurRad="6350" stA="50000" endA="300" endPos="50000" dist="60007" dir="5400000" sy="-100000" algn="bl" rotWithShape="0"/>
-                  </a:effectLst>
-                </a:rPr>
-                <a:t>ant-design-vue</a:t>
-              </a:r>
-            </a:p>
-          </p:txBody>
-        </p:sp>
-        <p:sp>
-          <p:nvSpPr>
-            <p:cNvPr id="13" name="文本框 23"/>
-            <p:cNvSpPr txBox="1"/>
-            <p:nvPr/>
-          </p:nvSpPr>
-          <p:spPr>
-            <a:xfrm>
-              <a:off x="8889" y="5669"/>
-              <a:ext cx="2877" cy="725"/>
-            </a:xfrm>
-            <a:prstGeom prst="rect">
-              <a:avLst/>
-            </a:prstGeom>
-            <a:noFill/>
-          </p:spPr>
-          <p:txBody>
-            <a:bodyPr wrap="square" rtlCol="0">
-              <a:spAutoFit/>
-            </a:bodyPr>
-            <a:lstStyle/>
-            <a:p>
-              <a:r>
-                <a:rPr lang="en-US" altLang="zh-CN" sz="2400">
-                  <a:solidFill>
-                    <a:schemeClr val="accent5">
-                      <a:lumMod val="75000"/>
-                    </a:schemeClr>
-                  </a:solidFill>
-                  <a:effectLst>
-                    <a:reflection blurRad="6350" stA="50000" endA="300" endPos="50000" dist="60007" dir="5400000" sy="-100000" algn="bl" rotWithShape="0"/>
-                  </a:effectLst>
-                </a:rPr>
-                <a:t>node.js</a:t>
-              </a:r>
-            </a:p>
-          </p:txBody>
-        </p:sp>
-        <p:sp>
-          <p:nvSpPr>
-            <p:cNvPr id="14" name="文本框 24"/>
-            <p:cNvSpPr txBox="1"/>
-            <p:nvPr/>
-          </p:nvSpPr>
-          <p:spPr>
-            <a:xfrm>
-              <a:off x="17757" y="4494"/>
-              <a:ext cx="4125" cy="725"/>
-            </a:xfrm>
-            <a:prstGeom prst="rect">
-              <a:avLst/>
-            </a:prstGeom>
-            <a:noFill/>
-          </p:spPr>
-          <p:txBody>
-            <a:bodyPr wrap="square" rtlCol="0">
-              <a:spAutoFit/>
-            </a:bodyPr>
-            <a:lstStyle/>
-            <a:p>
-              <a:pPr algn="l"/>
-              <a:r>
-                <a:rPr lang="en-US" altLang="zh-CN" sz="2400">
-                  <a:solidFill>
-                    <a:schemeClr val="accent5">
-                      <a:lumMod val="75000"/>
-                    </a:schemeClr>
-                  </a:solidFill>
-                  <a:effectLst>
-                    <a:reflection blurRad="6350" stA="50000" endA="300" endPos="50000" dist="60007" dir="5400000" sy="-100000" algn="bl" rotWithShape="0"/>
-                  </a:effectLst>
-                </a:rPr>
-                <a:t>VueRouter</a:t>
-              </a:r>
-            </a:p>
-          </p:txBody>
-        </p:sp>
-        <p:sp>
-          <p:nvSpPr>
-            <p:cNvPr id="15" name="文本框 25"/>
-            <p:cNvSpPr txBox="1"/>
-            <p:nvPr/>
-          </p:nvSpPr>
-          <p:spPr>
-            <a:xfrm>
-              <a:off x="10519" y="4098"/>
-              <a:ext cx="1984" cy="725"/>
-            </a:xfrm>
-            <a:prstGeom prst="rect">
-              <a:avLst/>
-            </a:prstGeom>
-            <a:noFill/>
-          </p:spPr>
-          <p:txBody>
-            <a:bodyPr wrap="square" rtlCol="0">
-              <a:spAutoFit/>
-            </a:bodyPr>
-            <a:lstStyle/>
-            <a:p>
-              <a:pPr algn="l"/>
-              <a:r>
-                <a:rPr lang="en-US" altLang="zh-CN" sz="2400">
-                  <a:solidFill>
-                    <a:schemeClr val="accent5">
-                      <a:lumMod val="75000"/>
-                    </a:schemeClr>
-                  </a:solidFill>
-                  <a:effectLst>
-                    <a:reflection blurRad="6350" stA="50000" endA="300" endPos="50000" dist="60007" dir="5400000" sy="-100000" algn="bl" rotWithShape="0"/>
-                  </a:effectLst>
-                </a:rPr>
-                <a:t>npm</a:t>
-              </a:r>
-            </a:p>
-          </p:txBody>
-        </p:sp>
-      </p:grpSp>
+              </a:rPr>
+              <a:t>Node.js</a:t>
+            </a:r>
+            <a:endParaRPr lang="en-US" altLang="zh-CN" sz="2800">
+              <a:solidFill>
+                <a:schemeClr val="bg1"/>
+              </a:solidFill>
+              <a:effectLst>
+                <a:reflection blurRad="6350" stA="50000" endA="300" endPos="50000" dist="60007" dir="5400000" sy="-100000" algn="bl" rotWithShape="0"/>
+              </a:effectLst>
+            </a:endParaRPr>
+          </a:p>
+        </p:txBody>
+      </p:sp>
+      <p:sp>
+        <p:nvSpPr>
+          <p:cNvPr id="46" name="文本框 25"/>
+          <p:cNvSpPr txBox="1"/>
+          <p:nvPr/>
+        </p:nvSpPr>
+        <p:spPr>
+          <a:xfrm>
+            <a:off x="8091170" y="4138295"/>
+            <a:ext cx="1430020" cy="521970"/>
+          </a:xfrm>
+          <a:prstGeom prst="rect">
+            <a:avLst/>
+          </a:prstGeom>
+          <a:noFill/>
+        </p:spPr>
+        <p:txBody>
+          <a:bodyPr wrap="square" rtlCol="0">
+            <a:spAutoFit/>
+          </a:bodyPr>
+          <a:lstStyle/>
+          <a:p>
+            <a:pPr algn="l"/>
+            <a:r>
+              <a:rPr lang="en-US" altLang="zh-CN" sz="2800">
+                <a:solidFill>
+                  <a:schemeClr val="bg1"/>
+                </a:solidFill>
+                <a:effectLst>
+                  <a:reflection blurRad="6350" stA="50000" endA="300" endPos="50000" dist="60007" dir="5400000" sy="-100000" algn="bl" rotWithShape="0"/>
+                </a:effectLst>
+              </a:rPr>
+              <a:t>npm</a:t>
+            </a:r>
+            <a:endParaRPr lang="en-US" altLang="zh-CN" sz="2800">
+              <a:solidFill>
+                <a:schemeClr val="bg1"/>
+              </a:solidFill>
+              <a:effectLst>
+                <a:reflection blurRad="6350" stA="50000" endA="300" endPos="50000" dist="60007" dir="5400000" sy="-100000" algn="bl" rotWithShape="0"/>
+              </a:effectLst>
+            </a:endParaRPr>
+          </a:p>
+        </p:txBody>
+      </p:sp>
+      <p:sp>
+        <p:nvSpPr>
+          <p:cNvPr id="2" name="文本框 6">
+            <a:hlinkClick r:id="rId3" action="ppaction://hlinkfile"/>
+          </p:cNvPr>
+          <p:cNvSpPr txBox="1"/>
+          <p:nvPr/>
+        </p:nvSpPr>
+        <p:spPr>
+          <a:xfrm>
+            <a:off x="1086485" y="5922010"/>
+            <a:ext cx="1784350" cy="521970"/>
+          </a:xfrm>
+          <a:prstGeom prst="rect">
+            <a:avLst/>
+          </a:prstGeom>
+          <a:noFill/>
+        </p:spPr>
+        <p:txBody>
+          <a:bodyPr wrap="square" rtlCol="0">
+            <a:spAutoFit/>
+          </a:bodyPr>
+          <a:p>
+            <a:pPr algn="l"/>
+            <a:r>
+              <a:rPr lang="en-US" altLang="zh-CN" sz="2800">
+                <a:solidFill>
+                  <a:schemeClr val="bg1"/>
+                </a:solidFill>
+                <a:effectLst/>
+              </a:rPr>
+              <a:t>Vuex</a:t>
+            </a:r>
+            <a:endParaRPr lang="en-US" altLang="zh-CN" sz="2800">
+              <a:solidFill>
+                <a:schemeClr val="bg1"/>
+              </a:solidFill>
+              <a:effectLst/>
+            </a:endParaRPr>
+          </a:p>
+        </p:txBody>
+      </p:sp>
+      <p:sp>
+        <p:nvSpPr>
+          <p:cNvPr id="3" name="文本框 11">
+            <a:hlinkClick r:id="rId4" action="ppaction://hlinkfile"/>
+          </p:cNvPr>
+          <p:cNvSpPr txBox="1"/>
+          <p:nvPr/>
+        </p:nvSpPr>
+        <p:spPr>
+          <a:xfrm>
+            <a:off x="1351280" y="4453890"/>
+            <a:ext cx="3963670" cy="521970"/>
+          </a:xfrm>
+          <a:prstGeom prst="rect">
+            <a:avLst/>
+          </a:prstGeom>
+          <a:noFill/>
+        </p:spPr>
+        <p:txBody>
+          <a:bodyPr wrap="square" rtlCol="0">
+            <a:spAutoFit/>
+          </a:bodyPr>
+          <a:p>
+            <a:pPr algn="l"/>
+            <a:r>
+              <a:rPr lang="en-US" altLang="zh-CN" sz="2800">
+                <a:solidFill>
+                  <a:schemeClr val="bg1"/>
+                </a:solidFill>
+                <a:effectLst/>
+              </a:rPr>
+              <a:t>Ant-Design-vue</a:t>
+            </a:r>
+            <a:endParaRPr lang="en-US" altLang="zh-CN" sz="2800">
+              <a:solidFill>
+                <a:schemeClr val="bg1"/>
+              </a:solidFill>
+              <a:effectLst/>
+            </a:endParaRPr>
+          </a:p>
+        </p:txBody>
+      </p:sp>
+      <p:sp>
+        <p:nvSpPr>
+          <p:cNvPr id="11" name="文本框 6">
+            <a:hlinkClick r:id="rId5" action="ppaction://hlinkfile"/>
+          </p:cNvPr>
+          <p:cNvSpPr txBox="1"/>
+          <p:nvPr/>
+        </p:nvSpPr>
+        <p:spPr>
+          <a:xfrm>
+            <a:off x="4367530" y="2999740"/>
+            <a:ext cx="1784350" cy="521970"/>
+          </a:xfrm>
+          <a:prstGeom prst="rect">
+            <a:avLst/>
+          </a:prstGeom>
+          <a:noFill/>
+        </p:spPr>
+        <p:txBody>
+          <a:bodyPr wrap="square" rtlCol="0">
+            <a:spAutoFit/>
+          </a:bodyPr>
+          <a:p>
+            <a:pPr algn="l"/>
+            <a:r>
+              <a:rPr lang="en-US" altLang="zh-CN" sz="2800">
+                <a:solidFill>
+                  <a:schemeClr val="bg1"/>
+                </a:solidFill>
+                <a:effectLst/>
+              </a:rPr>
+              <a:t>Vue</a:t>
+            </a:r>
+            <a:endParaRPr lang="en-US" altLang="zh-CN" sz="2800">
+              <a:solidFill>
+                <a:schemeClr val="bg1"/>
+              </a:solidFill>
+              <a:effectLst/>
+            </a:endParaRPr>
+          </a:p>
+        </p:txBody>
+      </p:sp>
+      <p:sp>
+        <p:nvSpPr>
+          <p:cNvPr id="4" name="文本框 24">
+            <a:hlinkClick r:id="rId6" action="ppaction://hlinkfile"/>
+          </p:cNvPr>
+          <p:cNvSpPr txBox="1"/>
+          <p:nvPr/>
+        </p:nvSpPr>
+        <p:spPr>
+          <a:xfrm>
+            <a:off x="2428240" y="5461635"/>
+            <a:ext cx="2973070" cy="521970"/>
+          </a:xfrm>
+          <a:prstGeom prst="rect">
+            <a:avLst/>
+          </a:prstGeom>
+          <a:noFill/>
+        </p:spPr>
+        <p:txBody>
+          <a:bodyPr wrap="square" rtlCol="0">
+            <a:spAutoFit/>
+          </a:bodyPr>
+          <a:p>
+            <a:pPr algn="l"/>
+            <a:r>
+              <a:rPr lang="en-US" altLang="zh-CN" sz="2800">
+                <a:solidFill>
+                  <a:schemeClr val="bg1"/>
+                </a:solidFill>
+                <a:effectLst/>
+              </a:rPr>
+              <a:t>VueRouter</a:t>
+            </a:r>
+            <a:endParaRPr lang="en-US" altLang="zh-CN" sz="2800">
+              <a:solidFill>
+                <a:schemeClr val="bg1"/>
+              </a:solidFill>
+              <a:effectLst/>
+            </a:endParaRPr>
+          </a:p>
+        </p:txBody>
+      </p:sp>
     </p:spTree>
   </p:cSld>
   <p:clrMapOvr>
@@ -8867,605 +8898,6 @@
       </p:grpSpPr>
       <p:pic>
         <p:nvPicPr>
-          <p:cNvPr id="5" name="图片 4"/>
-          <p:cNvPicPr>
-            <a:picLocks noChangeAspect="1"/>
-          </p:cNvPicPr>
-          <p:nvPr/>
-        </p:nvPicPr>
-        <p:blipFill rotWithShape="1">
-          <a:blip r:embed="rId3" cstate="print">
-            <a:extLst>
-              <a:ext uri="{BEBA8EAE-BF5A-486C-A8C5-ECC9F3942E4B}">
-                <a14:imgProps xmlns="" xmlns:a14="http://schemas.microsoft.com/office/drawing/2010/main">
-                  <a14:imgLayer r:embed="rId4">
-                    <a14:imgEffect>
-                      <a14:saturation sat="0"/>
-                    </a14:imgEffect>
-                  </a14:imgLayer>
-                </a14:imgProps>
-              </a:ext>
-            </a:extLst>
-          </a:blip>
-          <a:srcRect/>
-          <a:stretch>
-            <a:fillRect/>
-          </a:stretch>
-        </p:blipFill>
-        <p:spPr>
-          <a:xfrm>
-            <a:off x="0" y="614150"/>
-            <a:ext cx="12192000" cy="1546630"/>
-          </a:xfrm>
-          <a:prstGeom prst="rect">
-            <a:avLst/>
-          </a:prstGeom>
-        </p:spPr>
-      </p:pic>
-      <p:sp>
-        <p:nvSpPr>
-          <p:cNvPr id="20" name="矩形 19"/>
-          <p:cNvSpPr/>
-          <p:nvPr/>
-        </p:nvSpPr>
-        <p:spPr>
-          <a:xfrm>
-            <a:off x="0" y="611541"/>
-            <a:ext cx="12192000" cy="1549239"/>
-          </a:xfrm>
-          <a:prstGeom prst="rect">
-            <a:avLst/>
-          </a:prstGeom>
-          <a:solidFill>
-            <a:schemeClr val="accent2">
-              <a:lumMod val="75000"/>
-              <a:alpha val="78000"/>
-            </a:schemeClr>
-          </a:solidFill>
-          <a:ln>
-            <a:noFill/>
-          </a:ln>
-        </p:spPr>
-        <p:style>
-          <a:lnRef idx="2">
-            <a:schemeClr val="accent2">
-              <a:shade val="50000"/>
-            </a:schemeClr>
-          </a:lnRef>
-          <a:fillRef idx="1">
-            <a:schemeClr val="accent2"/>
-          </a:fillRef>
-          <a:effectRef idx="0">
-            <a:schemeClr val="accent2"/>
-          </a:effectRef>
-          <a:fontRef idx="minor">
-            <a:schemeClr val="lt1"/>
-          </a:fontRef>
-        </p:style>
-        <p:txBody>
-          <a:bodyPr rtlCol="0" anchor="ctr"/>
-          <a:lstStyle/>
-          <a:p>
-            <a:pPr algn="ctr"/>
-            <a:endParaRPr lang="zh-CN" altLang="en-US"/>
-          </a:p>
-        </p:txBody>
-      </p:sp>
-      <p:sp>
-        <p:nvSpPr>
-          <p:cNvPr id="6" name="矩形 5"/>
-          <p:cNvSpPr/>
-          <p:nvPr/>
-        </p:nvSpPr>
-        <p:spPr>
-          <a:xfrm>
-            <a:off x="1351129" y="614150"/>
-            <a:ext cx="3016155" cy="1542196"/>
-          </a:xfrm>
-          <a:prstGeom prst="rect">
-            <a:avLst/>
-          </a:prstGeom>
-          <a:solidFill>
-            <a:schemeClr val="accent1">
-              <a:alpha val="97000"/>
-            </a:schemeClr>
-          </a:solidFill>
-          <a:ln>
-            <a:noFill/>
-          </a:ln>
-        </p:spPr>
-        <p:style>
-          <a:lnRef idx="2">
-            <a:schemeClr val="accent1">
-              <a:shade val="50000"/>
-            </a:schemeClr>
-          </a:lnRef>
-          <a:fillRef idx="1">
-            <a:schemeClr val="accent1"/>
-          </a:fillRef>
-          <a:effectRef idx="0">
-            <a:schemeClr val="accent1"/>
-          </a:effectRef>
-          <a:fontRef idx="minor">
-            <a:schemeClr val="lt1"/>
-          </a:fontRef>
-        </p:style>
-        <p:txBody>
-          <a:bodyPr rtlCol="0" anchor="ctr"/>
-          <a:lstStyle/>
-          <a:p>
-            <a:pPr algn="ctr"/>
-            <a:endParaRPr lang="zh-CN" altLang="en-US"/>
-          </a:p>
-        </p:txBody>
-      </p:sp>
-      <p:sp>
-        <p:nvSpPr>
-          <p:cNvPr id="7" name="文本框 6"/>
-          <p:cNvSpPr txBox="1"/>
-          <p:nvPr/>
-        </p:nvSpPr>
-        <p:spPr>
-          <a:xfrm>
-            <a:off x="1520031" y="804444"/>
-            <a:ext cx="2613546" cy="338554"/>
-          </a:xfrm>
-          <a:prstGeom prst="rect">
-            <a:avLst/>
-          </a:prstGeom>
-          <a:noFill/>
-        </p:spPr>
-        <p:txBody>
-          <a:bodyPr wrap="square" rtlCol="0">
-            <a:spAutoFit/>
-          </a:bodyPr>
-          <a:lstStyle/>
-          <a:p>
-            <a:pPr algn="dist"/>
-            <a:r>
-              <a:rPr lang="en-US" altLang="zh-CN" sz="1600" dirty="0">
-                <a:solidFill>
-                  <a:schemeClr val="bg1"/>
-                </a:solidFill>
-                <a:latin typeface="微软雅黑" panose="020B0503020204020204" pitchFamily="34" charset="-122"/>
-                <a:ea typeface="微软雅黑" panose="020B0503020204020204" pitchFamily="34" charset="-122"/>
-              </a:rPr>
-              <a:t>CONTENTS</a:t>
-            </a:r>
-            <a:endParaRPr lang="zh-CN" altLang="en-US" sz="1600" dirty="0">
-              <a:solidFill>
-                <a:schemeClr val="bg1"/>
-              </a:solidFill>
-              <a:latin typeface="微软雅黑" panose="020B0503020204020204" pitchFamily="34" charset="-122"/>
-              <a:ea typeface="微软雅黑" panose="020B0503020204020204" pitchFamily="34" charset="-122"/>
-            </a:endParaRPr>
-          </a:p>
-        </p:txBody>
-      </p:sp>
-      <p:sp>
-        <p:nvSpPr>
-          <p:cNvPr id="19" name="文本框 7"/>
-          <p:cNvSpPr txBox="1"/>
-          <p:nvPr/>
-        </p:nvSpPr>
-        <p:spPr>
-          <a:xfrm>
-            <a:off x="1511587" y="1231519"/>
-            <a:ext cx="2441694" cy="769441"/>
-          </a:xfrm>
-          <a:prstGeom prst="rect">
-            <a:avLst/>
-          </a:prstGeom>
-          <a:noFill/>
-        </p:spPr>
-        <p:txBody>
-          <a:bodyPr wrap="none" rtlCol="0">
-            <a:spAutoFit/>
-          </a:bodyPr>
-          <a:lstStyle/>
-          <a:p>
-            <a:r>
-              <a:rPr kumimoji="1" lang="zh-CN" altLang="en-US" sz="4400" b="1" dirty="0" smtClean="0">
-                <a:solidFill>
-                  <a:schemeClr val="bg1"/>
-                </a:solidFill>
-                <a:latin typeface="微软雅黑" panose="020B0503020204020204" pitchFamily="34" charset="-122"/>
-                <a:ea typeface="微软雅黑" panose="020B0503020204020204" pitchFamily="34" charset="-122"/>
-                <a:cs typeface="微软雅黑" panose="020B0503020204020204" pitchFamily="34" charset="-122"/>
-                <a:sym typeface="+mn-ea"/>
-              </a:rPr>
-              <a:t>项目实战</a:t>
-            </a:r>
-          </a:p>
-        </p:txBody>
-      </p:sp>
-      <p:cxnSp>
-        <p:nvCxnSpPr>
-          <p:cNvPr id="37" name="直接连接符 36"/>
-          <p:cNvCxnSpPr/>
-          <p:nvPr/>
-        </p:nvCxnSpPr>
-        <p:spPr>
-          <a:xfrm>
-            <a:off x="0" y="6858000"/>
-            <a:ext cx="3336758" cy="0"/>
-          </a:xfrm>
-          <a:prstGeom prst="line">
-            <a:avLst/>
-          </a:prstGeom>
-          <a:ln w="76200">
-            <a:solidFill>
-              <a:srgbClr val="E28825"/>
-            </a:solidFill>
-          </a:ln>
-        </p:spPr>
-        <p:style>
-          <a:lnRef idx="1">
-            <a:schemeClr val="accent1"/>
-          </a:lnRef>
-          <a:fillRef idx="0">
-            <a:schemeClr val="accent1"/>
-          </a:fillRef>
-          <a:effectRef idx="0">
-            <a:schemeClr val="accent1"/>
-          </a:effectRef>
-          <a:fontRef idx="minor">
-            <a:schemeClr val="tx1"/>
-          </a:fontRef>
-        </p:style>
-      </p:cxnSp>
-      <p:cxnSp>
-        <p:nvCxnSpPr>
-          <p:cNvPr id="38" name="直接连接符 37"/>
-          <p:cNvCxnSpPr/>
-          <p:nvPr/>
-        </p:nvCxnSpPr>
-        <p:spPr>
-          <a:xfrm>
-            <a:off x="3320716" y="6858000"/>
-            <a:ext cx="8871284" cy="0"/>
-          </a:xfrm>
-          <a:prstGeom prst="line">
-            <a:avLst/>
-          </a:prstGeom>
-          <a:ln w="76200">
-            <a:solidFill>
-              <a:srgbClr val="00479D"/>
-            </a:solidFill>
-          </a:ln>
-        </p:spPr>
-        <p:style>
-          <a:lnRef idx="1">
-            <a:schemeClr val="accent1"/>
-          </a:lnRef>
-          <a:fillRef idx="0">
-            <a:schemeClr val="accent1"/>
-          </a:fillRef>
-          <a:effectRef idx="0">
-            <a:schemeClr val="accent1"/>
-          </a:effectRef>
-          <a:fontRef idx="minor">
-            <a:schemeClr val="tx1"/>
-          </a:fontRef>
-        </p:style>
-      </p:cxnSp>
-      <p:grpSp>
-        <p:nvGrpSpPr>
-          <p:cNvPr id="40" name="组合 39"/>
-          <p:cNvGrpSpPr/>
-          <p:nvPr/>
-        </p:nvGrpSpPr>
-        <p:grpSpPr>
-          <a:xfrm>
-            <a:off x="5182870" y="2783205"/>
-            <a:ext cx="6547731" cy="1616710"/>
-            <a:chOff x="8889" y="4098"/>
-            <a:chExt cx="13928" cy="2546"/>
-          </a:xfrm>
-        </p:grpSpPr>
-        <p:sp>
-          <p:nvSpPr>
-            <p:cNvPr id="41" name="文本框 6"/>
-            <p:cNvSpPr txBox="1"/>
-            <p:nvPr/>
-          </p:nvSpPr>
-          <p:spPr>
-            <a:xfrm>
-              <a:off x="20341" y="5444"/>
-              <a:ext cx="2476" cy="725"/>
-            </a:xfrm>
-            <a:prstGeom prst="rect">
-              <a:avLst/>
-            </a:prstGeom>
-            <a:noFill/>
-          </p:spPr>
-          <p:txBody>
-            <a:bodyPr wrap="square" rtlCol="0">
-              <a:spAutoFit/>
-            </a:bodyPr>
-            <a:lstStyle/>
-            <a:p>
-              <a:pPr algn="l"/>
-              <a:r>
-                <a:rPr lang="en-US" altLang="zh-CN" sz="2400">
-                  <a:solidFill>
-                    <a:schemeClr val="accent5">
-                      <a:lumMod val="75000"/>
-                    </a:schemeClr>
-                  </a:solidFill>
-                  <a:effectLst>
-                    <a:reflection blurRad="6350" stA="50000" endA="300" endPos="50000" dist="60007" dir="5400000" sy="-100000" algn="bl" rotWithShape="0"/>
-                  </a:effectLst>
-                </a:rPr>
-                <a:t>Vuex</a:t>
-              </a:r>
-            </a:p>
-          </p:txBody>
-        </p:sp>
-        <p:sp>
-          <p:nvSpPr>
-            <p:cNvPr id="42" name="文本框 9"/>
-            <p:cNvSpPr txBox="1"/>
-            <p:nvPr/>
-          </p:nvSpPr>
-          <p:spPr>
-            <a:xfrm>
-              <a:off x="17757" y="5919"/>
-              <a:ext cx="3658" cy="725"/>
-            </a:xfrm>
-            <a:prstGeom prst="rect">
-              <a:avLst/>
-            </a:prstGeom>
-            <a:noFill/>
-          </p:spPr>
-          <p:txBody>
-            <a:bodyPr wrap="square" rtlCol="0">
-              <a:spAutoFit/>
-            </a:bodyPr>
-            <a:lstStyle/>
-            <a:p>
-              <a:pPr algn="l"/>
-              <a:r>
-                <a:rPr lang="en-US" altLang="zh-CN" sz="2400" dirty="0" err="1">
-                  <a:solidFill>
-                    <a:schemeClr val="accent5">
-                      <a:lumMod val="75000"/>
-                    </a:schemeClr>
-                  </a:solidFill>
-                  <a:effectLst>
-                    <a:reflection blurRad="6350" stA="50000" endA="300" endPos="50000" dist="60007" dir="5400000" sy="-100000" algn="bl" rotWithShape="0"/>
-                  </a:effectLst>
-                </a:rPr>
-                <a:t>Axios</a:t>
-              </a:r>
-              <a:endParaRPr lang="en-US" altLang="zh-CN" sz="2400" dirty="0">
-                <a:solidFill>
-                  <a:schemeClr val="accent5">
-                    <a:lumMod val="75000"/>
-                  </a:schemeClr>
-                </a:solidFill>
-                <a:effectLst>
-                  <a:reflection blurRad="6350" stA="50000" endA="300" endPos="50000" dist="60007" dir="5400000" sy="-100000" algn="bl" rotWithShape="0"/>
-                </a:effectLst>
-              </a:endParaRPr>
-            </a:p>
-          </p:txBody>
-        </p:sp>
-        <p:sp>
-          <p:nvSpPr>
-            <p:cNvPr id="43" name="文本框 11"/>
-            <p:cNvSpPr txBox="1"/>
-            <p:nvPr/>
-          </p:nvSpPr>
-          <p:spPr>
-            <a:xfrm>
-              <a:off x="12870" y="5444"/>
-              <a:ext cx="5499" cy="725"/>
-            </a:xfrm>
-            <a:prstGeom prst="rect">
-              <a:avLst/>
-            </a:prstGeom>
-            <a:noFill/>
-          </p:spPr>
-          <p:txBody>
-            <a:bodyPr wrap="square" rtlCol="0">
-              <a:spAutoFit/>
-            </a:bodyPr>
-            <a:lstStyle/>
-            <a:p>
-              <a:pPr algn="l"/>
-              <a:r>
-                <a:rPr lang="en-US" altLang="zh-CN" sz="2400">
-                  <a:solidFill>
-                    <a:schemeClr val="accent5">
-                      <a:lumMod val="75000"/>
-                    </a:schemeClr>
-                  </a:solidFill>
-                  <a:effectLst>
-                    <a:reflection blurRad="6350" stA="50000" endA="300" endPos="50000" dist="60007" dir="5400000" sy="-100000" algn="bl" rotWithShape="0"/>
-                  </a:effectLst>
-                </a:rPr>
-                <a:t>ant-design-vue</a:t>
-              </a:r>
-            </a:p>
-          </p:txBody>
-        </p:sp>
-        <p:sp>
-          <p:nvSpPr>
-            <p:cNvPr id="44" name="文本框 23"/>
-            <p:cNvSpPr txBox="1"/>
-            <p:nvPr/>
-          </p:nvSpPr>
-          <p:spPr>
-            <a:xfrm>
-              <a:off x="8889" y="5669"/>
-              <a:ext cx="2877" cy="725"/>
-            </a:xfrm>
-            <a:prstGeom prst="rect">
-              <a:avLst/>
-            </a:prstGeom>
-            <a:noFill/>
-          </p:spPr>
-          <p:txBody>
-            <a:bodyPr wrap="square" rtlCol="0">
-              <a:spAutoFit/>
-            </a:bodyPr>
-            <a:lstStyle/>
-            <a:p>
-              <a:r>
-                <a:rPr lang="en-US" altLang="zh-CN" sz="2400">
-                  <a:solidFill>
-                    <a:schemeClr val="accent5">
-                      <a:lumMod val="75000"/>
-                    </a:schemeClr>
-                  </a:solidFill>
-                  <a:effectLst>
-                    <a:reflection blurRad="6350" stA="50000" endA="300" endPos="50000" dist="60007" dir="5400000" sy="-100000" algn="bl" rotWithShape="0"/>
-                  </a:effectLst>
-                </a:rPr>
-                <a:t>node.js</a:t>
-              </a:r>
-            </a:p>
-          </p:txBody>
-        </p:sp>
-        <p:sp>
-          <p:nvSpPr>
-            <p:cNvPr id="45" name="文本框 24"/>
-            <p:cNvSpPr txBox="1"/>
-            <p:nvPr/>
-          </p:nvSpPr>
-          <p:spPr>
-            <a:xfrm>
-              <a:off x="17757" y="4494"/>
-              <a:ext cx="4125" cy="725"/>
-            </a:xfrm>
-            <a:prstGeom prst="rect">
-              <a:avLst/>
-            </a:prstGeom>
-            <a:noFill/>
-          </p:spPr>
-          <p:txBody>
-            <a:bodyPr wrap="square" rtlCol="0">
-              <a:spAutoFit/>
-            </a:bodyPr>
-            <a:lstStyle/>
-            <a:p>
-              <a:pPr algn="l"/>
-              <a:r>
-                <a:rPr lang="en-US" altLang="zh-CN" sz="2400">
-                  <a:solidFill>
-                    <a:schemeClr val="accent5">
-                      <a:lumMod val="75000"/>
-                    </a:schemeClr>
-                  </a:solidFill>
-                  <a:effectLst>
-                    <a:reflection blurRad="6350" stA="50000" endA="300" endPos="50000" dist="60007" dir="5400000" sy="-100000" algn="bl" rotWithShape="0"/>
-                  </a:effectLst>
-                </a:rPr>
-                <a:t>VueRouter</a:t>
-              </a:r>
-            </a:p>
-          </p:txBody>
-        </p:sp>
-        <p:sp>
-          <p:nvSpPr>
-            <p:cNvPr id="46" name="文本框 25"/>
-            <p:cNvSpPr txBox="1"/>
-            <p:nvPr/>
-          </p:nvSpPr>
-          <p:spPr>
-            <a:xfrm>
-              <a:off x="10519" y="4098"/>
-              <a:ext cx="1984" cy="725"/>
-            </a:xfrm>
-            <a:prstGeom prst="rect">
-              <a:avLst/>
-            </a:prstGeom>
-            <a:noFill/>
-          </p:spPr>
-          <p:txBody>
-            <a:bodyPr wrap="square" rtlCol="0">
-              <a:spAutoFit/>
-            </a:bodyPr>
-            <a:lstStyle/>
-            <a:p>
-              <a:pPr algn="l"/>
-              <a:r>
-                <a:rPr lang="en-US" altLang="zh-CN" sz="2400">
-                  <a:solidFill>
-                    <a:schemeClr val="accent5">
-                      <a:lumMod val="75000"/>
-                    </a:schemeClr>
-                  </a:solidFill>
-                  <a:effectLst>
-                    <a:reflection blurRad="6350" stA="50000" endA="300" endPos="50000" dist="60007" dir="5400000" sy="-100000" algn="bl" rotWithShape="0"/>
-                  </a:effectLst>
-                </a:rPr>
-                <a:t>npm</a:t>
-              </a:r>
-            </a:p>
-          </p:txBody>
-        </p:sp>
-      </p:grpSp>
-      <p:pic>
-        <p:nvPicPr>
-          <p:cNvPr id="47" name="图片 46"/>
-          <p:cNvPicPr>
-            <a:picLocks noChangeAspect="1"/>
-          </p:cNvPicPr>
-          <p:nvPr/>
-        </p:nvPicPr>
-        <p:blipFill>
-          <a:blip r:embed="rId5"/>
-          <a:stretch>
-            <a:fillRect/>
-          </a:stretch>
-        </p:blipFill>
-        <p:spPr>
-          <a:xfrm>
-            <a:off x="0" y="2187326"/>
-            <a:ext cx="3260785" cy="4604094"/>
-          </a:xfrm>
-          <a:prstGeom prst="rect">
-            <a:avLst/>
-          </a:prstGeom>
-        </p:spPr>
-      </p:pic>
-    </p:spTree>
-  </p:cSld>
-  <p:clrMapOvr>
-    <a:masterClrMapping/>
-  </p:clrMapOvr>
-  <p:transition spd="slow"/>
-  <p:timing>
-    <p:tnLst>
-      <p:par>
-        <p:cTn id="1" dur="indefinite" restart="never" nodeType="tmRoot"/>
-      </p:par>
-    </p:tnLst>
-  </p:timing>
-</p:sld>
-</file>
-
-<file path=ppt/slides/slide17.xml><?xml version="1.0" encoding="utf-8"?>
-<p:sld xmlns:a="http://schemas.openxmlformats.org/drawingml/2006/main" xmlns:r="http://schemas.openxmlformats.org/officeDocument/2006/relationships" xmlns:p="http://schemas.openxmlformats.org/presentationml/2006/main">
-  <p:cSld>
-    <p:spTree>
-      <p:nvGrpSpPr>
-        <p:cNvPr id="1" name=""/>
-        <p:cNvGrpSpPr/>
-        <p:nvPr/>
-      </p:nvGrpSpPr>
-      <p:grpSpPr>
-        <a:xfrm>
-          <a:off x="0" y="0"/>
-          <a:ext cx="0" cy="0"/>
-          <a:chOff x="0" y="0"/>
-          <a:chExt cx="0" cy="0"/>
-        </a:xfrm>
-      </p:grpSpPr>
-      <p:pic>
-        <p:nvPicPr>
           <p:cNvPr id="4" name="图片 3" descr="E:\PPT\pic\QJ8185565531.jpgQJ8185565531"/>
           <p:cNvPicPr>
             <a:picLocks noChangeAspect="1"/>
@@ -9473,7 +8905,7 @@
           <p:nvPr/>
         </p:nvPicPr>
         <p:blipFill>
-          <a:blip r:embed="rId4" cstate="print"/>
+          <a:blip r:embed="rId1" cstate="print"/>
           <a:srcRect b="5236"/>
           <a:stretch>
             <a:fillRect/>
@@ -9609,7 +9041,7 @@
           <p:nvPr/>
         </p:nvPicPr>
         <p:blipFill>
-          <a:blip r:embed="rId5" cstate="print"/>
+          <a:blip r:embed="rId2" cstate="print"/>
           <a:stretch>
             <a:fillRect/>
           </a:stretch>
@@ -9783,6 +9215,13 @@
               </a:rPr>
               <a:t>FOR YOUR WATCHING</a:t>
             </a:r>
+            <a:endParaRPr lang="en-US" altLang="zh-CN" dirty="0">
+              <a:solidFill>
+                <a:schemeClr val="bg1"/>
+              </a:solidFill>
+              <a:latin typeface="微软雅黑" panose="020B0503020204020204" pitchFamily="34" charset="-122"/>
+              <a:ea typeface="微软雅黑" panose="020B0503020204020204" pitchFamily="34" charset="-122"/>
+            </a:endParaRPr>
           </a:p>
         </p:txBody>
       </p:sp>
@@ -9809,10 +9248,10 @@
             <p:nvPr/>
           </p:nvPicPr>
           <p:blipFill>
-            <a:blip r:embed="rId6" cstate="print">
+            <a:blip r:embed="rId3" cstate="print">
               <a:extLst>
                 <a:ext uri="{28A0092B-C50C-407E-A947-70E740481C1C}">
-                  <a14:useLocalDpi xmlns="" xmlns:a14="http://schemas.microsoft.com/office/drawing/2010/main" val="0"/>
+                  <a14:useLocalDpi xmlns:a14="http://schemas.microsoft.com/office/drawing/2010/main" val="0"/>
                 </a:ext>
               </a:extLst>
             </a:blip>
@@ -9839,10 +9278,10 @@
             <p:nvPr/>
           </p:nvPicPr>
           <p:blipFill>
-            <a:blip r:embed="rId7" cstate="print">
+            <a:blip r:embed="rId4" cstate="print">
               <a:extLst>
                 <a:ext uri="{28A0092B-C50C-407E-A947-70E740481C1C}">
-                  <a14:useLocalDpi xmlns="" xmlns:a14="http://schemas.microsoft.com/office/drawing/2010/main" val="0"/>
+                  <a14:useLocalDpi xmlns:a14="http://schemas.microsoft.com/office/drawing/2010/main" val="0"/>
                 </a:ext>
               </a:extLst>
             </a:blip>
@@ -9863,14 +9302,14 @@
       </p:grpSp>
     </p:spTree>
     <p:custDataLst>
-      <p:tags r:id="rId1"/>
+      <p:tags r:id="rId5"/>
     </p:custDataLst>
   </p:cSld>
   <p:clrMapOvr>
     <a:masterClrMapping/>
   </p:clrMapOvr>
   <mc:AlternateContent xmlns:mc="http://schemas.openxmlformats.org/markup-compatibility/2006">
-    <mc:Choice xmlns="" xmlns:p14="http://schemas.microsoft.com/office/powerpoint/2010/main" Requires="p14">
+    <mc:Choice xmlns:p14="http://schemas.microsoft.com/office/powerpoint/2010/main" Requires="p14">
       <p:transition spd="slow" p14:dur="1500" advClick="0" advTm="3000"/>
     </mc:Choice>
     <mc:Fallback>
@@ -9913,11 +9352,11 @@
           <p:nvPr/>
         </p:nvPicPr>
         <p:blipFill rotWithShape="1">
-          <a:blip r:embed="rId3" cstate="print">
+          <a:blip r:embed="rId1" cstate="print">
             <a:extLst>
               <a:ext uri="{BEBA8EAE-BF5A-486C-A8C5-ECC9F3942E4B}">
-                <a14:imgProps xmlns="" xmlns:a14="http://schemas.microsoft.com/office/drawing/2010/main">
-                  <a14:imgLayer r:embed="rId4">
+                <a14:imgProps xmlns:a14="http://schemas.microsoft.com/office/drawing/2010/main">
+                  <a14:imgLayer r:embed="rId2">
                     <a14:imgEffect>
                       <a14:saturation sat="0"/>
                     </a14:imgEffect>
@@ -10040,14 +9479,14 @@
       </p:sp>
       <p:sp>
         <p:nvSpPr>
-          <p:cNvPr id="7" name="文本框 6"/>
+          <p:cNvPr id="19" name="文本框 7"/>
           <p:cNvSpPr txBox="1"/>
           <p:nvPr/>
         </p:nvSpPr>
         <p:spPr>
           <a:xfrm>
-            <a:off x="1520031" y="804444"/>
-            <a:ext cx="2613546" cy="338554"/>
+            <a:off x="1511587" y="1231519"/>
+            <a:ext cx="1479892" cy="769441"/>
           </a:xfrm>
           <a:prstGeom prst="rect">
             <a:avLst/>
@@ -10055,65 +9494,30 @@
           <a:noFill/>
         </p:spPr>
         <p:txBody>
-          <a:bodyPr wrap="square" rtlCol="0">
+          <a:bodyPr wrap="none" rtlCol="0">
             <a:spAutoFit/>
           </a:bodyPr>
           <a:lstStyle/>
           <a:p>
-            <a:pPr algn="dist"/>
-            <a:r>
-              <a:rPr lang="en-US" altLang="zh-CN" sz="1600" dirty="0">
+            <a:r>
+              <a:rPr kumimoji="1" lang="zh-CN" altLang="en-US" sz="4400" b="1" dirty="0">
                 <a:solidFill>
                   <a:schemeClr val="bg1"/>
                 </a:solidFill>
                 <a:latin typeface="微软雅黑" panose="020B0503020204020204" pitchFamily="34" charset="-122"/>
                 <a:ea typeface="微软雅黑" panose="020B0503020204020204" pitchFamily="34" charset="-122"/>
+                <a:cs typeface="微软雅黑" panose="020B0503020204020204" pitchFamily="34" charset="-122"/>
               </a:rPr>
-              <a:t>CONTENTS</a:t>
-            </a:r>
-            <a:endParaRPr lang="zh-CN" altLang="en-US" sz="1600" dirty="0">
+              <a:t>目 录</a:t>
+            </a:r>
+            <a:endParaRPr kumimoji="1" lang="zh-CN" altLang="en-US" sz="4400" b="1" dirty="0">
               <a:solidFill>
                 <a:schemeClr val="bg1"/>
               </a:solidFill>
               <a:latin typeface="微软雅黑" panose="020B0503020204020204" pitchFamily="34" charset="-122"/>
               <a:ea typeface="微软雅黑" panose="020B0503020204020204" pitchFamily="34" charset="-122"/>
+              <a:cs typeface="微软雅黑" panose="020B0503020204020204" pitchFamily="34" charset="-122"/>
             </a:endParaRPr>
-          </a:p>
-        </p:txBody>
-      </p:sp>
-      <p:sp>
-        <p:nvSpPr>
-          <p:cNvPr id="19" name="文本框 7"/>
-          <p:cNvSpPr txBox="1"/>
-          <p:nvPr/>
-        </p:nvSpPr>
-        <p:spPr>
-          <a:xfrm>
-            <a:off x="1511587" y="1231519"/>
-            <a:ext cx="1479892" cy="769441"/>
-          </a:xfrm>
-          <a:prstGeom prst="rect">
-            <a:avLst/>
-          </a:prstGeom>
-          <a:noFill/>
-        </p:spPr>
-        <p:txBody>
-          <a:bodyPr wrap="none" rtlCol="0">
-            <a:spAutoFit/>
-          </a:bodyPr>
-          <a:lstStyle/>
-          <a:p>
-            <a:r>
-              <a:rPr kumimoji="1" lang="zh-CN" altLang="en-US" sz="4400" b="1" dirty="0">
-                <a:solidFill>
-                  <a:schemeClr val="bg1"/>
-                </a:solidFill>
-                <a:latin typeface="微软雅黑" panose="020B0503020204020204" pitchFamily="34" charset="-122"/>
-                <a:ea typeface="微软雅黑" panose="020B0503020204020204" pitchFamily="34" charset="-122"/>
-                <a:cs typeface="微软雅黑" panose="020B0503020204020204" pitchFamily="34" charset="-122"/>
-              </a:rPr>
-              <a:t>目 录</a:t>
-            </a:r>
           </a:p>
         </p:txBody>
       </p:sp>
@@ -10196,7 +9600,7 @@
         <p:spPr>
           <a:xfrm>
             <a:off x="2832100" y="2612002"/>
-            <a:ext cx="7904280" cy="3539430"/>
+            <a:ext cx="8359140" cy="3538220"/>
           </a:xfrm>
           <a:prstGeom prst="rect">
             <a:avLst/>
@@ -10212,7 +9616,7 @@
             <a:r>
               <a:rPr lang="en-US" altLang="zh-CN" sz="2800" b="1" dirty="0" err="1" smtClean="0">
                 <a:solidFill>
-                  <a:srgbClr val="FF0000"/>
+                  <a:schemeClr val="accent1"/>
                 </a:solidFill>
                 <a:latin typeface="+mn-ea"/>
                 <a:cs typeface="+mn-ea"/>
@@ -10222,7 +9626,7 @@
             <a:r>
               <a:rPr lang="zh-CN" altLang="en-US" sz="2800" b="1" dirty="0" smtClean="0">
                 <a:solidFill>
-                  <a:srgbClr val="FF0000"/>
+                  <a:schemeClr val="accent1"/>
                 </a:solidFill>
                 <a:latin typeface="+mn-ea"/>
                 <a:cs typeface="+mn-ea"/>
@@ -10230,25 +9634,42 @@
               <a:t>：</a:t>
             </a:r>
             <a:r>
-              <a:rPr lang="en-US" altLang="zh-CN" sz="2800" b="1" dirty="0" err="1" smtClean="0">
-                <a:solidFill>
-                  <a:srgbClr val="FF0000"/>
+              <a:rPr lang="en-US" altLang="zh-CN" sz="2800" b="1" dirty="0" smtClean="0">
+                <a:solidFill>
+                  <a:schemeClr val="accent1"/>
                 </a:solidFill>
                 <a:latin typeface="+mn-ea"/>
                 <a:cs typeface="+mn-ea"/>
               </a:rPr>
-              <a:t>vue</a:t>
-            </a:r>
-            <a:r>
-              <a:rPr lang="zh-CN" altLang="en-US" sz="2800" b="1" dirty="0" smtClean="0">
-                <a:solidFill>
-                  <a:srgbClr val="FF0000"/>
+              <a:t>V</a:t>
+            </a:r>
+            <a:r>
+              <a:rPr lang="en-US" altLang="zh-CN" sz="2800" b="1" dirty="0" err="1" smtClean="0">
+                <a:solidFill>
+                  <a:schemeClr val="accent1"/>
                 </a:solidFill>
                 <a:latin typeface="+mn-ea"/>
                 <a:cs typeface="+mn-ea"/>
               </a:rPr>
-              <a:t>前端项目开发</a:t>
-            </a:r>
+              <a:t>ue</a:t>
+            </a:r>
+            <a:r>
+              <a:rPr lang="zh-CN" altLang="en-US" sz="2800" b="1" dirty="0" smtClean="0">
+                <a:solidFill>
+                  <a:schemeClr val="accent1"/>
+                </a:solidFill>
+                <a:latin typeface="+mn-ea"/>
+                <a:cs typeface="+mn-ea"/>
+              </a:rPr>
+              <a:t>项目开发</a:t>
+            </a:r>
+            <a:endParaRPr lang="zh-CN" altLang="en-US" sz="2800" b="1" dirty="0" smtClean="0">
+              <a:solidFill>
+                <a:srgbClr val="FF0000"/>
+              </a:solidFill>
+              <a:latin typeface="+mn-ea"/>
+              <a:cs typeface="+mn-ea"/>
+            </a:endParaRPr>
           </a:p>
           <a:p>
             <a:pPr algn="l"/>
@@ -10381,31 +9802,20 @@
                 <a:latin typeface="+mn-ea"/>
                 <a:cs typeface="+mn-ea"/>
               </a:rPr>
-              <a:t>演示源码</a:t>
-            </a:r>
-            <a:r>
-              <a:rPr lang="zh-CN" altLang="en-US" sz="2800" dirty="0" smtClean="0">
-                <a:solidFill>
-                  <a:schemeClr val="accent5">
-                    <a:lumMod val="75000"/>
-                  </a:schemeClr>
-                </a:solidFill>
-                <a:latin typeface="+mn-ea"/>
-                <a:cs typeface="+mn-ea"/>
-              </a:rPr>
-              <a:t>：</a:t>
+              <a:t>演示源码：</a:t>
             </a:r>
             <a:r>
               <a:rPr lang="en-US" sz="2400" dirty="0" smtClean="0">
-                <a:hlinkClick r:id="rId5"/>
+                <a:solidFill>
+                  <a:schemeClr val="accent1"/>
+                </a:solidFill>
+                <a:hlinkClick r:id="rId3"/>
               </a:rPr>
               <a:t>https://github.com/wzy4072/Vue_Jeecg_Demo</a:t>
             </a:r>
             <a:endParaRPr lang="en-US" altLang="zh-CN" sz="2400" dirty="0">
               <a:solidFill>
-                <a:schemeClr val="accent5">
-                  <a:lumMod val="75000"/>
-                </a:schemeClr>
+                <a:schemeClr val="accent1"/>
               </a:solidFill>
               <a:latin typeface="+mn-ea"/>
               <a:cs typeface="+mn-ea"/>
@@ -10413,9 +9823,9 @@
           </a:p>
           <a:p>
             <a:pPr algn="l"/>
-            <a:endParaRPr lang="zh-CN" altLang="en-US" sz="2800" dirty="0">
+            <a:endParaRPr lang="en-US" altLang="zh-CN" sz="2400" dirty="0">
               <a:solidFill>
-                <a:schemeClr val="tx1"/>
+                <a:schemeClr val="accent1"/>
               </a:solidFill>
               <a:latin typeface="+mn-ea"/>
               <a:cs typeface="+mn-ea"/>
@@ -10465,11 +9875,11 @@
           <p:nvPr/>
         </p:nvPicPr>
         <p:blipFill rotWithShape="1">
-          <a:blip r:embed="rId3" cstate="print">
+          <a:blip r:embed="rId1" cstate="print">
             <a:extLst>
               <a:ext uri="{BEBA8EAE-BF5A-486C-A8C5-ECC9F3942E4B}">
-                <a14:imgProps xmlns="" xmlns:a14="http://schemas.microsoft.com/office/drawing/2010/main">
-                  <a14:imgLayer r:embed="rId4">
+                <a14:imgProps xmlns:a14="http://schemas.microsoft.com/office/drawing/2010/main">
+                  <a14:imgLayer r:embed="rId2">
                     <a14:imgEffect>
                       <a14:saturation sat="0"/>
                     </a14:imgEffect>
@@ -10592,14 +10002,14 @@
       </p:sp>
       <p:sp>
         <p:nvSpPr>
-          <p:cNvPr id="7" name="文本框 6"/>
+          <p:cNvPr id="19" name="文本框 7"/>
           <p:cNvSpPr txBox="1"/>
           <p:nvPr/>
         </p:nvSpPr>
         <p:spPr>
           <a:xfrm>
-            <a:off x="1520031" y="804444"/>
-            <a:ext cx="2613546" cy="338554"/>
+            <a:off x="1511587" y="1231519"/>
+            <a:ext cx="1479892" cy="769441"/>
           </a:xfrm>
           <a:prstGeom prst="rect">
             <a:avLst/>
@@ -10607,65 +10017,30 @@
           <a:noFill/>
         </p:spPr>
         <p:txBody>
-          <a:bodyPr wrap="square" rtlCol="0">
+          <a:bodyPr wrap="none" rtlCol="0">
             <a:spAutoFit/>
           </a:bodyPr>
           <a:lstStyle/>
           <a:p>
-            <a:pPr algn="dist"/>
-            <a:r>
-              <a:rPr lang="en-US" altLang="zh-CN" sz="1600" dirty="0">
+            <a:r>
+              <a:rPr kumimoji="1" lang="zh-CN" altLang="en-US" sz="4400" b="1" dirty="0">
                 <a:solidFill>
                   <a:schemeClr val="bg1"/>
                 </a:solidFill>
                 <a:latin typeface="微软雅黑" panose="020B0503020204020204" pitchFamily="34" charset="-122"/>
                 <a:ea typeface="微软雅黑" panose="020B0503020204020204" pitchFamily="34" charset="-122"/>
+                <a:cs typeface="微软雅黑" panose="020B0503020204020204" pitchFamily="34" charset="-122"/>
               </a:rPr>
-              <a:t>CONTENTS</a:t>
-            </a:r>
-            <a:endParaRPr lang="zh-CN" altLang="en-US" sz="1600" dirty="0">
+              <a:t>目 录</a:t>
+            </a:r>
+            <a:endParaRPr kumimoji="1" lang="zh-CN" altLang="en-US" sz="4400" b="1" dirty="0">
               <a:solidFill>
                 <a:schemeClr val="bg1"/>
               </a:solidFill>
               <a:latin typeface="微软雅黑" panose="020B0503020204020204" pitchFamily="34" charset="-122"/>
               <a:ea typeface="微软雅黑" panose="020B0503020204020204" pitchFamily="34" charset="-122"/>
+              <a:cs typeface="微软雅黑" panose="020B0503020204020204" pitchFamily="34" charset="-122"/>
             </a:endParaRPr>
-          </a:p>
-        </p:txBody>
-      </p:sp>
-      <p:sp>
-        <p:nvSpPr>
-          <p:cNvPr id="19" name="文本框 7"/>
-          <p:cNvSpPr txBox="1"/>
-          <p:nvPr/>
-        </p:nvSpPr>
-        <p:spPr>
-          <a:xfrm>
-            <a:off x="1511587" y="1231519"/>
-            <a:ext cx="1479892" cy="769441"/>
-          </a:xfrm>
-          <a:prstGeom prst="rect">
-            <a:avLst/>
-          </a:prstGeom>
-          <a:noFill/>
-        </p:spPr>
-        <p:txBody>
-          <a:bodyPr wrap="none" rtlCol="0">
-            <a:spAutoFit/>
-          </a:bodyPr>
-          <a:lstStyle/>
-          <a:p>
-            <a:r>
-              <a:rPr kumimoji="1" lang="zh-CN" altLang="en-US" sz="4400" b="1" dirty="0">
-                <a:solidFill>
-                  <a:schemeClr val="bg1"/>
-                </a:solidFill>
-                <a:latin typeface="微软雅黑" panose="020B0503020204020204" pitchFamily="34" charset="-122"/>
-                <a:ea typeface="微软雅黑" panose="020B0503020204020204" pitchFamily="34" charset="-122"/>
-                <a:cs typeface="微软雅黑" panose="020B0503020204020204" pitchFamily="34" charset="-122"/>
-              </a:rPr>
-              <a:t>目 录</a:t>
-            </a:r>
           </a:p>
         </p:txBody>
       </p:sp>
@@ -10769,7 +10144,7 @@
             </a:prstGeom>
             <a:ln>
               <a:solidFill>
-                <a:srgbClr val="FF0000"/>
+                <a:schemeClr val="accent1"/>
               </a:solidFill>
             </a:ln>
           </p:spPr>
@@ -10805,7 +10180,7 @@
           <p:spPr>
             <a:xfrm>
               <a:off x="2925298" y="3773626"/>
-              <a:ext cx="4788535" cy="521970"/>
+              <a:ext cx="4788535" cy="653625"/>
             </a:xfrm>
             <a:prstGeom prst="rect">
               <a:avLst/>
@@ -10820,20 +10195,20 @@
             <a:p>
               <a:pPr lvl="0" algn="l"/>
               <a:r>
-                <a:rPr lang="en-US" altLang="zh-CN" sz="2800">
+                <a:rPr lang="en-US" altLang="zh-CN" sz="2800" b="1">
                   <a:solidFill>
-                    <a:srgbClr val="FF0000"/>
+                    <a:schemeClr val="accent1"/>
                   </a:solidFill>
                   <a:latin typeface="+mn-ea"/>
                   <a:cs typeface="+mn-ea"/>
                   <a:sym typeface="+mn-ea"/>
                 </a:rPr>
-                <a:t>2 	常用指令  </a:t>
+                <a:t> 	常用指令  </a:t>
               </a:r>
               <a:r>
-                <a:rPr lang="zh-CN" altLang="en-US" sz="2800">
+                <a:rPr lang="zh-CN" altLang="en-US" sz="2800" b="1">
                   <a:solidFill>
-                    <a:srgbClr val="FF0000"/>
+                    <a:schemeClr val="accent1"/>
                   </a:solidFill>
                   <a:latin typeface="+mn-ea"/>
                   <a:cs typeface="+mn-ea"/>
@@ -10841,6 +10216,14 @@
                 </a:rPr>
                 <a:t>组件</a:t>
               </a:r>
+              <a:endParaRPr lang="zh-CN" altLang="en-US" sz="2800" b="1">
+                <a:solidFill>
+                  <a:schemeClr val="accent1"/>
+                </a:solidFill>
+                <a:latin typeface="+mn-ea"/>
+                <a:cs typeface="+mn-ea"/>
+                <a:sym typeface="+mn-ea"/>
+              </a:endParaRPr>
             </a:p>
           </p:txBody>
         </p:sp>
@@ -10875,7 +10258,7 @@
             </a:prstGeom>
             <a:ln>
               <a:solidFill>
-                <a:schemeClr val="accent5">
+                <a:schemeClr val="accent2">
                   <a:lumMod val="75000"/>
                 </a:schemeClr>
               </a:solidFill>
@@ -10913,7 +10296,7 @@
           <p:spPr>
             <a:xfrm>
               <a:off x="2925933" y="1977211"/>
-              <a:ext cx="5056505" cy="655190"/>
+              <a:ext cx="5056505" cy="653625"/>
             </a:xfrm>
             <a:prstGeom prst="rect">
               <a:avLst/>
@@ -10930,7 +10313,7 @@
               <a:r>
                 <a:rPr lang="en-US" altLang="zh-CN" sz="2800" dirty="0">
                   <a:solidFill>
-                    <a:schemeClr val="accent5">
+                    <a:schemeClr val="accent2">
                       <a:lumMod val="75000"/>
                     </a:schemeClr>
                   </a:solidFill>
@@ -10938,12 +10321,12 @@
                   <a:cs typeface="+mn-ea"/>
                   <a:sym typeface="+mn-ea"/>
                 </a:rPr>
-                <a:t>1	</a:t>
+                <a:t>	</a:t>
               </a:r>
               <a:r>
                 <a:rPr lang="en-US" altLang="zh-CN" sz="2800" b="1" dirty="0" smtClean="0">
                   <a:solidFill>
-                    <a:schemeClr val="accent5">
+                    <a:schemeClr val="accent2">
                       <a:lumMod val="75000"/>
                     </a:schemeClr>
                   </a:solidFill>
@@ -10956,7 +10339,7 @@
               <a:r>
                 <a:rPr lang="en-US" altLang="zh-CN" sz="2800" b="1" dirty="0" err="1" smtClean="0">
                   <a:solidFill>
-                    <a:schemeClr val="accent5">
+                    <a:schemeClr val="accent2">
                       <a:lumMod val="75000"/>
                     </a:schemeClr>
                   </a:solidFill>
@@ -10969,7 +10352,7 @@
               <a:r>
                 <a:rPr lang="en-US" altLang="zh-CN" sz="2800" b="1" dirty="0" smtClean="0">
                   <a:solidFill>
-                    <a:schemeClr val="accent5">
+                    <a:schemeClr val="accent2">
                       <a:lumMod val="75000"/>
                     </a:schemeClr>
                   </a:solidFill>
@@ -10982,7 +10365,7 @@
               <a:r>
                 <a:rPr lang="zh-CN" altLang="en-US" sz="2800" b="1" dirty="0" smtClean="0">
                   <a:solidFill>
-                    <a:schemeClr val="accent5">
+                    <a:schemeClr val="accent2">
                       <a:lumMod val="75000"/>
                     </a:schemeClr>
                   </a:solidFill>
@@ -10992,9 +10375,9 @@
                 </a:rPr>
                 <a:t>？</a:t>
               </a:r>
-              <a:endParaRPr lang="zh-CN" altLang="en-US" sz="2800" b="1" dirty="0">
-                <a:solidFill>
-                  <a:schemeClr val="accent5">
+              <a:endParaRPr lang="zh-CN" altLang="en-US" sz="2800" b="1" dirty="0" smtClean="0">
+                <a:solidFill>
+                  <a:schemeClr val="accent2">
                     <a:lumMod val="75000"/>
                   </a:schemeClr>
                 </a:solidFill>
@@ -11006,118 +10389,113 @@
           </p:txBody>
         </p:sp>
       </p:grpSp>
-      <p:grpSp>
-        <p:nvGrpSpPr>
-          <p:cNvPr id="17" name="组合 16"/>
-          <p:cNvGrpSpPr/>
-          <p:nvPr/>
-        </p:nvGrpSpPr>
-        <p:grpSpPr>
-          <a:xfrm>
-            <a:off x="2717043" y="5529530"/>
-            <a:ext cx="6936105" cy="999995"/>
-            <a:chOff x="2734798" y="5277306"/>
-            <a:chExt cx="6936105" cy="1252220"/>
-          </a:xfrm>
-        </p:grpSpPr>
-        <p:sp>
-          <p:nvSpPr>
-            <p:cNvPr id="11" name="圆角矩形 10"/>
-            <p:cNvSpPr/>
-            <p:nvPr/>
-          </p:nvSpPr>
-          <p:spPr>
-            <a:xfrm>
-              <a:off x="2734798" y="5277306"/>
-              <a:ext cx="6936105" cy="1252220"/>
-            </a:xfrm>
-            <a:prstGeom prst="roundRect">
-              <a:avLst/>
-            </a:prstGeom>
-            <a:ln>
+      <p:sp>
+        <p:nvSpPr>
+          <p:cNvPr id="11" name="圆角矩形 10"/>
+          <p:cNvSpPr/>
+          <p:nvPr/>
+        </p:nvSpPr>
+        <p:spPr>
+          <a:xfrm>
+            <a:off x="2717165" y="5529580"/>
+            <a:ext cx="6936105" cy="1000125"/>
+          </a:xfrm>
+          <a:prstGeom prst="roundRect">
+            <a:avLst/>
+          </a:prstGeom>
+          <a:ln>
+            <a:solidFill>
+              <a:schemeClr val="accent2">
+                <a:lumMod val="75000"/>
+              </a:schemeClr>
+            </a:solidFill>
+          </a:ln>
+        </p:spPr>
+        <p:style>
+          <a:lnRef idx="2">
+            <a:schemeClr val="accent6"/>
+          </a:lnRef>
+          <a:fillRef idx="1">
+            <a:schemeClr val="lt1"/>
+          </a:fillRef>
+          <a:effectRef idx="0">
+            <a:schemeClr val="accent6"/>
+          </a:effectRef>
+          <a:fontRef idx="minor">
+            <a:schemeClr val="dk1"/>
+          </a:fontRef>
+        </p:style>
+        <p:txBody>
+          <a:bodyPr rtlCol="0" anchor="ctr"/>
+          <a:lstStyle/>
+          <a:p>
+            <a:pPr algn="ctr"/>
+            <a:endParaRPr lang="zh-CN" altLang="en-US"/>
+          </a:p>
+        </p:txBody>
+      </p:sp>
+      <p:sp>
+        <p:nvSpPr>
+          <p:cNvPr id="14" name="文本框 10"/>
+          <p:cNvSpPr txBox="1"/>
+          <p:nvPr/>
+        </p:nvSpPr>
+        <p:spPr>
+          <a:xfrm>
+            <a:off x="2908935" y="5821045"/>
+            <a:ext cx="4087495" cy="521970"/>
+          </a:xfrm>
+          <a:prstGeom prst="rect">
+            <a:avLst/>
+          </a:prstGeom>
+          <a:noFill/>
+        </p:spPr>
+        <p:txBody>
+          <a:bodyPr wrap="square" rtlCol="0">
+            <a:spAutoFit/>
+          </a:bodyPr>
+          <a:lstStyle/>
+          <a:p>
+            <a:pPr lvl="0" algn="l"/>
+            <a:r>
+              <a:rPr lang="en-US" altLang="zh-CN" sz="2800" b="1" dirty="0">
+                <a:solidFill>
+                  <a:schemeClr val="accent2">
+                    <a:lumMod val="75000"/>
+                  </a:schemeClr>
+                </a:solidFill>
+                <a:latin typeface="+mn-ea"/>
+                <a:cs typeface="+mn-ea"/>
+                <a:sym typeface="+mn-ea"/>
+              </a:rPr>
+              <a:t>	</a:t>
+            </a:r>
+            <a:r>
+              <a:rPr lang="zh-CN" altLang="en-US" sz="2800" b="1" dirty="0">
+                <a:solidFill>
+                  <a:schemeClr val="accent2">
+                    <a:lumMod val="75000"/>
+                  </a:schemeClr>
+                </a:solidFill>
+                <a:latin typeface="+mn-ea"/>
+                <a:cs typeface="+mn-ea"/>
+                <a:sym typeface="+mn-ea"/>
+              </a:rPr>
+              <a:t>项目实战</a:t>
+            </a:r>
+            <a:endParaRPr lang="zh-CN" altLang="en-US" sz="2800" b="1" dirty="0">
               <a:solidFill>
-                <a:schemeClr val="accent5">
+                <a:schemeClr val="accent2">
                   <a:lumMod val="75000"/>
                 </a:schemeClr>
               </a:solidFill>
-            </a:ln>
-          </p:spPr>
-          <p:style>
-            <a:lnRef idx="2">
-              <a:schemeClr val="accent6"/>
-            </a:lnRef>
-            <a:fillRef idx="1">
-              <a:schemeClr val="lt1"/>
-            </a:fillRef>
-            <a:effectRef idx="0">
-              <a:schemeClr val="accent6"/>
-            </a:effectRef>
-            <a:fontRef idx="minor">
-              <a:schemeClr val="dk1"/>
-            </a:fontRef>
-          </p:style>
-          <p:txBody>
-            <a:bodyPr rtlCol="0" anchor="ctr"/>
-            <a:lstStyle/>
-            <a:p>
-              <a:pPr algn="ctr"/>
-              <a:endParaRPr lang="zh-CN" altLang="en-US"/>
-            </a:p>
-          </p:txBody>
-        </p:sp>
-        <p:sp>
-          <p:nvSpPr>
-            <p:cNvPr id="14" name="文本框 10"/>
-            <p:cNvSpPr txBox="1"/>
-            <p:nvPr/>
-          </p:nvSpPr>
-          <p:spPr>
-            <a:xfrm>
-              <a:off x="2926568" y="5642431"/>
-              <a:ext cx="4087495" cy="521970"/>
-            </a:xfrm>
-            <a:prstGeom prst="rect">
-              <a:avLst/>
-            </a:prstGeom>
-            <a:noFill/>
-          </p:spPr>
-          <p:txBody>
-            <a:bodyPr wrap="square" rtlCol="0">
-              <a:spAutoFit/>
-            </a:bodyPr>
-            <a:lstStyle/>
-            <a:p>
-              <a:pPr lvl="0" algn="l"/>
-              <a:r>
-                <a:rPr lang="en-US" altLang="zh-CN" sz="2800" dirty="0">
-                  <a:solidFill>
-                    <a:schemeClr val="accent5">
-                      <a:lumMod val="75000"/>
-                    </a:schemeClr>
-                  </a:solidFill>
-                  <a:latin typeface="+mn-ea"/>
-                  <a:cs typeface="+mn-ea"/>
-                  <a:sym typeface="+mn-ea"/>
-                </a:rPr>
-                <a:t>3	</a:t>
-              </a:r>
-              <a:r>
-                <a:rPr lang="zh-CN" altLang="en-US" sz="2800" dirty="0">
-                  <a:solidFill>
-                    <a:schemeClr val="accent5">
-                      <a:lumMod val="75000"/>
-                    </a:schemeClr>
-                  </a:solidFill>
-                  <a:latin typeface="+mn-ea"/>
-                  <a:cs typeface="+mn-ea"/>
-                  <a:sym typeface="+mn-ea"/>
-                </a:rPr>
-                <a:t>项目实战</a:t>
-              </a:r>
-            </a:p>
-          </p:txBody>
-        </p:sp>
-      </p:grpSp>
+              <a:latin typeface="+mn-ea"/>
+              <a:cs typeface="+mn-ea"/>
+              <a:sym typeface="+mn-ea"/>
+            </a:endParaRPr>
+          </a:p>
+        </p:txBody>
+      </p:sp>
     </p:spTree>
   </p:cSld>
   <p:clrMapOvr>
@@ -11160,11 +10538,11 @@
           <p:nvPr/>
         </p:nvPicPr>
         <p:blipFill rotWithShape="1">
-          <a:blip r:embed="rId3" cstate="print">
+          <a:blip r:embed="rId1" cstate="print">
             <a:extLst>
               <a:ext uri="{BEBA8EAE-BF5A-486C-A8C5-ECC9F3942E4B}">
-                <a14:imgProps xmlns="" xmlns:a14="http://schemas.microsoft.com/office/drawing/2010/main">
-                  <a14:imgLayer r:embed="rId4">
+                <a14:imgProps xmlns:a14="http://schemas.microsoft.com/office/drawing/2010/main">
+                  <a14:imgLayer r:embed="rId2">
                     <a14:imgEffect>
                       <a14:saturation sat="0"/>
                     </a14:imgEffect>
@@ -11282,49 +10660,6 @@
           <a:p>
             <a:pPr algn="ctr"/>
             <a:endParaRPr lang="zh-CN" altLang="en-US"/>
-          </a:p>
-        </p:txBody>
-      </p:sp>
-      <p:sp>
-        <p:nvSpPr>
-          <p:cNvPr id="7" name="文本框 6"/>
-          <p:cNvSpPr txBox="1"/>
-          <p:nvPr/>
-        </p:nvSpPr>
-        <p:spPr>
-          <a:xfrm>
-            <a:off x="1520031" y="804444"/>
-            <a:ext cx="2613546" cy="338554"/>
-          </a:xfrm>
-          <a:prstGeom prst="rect">
-            <a:avLst/>
-          </a:prstGeom>
-          <a:noFill/>
-        </p:spPr>
-        <p:txBody>
-          <a:bodyPr wrap="square" rtlCol="0">
-            <a:spAutoFit/>
-          </a:bodyPr>
-          <a:lstStyle/>
-          <a:p>
-            <a:pPr algn="dist"/>
-            <a:r>
-              <a:rPr lang="en-US" altLang="zh-CN" sz="1600" dirty="0">
-                <a:solidFill>
-                  <a:schemeClr val="bg1"/>
-                </a:solidFill>
-                <a:latin typeface="微软雅黑" panose="020B0503020204020204" pitchFamily="34" charset="-122"/>
-                <a:ea typeface="微软雅黑" panose="020B0503020204020204" pitchFamily="34" charset="-122"/>
-              </a:rPr>
-              <a:t>CONTENTS</a:t>
-            </a:r>
-            <a:endParaRPr lang="zh-CN" altLang="en-US" sz="1600" dirty="0">
-              <a:solidFill>
-                <a:schemeClr val="bg1"/>
-              </a:solidFill>
-              <a:latin typeface="微软雅黑" panose="020B0503020204020204" pitchFamily="34" charset="-122"/>
-              <a:ea typeface="微软雅黑" panose="020B0503020204020204" pitchFamily="34" charset="-122"/>
-            </a:endParaRPr>
           </a:p>
         </p:txBody>
       </p:sp>
@@ -11492,6 +10827,17 @@
               </a:rPr>
               <a:t>JS</a:t>
             </a:r>
+            <a:endParaRPr lang="en-US" altLang="zh-CN" sz="2400" dirty="0">
+              <a:solidFill>
+                <a:schemeClr val="accent5">
+                  <a:lumMod val="60000"/>
+                  <a:lumOff val="40000"/>
+                </a:schemeClr>
+              </a:solidFill>
+              <a:effectLst>
+                <a:reflection blurRad="6350" stA="50000" endA="300" endPos="50000" dist="60007" dir="5400000" sy="-100000" algn="bl" rotWithShape="0"/>
+              </a:effectLst>
+            </a:endParaRPr>
           </a:p>
         </p:txBody>
       </p:sp>
@@ -11532,6 +10878,17 @@
               </a:rPr>
               <a:t>browser</a:t>
             </a:r>
+            <a:endParaRPr lang="zh-CN" altLang="en-US" sz="2400" dirty="0">
+              <a:solidFill>
+                <a:schemeClr val="accent5">
+                  <a:lumMod val="60000"/>
+                  <a:lumOff val="40000"/>
+                </a:schemeClr>
+              </a:solidFill>
+              <a:effectLst>
+                <a:reflection blurRad="6350" stA="50000" endA="300" endPos="50000" dist="60007" dir="5400000" sy="-100000" algn="bl" rotWithShape="0"/>
+              </a:effectLst>
+            </a:endParaRPr>
           </a:p>
         </p:txBody>
       </p:sp>
@@ -11573,6 +10930,18 @@
               </a:rPr>
               <a:t>HTML</a:t>
             </a:r>
+            <a:endParaRPr lang="en-US" altLang="zh-CN" sz="2400">
+              <a:solidFill>
+                <a:schemeClr val="accent5">
+                  <a:lumMod val="60000"/>
+                  <a:lumOff val="40000"/>
+                </a:schemeClr>
+              </a:solidFill>
+              <a:effectLst>
+                <a:reflection blurRad="6350" stA="50000" endA="300" endPos="50000" dist="60007" dir="5400000" sy="-100000" algn="bl" rotWithShape="0"/>
+              </a:effectLst>
+              <a:sym typeface="+mn-ea"/>
+            </a:endParaRPr>
           </a:p>
         </p:txBody>
       </p:sp>
@@ -11612,6 +10981,17 @@
               </a:rPr>
               <a:t>http</a:t>
             </a:r>
+            <a:endParaRPr lang="en-US" altLang="zh-CN" sz="2400" dirty="0">
+              <a:solidFill>
+                <a:schemeClr val="accent5">
+                  <a:lumMod val="60000"/>
+                  <a:lumOff val="40000"/>
+                </a:schemeClr>
+              </a:solidFill>
+              <a:effectLst>
+                <a:reflection blurRad="6350" stA="50000" endA="300" endPos="50000" dist="60007" dir="5400000" sy="-100000" algn="bl" rotWithShape="0"/>
+              </a:effectLst>
+            </a:endParaRPr>
           </a:p>
         </p:txBody>
       </p:sp>
@@ -11651,6 +11031,17 @@
               </a:rPr>
               <a:t>CSS</a:t>
             </a:r>
+            <a:endParaRPr lang="en-US" altLang="zh-CN" sz="2400">
+              <a:solidFill>
+                <a:schemeClr val="accent5">
+                  <a:lumMod val="60000"/>
+                  <a:lumOff val="40000"/>
+                </a:schemeClr>
+              </a:solidFill>
+              <a:effectLst>
+                <a:reflection blurRad="6350" stA="50000" endA="300" endPos="50000" dist="60007" dir="5400000" sy="-100000" algn="bl" rotWithShape="0"/>
+              </a:effectLst>
+            </a:endParaRPr>
           </a:p>
         </p:txBody>
       </p:sp>
@@ -11690,6 +11081,16 @@
               </a:rPr>
               <a:t>Vuex</a:t>
             </a:r>
+            <a:endParaRPr lang="en-US" altLang="zh-CN" sz="2400">
+              <a:solidFill>
+                <a:schemeClr val="accent5">
+                  <a:lumMod val="75000"/>
+                </a:schemeClr>
+              </a:solidFill>
+              <a:effectLst>
+                <a:reflection blurRad="6350" stA="50000" endA="300" endPos="50000" dist="60007" dir="5400000" sy="-100000" algn="bl" rotWithShape="0"/>
+              </a:effectLst>
+            </a:endParaRPr>
           </a:p>
         </p:txBody>
       </p:sp>
@@ -11729,6 +11130,16 @@
               </a:rPr>
               <a:t>webpack</a:t>
             </a:r>
+            <a:endParaRPr lang="en-US" altLang="zh-CN" sz="2400">
+              <a:solidFill>
+                <a:schemeClr val="accent5">
+                  <a:lumMod val="75000"/>
+                </a:schemeClr>
+              </a:solidFill>
+              <a:effectLst>
+                <a:reflection blurRad="6350" stA="50000" endA="300" endPos="50000" dist="60007" dir="5400000" sy="-100000" algn="bl" rotWithShape="0"/>
+              </a:effectLst>
+            </a:endParaRPr>
           </a:p>
         </p:txBody>
       </p:sp>
@@ -11768,6 +11179,16 @@
               </a:rPr>
               <a:t>Axios</a:t>
             </a:r>
+            <a:endParaRPr lang="en-US" altLang="zh-CN" sz="2400">
+              <a:solidFill>
+                <a:schemeClr val="accent5">
+                  <a:lumMod val="75000"/>
+                </a:schemeClr>
+              </a:solidFill>
+              <a:effectLst>
+                <a:reflection blurRad="6350" stA="50000" endA="300" endPos="50000" dist="60007" dir="5400000" sy="-100000" algn="bl" rotWithShape="0"/>
+              </a:effectLst>
+            </a:endParaRPr>
           </a:p>
         </p:txBody>
       </p:sp>
@@ -11807,6 +11228,16 @@
               </a:rPr>
               <a:t>ant-design-vue</a:t>
             </a:r>
+            <a:endParaRPr lang="en-US" altLang="zh-CN" sz="2400">
+              <a:solidFill>
+                <a:schemeClr val="accent5">
+                  <a:lumMod val="75000"/>
+                </a:schemeClr>
+              </a:solidFill>
+              <a:effectLst>
+                <a:reflection blurRad="6350" stA="50000" endA="300" endPos="50000" dist="60007" dir="5400000" sy="-100000" algn="bl" rotWithShape="0"/>
+              </a:effectLst>
+            </a:endParaRPr>
           </a:p>
         </p:txBody>
       </p:sp>
@@ -11846,6 +11277,16 @@
               </a:rPr>
               <a:t>Vue</a:t>
             </a:r>
+            <a:endParaRPr lang="en-US" altLang="zh-CN" sz="2400">
+              <a:solidFill>
+                <a:schemeClr val="accent5">
+                  <a:lumMod val="75000"/>
+                </a:schemeClr>
+              </a:solidFill>
+              <a:effectLst>
+                <a:reflection blurRad="6350" stA="50000" endA="300" endPos="50000" dist="60007" dir="5400000" sy="-100000" algn="bl" rotWithShape="0"/>
+              </a:effectLst>
+            </a:endParaRPr>
           </a:p>
         </p:txBody>
       </p:sp>
@@ -11884,6 +11325,16 @@
               </a:rPr>
               <a:t>node.js</a:t>
             </a:r>
+            <a:endParaRPr lang="en-US" altLang="zh-CN" sz="2400">
+              <a:solidFill>
+                <a:schemeClr val="accent5">
+                  <a:lumMod val="75000"/>
+                </a:schemeClr>
+              </a:solidFill>
+              <a:effectLst>
+                <a:reflection blurRad="6350" stA="50000" endA="300" endPos="50000" dist="60007" dir="5400000" sy="-100000" algn="bl" rotWithShape="0"/>
+              </a:effectLst>
+            </a:endParaRPr>
           </a:p>
         </p:txBody>
       </p:sp>
@@ -11923,6 +11374,16 @@
               </a:rPr>
               <a:t>VueRouter</a:t>
             </a:r>
+            <a:endParaRPr lang="en-US" altLang="zh-CN" sz="2400">
+              <a:solidFill>
+                <a:schemeClr val="accent5">
+                  <a:lumMod val="75000"/>
+                </a:schemeClr>
+              </a:solidFill>
+              <a:effectLst>
+                <a:reflection blurRad="6350" stA="50000" endA="300" endPos="50000" dist="60007" dir="5400000" sy="-100000" algn="bl" rotWithShape="0"/>
+              </a:effectLst>
+            </a:endParaRPr>
           </a:p>
         </p:txBody>
       </p:sp>
@@ -11962,6 +11423,16 @@
               </a:rPr>
               <a:t>npm</a:t>
             </a:r>
+            <a:endParaRPr lang="en-US" altLang="zh-CN" sz="2400">
+              <a:solidFill>
+                <a:schemeClr val="accent5">
+                  <a:lumMod val="75000"/>
+                </a:schemeClr>
+              </a:solidFill>
+              <a:effectLst>
+                <a:reflection blurRad="6350" stA="50000" endA="300" endPos="50000" dist="60007" dir="5400000" sy="-100000" algn="bl" rotWithShape="0"/>
+              </a:effectLst>
+            </a:endParaRPr>
           </a:p>
         </p:txBody>
       </p:sp>
@@ -12057,11 +11528,11 @@
           <p:nvPr/>
         </p:nvPicPr>
         <p:blipFill rotWithShape="1">
-          <a:blip r:embed="rId3" cstate="print">
+          <a:blip r:embed="rId1" cstate="print">
             <a:extLst>
               <a:ext uri="{BEBA8EAE-BF5A-486C-A8C5-ECC9F3942E4B}">
-                <a14:imgProps xmlns="" xmlns:a14="http://schemas.microsoft.com/office/drawing/2010/main">
-                  <a14:imgLayer r:embed="rId4">
+                <a14:imgProps xmlns:a14="http://schemas.microsoft.com/office/drawing/2010/main">
+                  <a14:imgLayer r:embed="rId2">
                     <a14:imgEffect>
                       <a14:saturation sat="0"/>
                     </a14:imgEffect>
@@ -12179,49 +11650,6 @@
           <a:p>
             <a:pPr algn="ctr"/>
             <a:endParaRPr lang="zh-CN" altLang="en-US"/>
-          </a:p>
-        </p:txBody>
-      </p:sp>
-      <p:sp>
-        <p:nvSpPr>
-          <p:cNvPr id="7" name="文本框 6"/>
-          <p:cNvSpPr txBox="1"/>
-          <p:nvPr/>
-        </p:nvSpPr>
-        <p:spPr>
-          <a:xfrm>
-            <a:off x="1520031" y="804444"/>
-            <a:ext cx="2613546" cy="338554"/>
-          </a:xfrm>
-          <a:prstGeom prst="rect">
-            <a:avLst/>
-          </a:prstGeom>
-          <a:noFill/>
-        </p:spPr>
-        <p:txBody>
-          <a:bodyPr wrap="square" rtlCol="0">
-            <a:spAutoFit/>
-          </a:bodyPr>
-          <a:lstStyle/>
-          <a:p>
-            <a:pPr algn="dist"/>
-            <a:r>
-              <a:rPr lang="en-US" altLang="zh-CN" sz="1600" dirty="0">
-                <a:solidFill>
-                  <a:schemeClr val="bg1"/>
-                </a:solidFill>
-                <a:latin typeface="微软雅黑" panose="020B0503020204020204" pitchFamily="34" charset="-122"/>
-                <a:ea typeface="微软雅黑" panose="020B0503020204020204" pitchFamily="34" charset="-122"/>
-              </a:rPr>
-              <a:t>CONTENTS</a:t>
-            </a:r>
-            <a:endParaRPr lang="zh-CN" altLang="en-US" sz="1600" dirty="0">
-              <a:solidFill>
-                <a:schemeClr val="bg1"/>
-              </a:solidFill>
-              <a:latin typeface="微软雅黑" panose="020B0503020204020204" pitchFamily="34" charset="-122"/>
-              <a:ea typeface="微软雅黑" panose="020B0503020204020204" pitchFamily="34" charset="-122"/>
-            </a:endParaRPr>
           </a:p>
         </p:txBody>
       </p:sp>
@@ -12304,7 +11732,7 @@
           <p:nvPr/>
         </p:nvPicPr>
         <p:blipFill>
-          <a:blip r:embed="rId5"/>
+          <a:blip r:embed="rId3"/>
           <a:srcRect t="32604" r="53691" b="6840"/>
           <a:stretch>
             <a:fillRect/>
@@ -12337,7 +11765,7 @@
           <p:nvPr/>
         </p:nvPicPr>
         <p:blipFill>
-          <a:blip r:embed="rId6"/>
+          <a:blip r:embed="rId4"/>
           <a:srcRect l="2023" r="37783"/>
           <a:stretch>
             <a:fillRect/>
@@ -12370,7 +11798,7 @@
           <p:nvPr/>
         </p:nvPicPr>
         <p:blipFill>
-          <a:blip r:embed="rId7"/>
+          <a:blip r:embed="rId5"/>
           <a:srcRect/>
           <a:stretch>
             <a:fillRect/>
@@ -12494,11 +11922,11 @@
           <p:nvPr/>
         </p:nvPicPr>
         <p:blipFill rotWithShape="1">
-          <a:blip r:embed="rId3" cstate="print">
+          <a:blip r:embed="rId1" cstate="print">
             <a:extLst>
               <a:ext uri="{BEBA8EAE-BF5A-486C-A8C5-ECC9F3942E4B}">
-                <a14:imgProps xmlns="" xmlns:a14="http://schemas.microsoft.com/office/drawing/2010/main">
-                  <a14:imgLayer r:embed="rId4">
+                <a14:imgProps xmlns:a14="http://schemas.microsoft.com/office/drawing/2010/main">
+                  <a14:imgLayer r:embed="rId2">
                     <a14:imgEffect>
                       <a14:saturation sat="0"/>
                     </a14:imgEffect>
@@ -12616,49 +12044,6 @@
           <a:p>
             <a:pPr algn="ctr"/>
             <a:endParaRPr lang="zh-CN" altLang="en-US"/>
-          </a:p>
-        </p:txBody>
-      </p:sp>
-      <p:sp>
-        <p:nvSpPr>
-          <p:cNvPr id="7" name="文本框 6"/>
-          <p:cNvSpPr txBox="1"/>
-          <p:nvPr/>
-        </p:nvSpPr>
-        <p:spPr>
-          <a:xfrm>
-            <a:off x="1520031" y="804444"/>
-            <a:ext cx="2613546" cy="338554"/>
-          </a:xfrm>
-          <a:prstGeom prst="rect">
-            <a:avLst/>
-          </a:prstGeom>
-          <a:noFill/>
-        </p:spPr>
-        <p:txBody>
-          <a:bodyPr wrap="square" rtlCol="0">
-            <a:spAutoFit/>
-          </a:bodyPr>
-          <a:lstStyle/>
-          <a:p>
-            <a:pPr algn="dist"/>
-            <a:r>
-              <a:rPr lang="en-US" altLang="zh-CN" sz="1600" dirty="0">
-                <a:solidFill>
-                  <a:schemeClr val="bg1"/>
-                </a:solidFill>
-                <a:latin typeface="微软雅黑" panose="020B0503020204020204" pitchFamily="34" charset="-122"/>
-                <a:ea typeface="微软雅黑" panose="020B0503020204020204" pitchFamily="34" charset="-122"/>
-              </a:rPr>
-              <a:t>CONTENTS</a:t>
-            </a:r>
-            <a:endParaRPr lang="zh-CN" altLang="en-US" sz="1600" dirty="0">
-              <a:solidFill>
-                <a:schemeClr val="bg1"/>
-              </a:solidFill>
-              <a:latin typeface="微软雅黑" panose="020B0503020204020204" pitchFamily="34" charset="-122"/>
-              <a:ea typeface="微软雅黑" panose="020B0503020204020204" pitchFamily="34" charset="-122"/>
-            </a:endParaRPr>
           </a:p>
         </p:txBody>
       </p:sp>
@@ -12741,7 +12126,7 @@
           <p:nvPr/>
         </p:nvPicPr>
         <p:blipFill>
-          <a:blip r:embed="rId5"/>
+          <a:blip r:embed="rId3"/>
           <a:srcRect/>
           <a:stretch>
             <a:fillRect/>
@@ -12774,7 +12159,7 @@
           <p:nvPr/>
         </p:nvPicPr>
         <p:blipFill>
-          <a:blip r:embed="rId6"/>
+          <a:blip r:embed="rId4"/>
           <a:srcRect/>
           <a:stretch>
             <a:fillRect/>
@@ -12898,11 +12283,11 @@
           <p:nvPr/>
         </p:nvPicPr>
         <p:blipFill rotWithShape="1">
-          <a:blip r:embed="rId3" cstate="print">
+          <a:blip r:embed="rId1" cstate="print">
             <a:extLst>
               <a:ext uri="{BEBA8EAE-BF5A-486C-A8C5-ECC9F3942E4B}">
-                <a14:imgProps xmlns="" xmlns:a14="http://schemas.microsoft.com/office/drawing/2010/main">
-                  <a14:imgLayer r:embed="rId4">
+                <a14:imgProps xmlns:a14="http://schemas.microsoft.com/office/drawing/2010/main">
+                  <a14:imgLayer r:embed="rId2">
                     <a14:imgEffect>
                       <a14:saturation sat="0"/>
                     </a14:imgEffect>
@@ -13025,49 +12410,6 @@
       </p:sp>
       <p:sp>
         <p:nvSpPr>
-          <p:cNvPr id="7" name="文本框 6"/>
-          <p:cNvSpPr txBox="1"/>
-          <p:nvPr/>
-        </p:nvSpPr>
-        <p:spPr>
-          <a:xfrm>
-            <a:off x="1520031" y="804444"/>
-            <a:ext cx="2613546" cy="338554"/>
-          </a:xfrm>
-          <a:prstGeom prst="rect">
-            <a:avLst/>
-          </a:prstGeom>
-          <a:noFill/>
-        </p:spPr>
-        <p:txBody>
-          <a:bodyPr wrap="square" rtlCol="0">
-            <a:spAutoFit/>
-          </a:bodyPr>
-          <a:lstStyle/>
-          <a:p>
-            <a:pPr algn="dist"/>
-            <a:r>
-              <a:rPr lang="en-US" altLang="zh-CN" sz="1600" dirty="0">
-                <a:solidFill>
-                  <a:schemeClr val="bg1"/>
-                </a:solidFill>
-                <a:latin typeface="微软雅黑" panose="020B0503020204020204" pitchFamily="34" charset="-122"/>
-                <a:ea typeface="微软雅黑" panose="020B0503020204020204" pitchFamily="34" charset="-122"/>
-              </a:rPr>
-              <a:t>CONTENTS</a:t>
-            </a:r>
-            <a:endParaRPr lang="zh-CN" altLang="en-US" sz="1600" dirty="0">
-              <a:solidFill>
-                <a:schemeClr val="bg1"/>
-              </a:solidFill>
-              <a:latin typeface="微软雅黑" panose="020B0503020204020204" pitchFamily="34" charset="-122"/>
-              <a:ea typeface="微软雅黑" panose="020B0503020204020204" pitchFamily="34" charset="-122"/>
-            </a:endParaRPr>
-          </a:p>
-        </p:txBody>
-      </p:sp>
-      <p:sp>
-        <p:nvSpPr>
           <p:cNvPr id="19" name="文本框 7"/>
           <p:cNvSpPr txBox="1"/>
           <p:nvPr/>
@@ -13124,6 +12466,15 @@
               </a:rPr>
               <a:t>组件</a:t>
             </a:r>
+            <a:endParaRPr kumimoji="1" lang="zh-CN" altLang="en-US" sz="4400" b="1" dirty="0" smtClean="0">
+              <a:solidFill>
+                <a:schemeClr val="bg1"/>
+              </a:solidFill>
+              <a:latin typeface="微软雅黑" panose="020B0503020204020204" pitchFamily="34" charset="-122"/>
+              <a:ea typeface="微软雅黑" panose="020B0503020204020204" pitchFamily="34" charset="-122"/>
+              <a:cs typeface="微软雅黑" panose="020B0503020204020204" pitchFamily="34" charset="-122"/>
+              <a:sym typeface="+mn-ea"/>
+            </a:endParaRPr>
           </a:p>
         </p:txBody>
       </p:sp>
@@ -13205,7 +12556,7 @@
         </p:nvSpPr>
         <p:spPr>
           <a:xfrm>
-            <a:off x="4624692" y="2477906"/>
+            <a:off x="7573632" y="2469016"/>
             <a:ext cx="2959735" cy="521970"/>
           </a:xfrm>
           <a:prstGeom prst="rect">
@@ -13223,12 +12574,18 @@
             <a:r>
               <a:rPr lang="zh-CN" altLang="en-US" sz="2800">
                 <a:solidFill>
-                  <a:srgbClr val="FF0000"/>
+                  <a:schemeClr val="accent1"/>
                 </a:solidFill>
                 <a:effectLst/>
               </a:rPr>
               <a:t>静态</a:t>
             </a:r>
+            <a:endParaRPr lang="zh-CN" altLang="en-US" sz="2800">
+              <a:solidFill>
+                <a:schemeClr val="accent1"/>
+              </a:solidFill>
+              <a:effectLst/>
+            </a:endParaRPr>
           </a:p>
         </p:txBody>
       </p:sp>
@@ -13240,7 +12597,7 @@
         </p:nvSpPr>
         <p:spPr>
           <a:xfrm>
-            <a:off x="4624692" y="3339601"/>
+            <a:off x="7573632" y="3330711"/>
             <a:ext cx="2564765" cy="521970"/>
           </a:xfrm>
           <a:prstGeom prst="rect">
@@ -13258,12 +12615,18 @@
             <a:r>
               <a:rPr lang="zh-CN" altLang="en-US" sz="2800">
                 <a:solidFill>
-                  <a:srgbClr val="FF0000"/>
+                  <a:schemeClr val="accent1"/>
                 </a:solidFill>
                 <a:effectLst/>
               </a:rPr>
               <a:t>单向传值</a:t>
             </a:r>
+            <a:endParaRPr lang="zh-CN" altLang="en-US" sz="2800">
+              <a:solidFill>
+                <a:schemeClr val="accent1"/>
+              </a:solidFill>
+              <a:effectLst/>
+            </a:endParaRPr>
           </a:p>
         </p:txBody>
       </p:sp>
@@ -13275,7 +12638,7 @@
         </p:nvSpPr>
         <p:spPr>
           <a:xfrm>
-            <a:off x="4624692" y="4201296"/>
+            <a:off x="7573632" y="4192406"/>
             <a:ext cx="2959735" cy="521970"/>
           </a:xfrm>
           <a:prstGeom prst="rect">
@@ -13293,12 +12656,18 @@
             <a:r>
               <a:rPr lang="zh-CN" altLang="en-US" sz="2800">
                 <a:solidFill>
-                  <a:srgbClr val="FF0000"/>
+                  <a:schemeClr val="accent1"/>
                 </a:solidFill>
                 <a:effectLst/>
               </a:rPr>
               <a:t>抛出事件</a:t>
             </a:r>
+            <a:endParaRPr lang="zh-CN" altLang="en-US" sz="2800">
+              <a:solidFill>
+                <a:schemeClr val="accent1"/>
+              </a:solidFill>
+              <a:effectLst/>
+            </a:endParaRPr>
           </a:p>
         </p:txBody>
       </p:sp>
@@ -13310,7 +12679,7 @@
         </p:nvSpPr>
         <p:spPr>
           <a:xfrm>
-            <a:off x="4624692" y="5062991"/>
+            <a:off x="7573632" y="5054101"/>
             <a:ext cx="2959735" cy="521970"/>
           </a:xfrm>
           <a:prstGeom prst="rect">
@@ -13328,12 +12697,18 @@
             <a:r>
               <a:rPr lang="zh-CN" altLang="en-US" sz="2800">
                 <a:solidFill>
-                  <a:srgbClr val="FF0000"/>
+                  <a:schemeClr val="accent1"/>
                 </a:solidFill>
                 <a:effectLst/>
               </a:rPr>
               <a:t>插槽</a:t>
             </a:r>
+            <a:endParaRPr lang="zh-CN" altLang="en-US" sz="2800">
+              <a:solidFill>
+                <a:schemeClr val="accent1"/>
+              </a:solidFill>
+              <a:effectLst/>
+            </a:endParaRPr>
           </a:p>
         </p:txBody>
       </p:sp>
@@ -13345,7 +12720,7 @@
         </p:nvSpPr>
         <p:spPr>
           <a:xfrm>
-            <a:off x="4624692" y="5924686"/>
+            <a:off x="7573632" y="5915796"/>
             <a:ext cx="2959735" cy="521970"/>
           </a:xfrm>
           <a:prstGeom prst="rect">
@@ -13363,12 +12738,18 @@
             <a:r>
               <a:rPr lang="zh-CN" altLang="en-US" sz="2800">
                 <a:solidFill>
-                  <a:srgbClr val="FF0000"/>
+                  <a:schemeClr val="accent1"/>
                 </a:solidFill>
                 <a:effectLst/>
               </a:rPr>
               <a:t>传值插槽</a:t>
             </a:r>
+            <a:endParaRPr lang="zh-CN" altLang="en-US" sz="2800">
+              <a:solidFill>
+                <a:schemeClr val="accent1"/>
+              </a:solidFill>
+              <a:effectLst/>
+            </a:endParaRPr>
           </a:p>
         </p:txBody>
       </p:sp>
@@ -13380,7 +12761,7 @@
         </p:nvSpPr>
         <p:spPr>
           <a:xfrm>
-            <a:off x="1507477" y="3255781"/>
+            <a:off x="1754492" y="3302771"/>
             <a:ext cx="926465" cy="521970"/>
           </a:xfrm>
           <a:prstGeom prst="rect">
@@ -13398,13 +12779,20 @@
             <a:r>
               <a:rPr lang="en-US" altLang="zh-CN" sz="2800">
                 <a:solidFill>
-                  <a:srgbClr val="FF0000"/>
+                  <a:schemeClr val="accent1"/>
                 </a:solidFill>
                 <a:effectLst/>
                 <a:sym typeface="+mn-ea"/>
               </a:rPr>
               <a:t>v-for</a:t>
             </a:r>
+            <a:endParaRPr lang="en-US" altLang="zh-CN" sz="2800">
+              <a:solidFill>
+                <a:schemeClr val="accent1"/>
+              </a:solidFill>
+              <a:effectLst/>
+              <a:sym typeface="+mn-ea"/>
+            </a:endParaRPr>
           </a:p>
         </p:txBody>
       </p:sp>
@@ -13416,7 +12804,7 @@
         </p:nvSpPr>
         <p:spPr>
           <a:xfrm>
-            <a:off x="1507477" y="4145416"/>
+            <a:off x="1754492" y="4192406"/>
             <a:ext cx="683260" cy="521970"/>
           </a:xfrm>
           <a:prstGeom prst="rect">
@@ -13434,13 +12822,20 @@
             <a:r>
               <a:rPr lang="en-US" altLang="zh-CN" sz="2800">
                 <a:solidFill>
-                  <a:srgbClr val="FF0000"/>
+                  <a:schemeClr val="accent1"/>
                 </a:solidFill>
                 <a:effectLst/>
                 <a:sym typeface="+mn-ea"/>
               </a:rPr>
               <a:t>v-if</a:t>
             </a:r>
+            <a:endParaRPr lang="en-US" altLang="zh-CN" sz="2800">
+              <a:solidFill>
+                <a:schemeClr val="accent1"/>
+              </a:solidFill>
+              <a:effectLst/>
+              <a:sym typeface="+mn-ea"/>
+            </a:endParaRPr>
           </a:p>
         </p:txBody>
       </p:sp>
@@ -13452,7 +12847,7 @@
         </p:nvSpPr>
         <p:spPr>
           <a:xfrm>
-            <a:off x="1507477" y="5035051"/>
+            <a:off x="1754492" y="5082041"/>
             <a:ext cx="1196975" cy="521970"/>
           </a:xfrm>
           <a:prstGeom prst="rect">
@@ -13470,13 +12865,20 @@
             <a:r>
               <a:rPr lang="en-US" altLang="zh-CN" sz="2800">
                 <a:solidFill>
-                  <a:srgbClr val="FF0000"/>
+                  <a:schemeClr val="accent1"/>
                 </a:solidFill>
                 <a:effectLst/>
                 <a:sym typeface="+mn-ea"/>
               </a:rPr>
               <a:t>v-bind</a:t>
             </a:r>
+            <a:endParaRPr lang="en-US" altLang="zh-CN" sz="2800">
+              <a:solidFill>
+                <a:schemeClr val="accent1"/>
+              </a:solidFill>
+              <a:effectLst/>
+              <a:sym typeface="+mn-ea"/>
+            </a:endParaRPr>
           </a:p>
         </p:txBody>
       </p:sp>
@@ -13488,7 +12890,7 @@
         </p:nvSpPr>
         <p:spPr>
           <a:xfrm>
-            <a:off x="1507477" y="5924686"/>
+            <a:off x="1754492" y="5971676"/>
             <a:ext cx="900430" cy="521970"/>
           </a:xfrm>
           <a:prstGeom prst="rect">
@@ -13506,13 +12908,20 @@
             <a:r>
               <a:rPr lang="en-US" altLang="zh-CN" sz="2800">
                 <a:solidFill>
-                  <a:srgbClr val="FF0000"/>
+                  <a:schemeClr val="accent1"/>
                 </a:solidFill>
                 <a:effectLst/>
                 <a:sym typeface="+mn-ea"/>
               </a:rPr>
               <a:t>v-on</a:t>
             </a:r>
+            <a:endParaRPr lang="en-US" altLang="zh-CN" sz="2800">
+              <a:solidFill>
+                <a:schemeClr val="accent1"/>
+              </a:solidFill>
+              <a:effectLst/>
+              <a:sym typeface="+mn-ea"/>
+            </a:endParaRPr>
           </a:p>
         </p:txBody>
       </p:sp>
@@ -13542,13 +12951,61 @@
             <a:r>
               <a:rPr lang="en-US" altLang="zh-CN" sz="2800">
                 <a:solidFill>
-                  <a:srgbClr val="FF0000"/>
+                  <a:schemeClr val="accent1"/>
                 </a:solidFill>
                 <a:effectLst/>
                 <a:sym typeface="+mn-ea"/>
               </a:rPr>
               <a:t>v-model</a:t>
             </a:r>
+            <a:endParaRPr lang="en-US" altLang="zh-CN" sz="2800">
+              <a:solidFill>
+                <a:schemeClr val="accent1"/>
+              </a:solidFill>
+              <a:effectLst/>
+              <a:sym typeface="+mn-ea"/>
+            </a:endParaRPr>
+          </a:p>
+        </p:txBody>
+      </p:sp>
+      <p:sp>
+        <p:nvSpPr>
+          <p:cNvPr id="3" name="文本框 2"/>
+          <p:cNvSpPr txBox="1"/>
+          <p:nvPr/>
+        </p:nvSpPr>
+        <p:spPr>
+          <a:xfrm>
+            <a:off x="4367530" y="3513455"/>
+            <a:ext cx="2270760" cy="1568450"/>
+          </a:xfrm>
+          <a:prstGeom prst="rect">
+            <a:avLst/>
+          </a:prstGeom>
+          <a:noFill/>
+        </p:spPr>
+        <p:txBody>
+          <a:bodyPr wrap="none" rtlCol="0">
+            <a:spAutoFit/>
+          </a:bodyPr>
+          <a:p>
+            <a:r>
+              <a:rPr lang="en-US" altLang="zh-CN" sz="9600">
+                <a:solidFill>
+                  <a:schemeClr val="bg1">
+                    <a:lumMod val="85000"/>
+                  </a:schemeClr>
+                </a:solidFill>
+              </a:rPr>
+              <a:t>5+5</a:t>
+            </a:r>
+            <a:endParaRPr lang="en-US" altLang="zh-CN" sz="9600">
+              <a:solidFill>
+                <a:schemeClr val="bg1">
+                  <a:lumMod val="85000"/>
+                </a:schemeClr>
+              </a:solidFill>
+            </a:endParaRPr>
           </a:p>
         </p:txBody>
       </p:sp>
@@ -13594,11 +13051,11 @@
           <p:nvPr/>
         </p:nvPicPr>
         <p:blipFill rotWithShape="1">
-          <a:blip r:embed="rId3" cstate="print">
+          <a:blip r:embed="rId1" cstate="print">
             <a:extLst>
               <a:ext uri="{BEBA8EAE-BF5A-486C-A8C5-ECC9F3942E4B}">
-                <a14:imgProps xmlns="" xmlns:a14="http://schemas.microsoft.com/office/drawing/2010/main">
-                  <a14:imgLayer r:embed="rId4">
+                <a14:imgProps xmlns:a14="http://schemas.microsoft.com/office/drawing/2010/main">
+                  <a14:imgLayer r:embed="rId2">
                     <a14:imgEffect>
                       <a14:saturation sat="0"/>
                     </a14:imgEffect>
@@ -13721,49 +13178,6 @@
       </p:sp>
       <p:sp>
         <p:nvSpPr>
-          <p:cNvPr id="7" name="文本框 6"/>
-          <p:cNvSpPr txBox="1"/>
-          <p:nvPr/>
-        </p:nvSpPr>
-        <p:spPr>
-          <a:xfrm>
-            <a:off x="1520031" y="804444"/>
-            <a:ext cx="2613546" cy="338554"/>
-          </a:xfrm>
-          <a:prstGeom prst="rect">
-            <a:avLst/>
-          </a:prstGeom>
-          <a:noFill/>
-        </p:spPr>
-        <p:txBody>
-          <a:bodyPr wrap="square" rtlCol="0">
-            <a:spAutoFit/>
-          </a:bodyPr>
-          <a:lstStyle/>
-          <a:p>
-            <a:pPr algn="dist"/>
-            <a:r>
-              <a:rPr lang="en-US" altLang="zh-CN" sz="1600" dirty="0">
-                <a:solidFill>
-                  <a:schemeClr val="bg1"/>
-                </a:solidFill>
-                <a:latin typeface="微软雅黑" panose="020B0503020204020204" pitchFamily="34" charset="-122"/>
-                <a:ea typeface="微软雅黑" panose="020B0503020204020204" pitchFamily="34" charset="-122"/>
-              </a:rPr>
-              <a:t>CONTENTS</a:t>
-            </a:r>
-            <a:endParaRPr lang="zh-CN" altLang="en-US" sz="1600" dirty="0">
-              <a:solidFill>
-                <a:schemeClr val="bg1"/>
-              </a:solidFill>
-              <a:latin typeface="微软雅黑" panose="020B0503020204020204" pitchFamily="34" charset="-122"/>
-              <a:ea typeface="微软雅黑" panose="020B0503020204020204" pitchFamily="34" charset="-122"/>
-            </a:endParaRPr>
-          </a:p>
-        </p:txBody>
-      </p:sp>
-      <p:sp>
-        <p:nvSpPr>
           <p:cNvPr id="19" name="文本框 7"/>
           <p:cNvSpPr txBox="1"/>
           <p:nvPr/>
@@ -13820,6 +13234,15 @@
               </a:rPr>
               <a:t>组件</a:t>
             </a:r>
+            <a:endParaRPr kumimoji="1" lang="zh-CN" altLang="en-US" sz="4400" b="1" dirty="0" smtClean="0">
+              <a:solidFill>
+                <a:schemeClr val="bg1"/>
+              </a:solidFill>
+              <a:latin typeface="微软雅黑" panose="020B0503020204020204" pitchFamily="34" charset="-122"/>
+              <a:ea typeface="微软雅黑" panose="020B0503020204020204" pitchFamily="34" charset="-122"/>
+              <a:cs typeface="微软雅黑" panose="020B0503020204020204" pitchFamily="34" charset="-122"/>
+              <a:sym typeface="+mn-ea"/>
+            </a:endParaRPr>
           </a:p>
         </p:txBody>
       </p:sp>
@@ -13912,6 +13335,10 @@
         <p:txBody>
           <a:bodyPr wrap="square" rtlCol="0">
             <a:spAutoFit/>
+            <a:scene3d>
+              <a:camera prst="orthographicFront"/>
+              <a:lightRig rig="threePt" dir="t"/>
+            </a:scene3d>
           </a:bodyPr>
           <a:lstStyle/>
           <a:p>
@@ -13919,18 +13346,44 @@
             <a:r>
               <a:rPr lang="en-US" altLang="zh-CN" sz="2800">
                 <a:solidFill>
-                  <a:srgbClr val="FF0000"/>
-                </a:solidFill>
+                  <a:schemeClr val="accent1"/>
+                </a:solidFill>
+                <a:effectLst>
+                  <a:outerShdw blurRad="38100" dist="25400" dir="5400000" algn="ctr" rotWithShape="0">
+                    <a:srgbClr val="6E747A">
+                      <a:alpha val="43000"/>
+                    </a:srgbClr>
+                  </a:outerShdw>
+                </a:effectLst>
               </a:rPr>
               <a:t>v-model</a:t>
             </a:r>
+            <a:endParaRPr lang="en-US" altLang="zh-CN" sz="2800">
+              <a:solidFill>
+                <a:schemeClr val="accent1"/>
+              </a:solidFill>
+              <a:effectLst>
+                <a:outerShdw blurRad="38100" dist="25400" dir="5400000" algn="ctr" rotWithShape="0">
+                  <a:srgbClr val="6E747A">
+                    <a:alpha val="43000"/>
+                  </a:srgbClr>
+                </a:outerShdw>
+              </a:effectLst>
+            </a:endParaRPr>
           </a:p>
           <a:p>
             <a:pPr algn="l"/>
             <a:endParaRPr lang="en-US" altLang="zh-CN" sz="2800">
               <a:solidFill>
-                <a:srgbClr val="FF0000"/>
+                <a:schemeClr val="accent1"/>
               </a:solidFill>
+              <a:effectLst>
+                <a:outerShdw blurRad="38100" dist="25400" dir="5400000" algn="ctr" rotWithShape="0">
+                  <a:srgbClr val="6E747A">
+                    <a:alpha val="43000"/>
+                  </a:srgbClr>
+                </a:outerShdw>
+              </a:effectLst>
             </a:endParaRPr>
           </a:p>
           <a:p>
@@ -13938,18 +13391,44 @@
             <a:r>
               <a:rPr lang="en-US" altLang="zh-CN" sz="2800">
                 <a:solidFill>
-                  <a:srgbClr val="FF0000"/>
-                </a:solidFill>
+                  <a:schemeClr val="accent1"/>
+                </a:solidFill>
+                <a:effectLst>
+                  <a:outerShdw blurRad="38100" dist="25400" dir="5400000" algn="ctr" rotWithShape="0">
+                    <a:srgbClr val="6E747A">
+                      <a:alpha val="43000"/>
+                    </a:srgbClr>
+                  </a:outerShdw>
+                </a:effectLst>
               </a:rPr>
               <a:t>v-for</a:t>
             </a:r>
+            <a:endParaRPr lang="en-US" altLang="zh-CN" sz="2800">
+              <a:solidFill>
+                <a:schemeClr val="accent1"/>
+              </a:solidFill>
+              <a:effectLst>
+                <a:outerShdw blurRad="38100" dist="25400" dir="5400000" algn="ctr" rotWithShape="0">
+                  <a:srgbClr val="6E747A">
+                    <a:alpha val="43000"/>
+                  </a:srgbClr>
+                </a:outerShdw>
+              </a:effectLst>
+            </a:endParaRPr>
           </a:p>
           <a:p>
             <a:pPr algn="l"/>
             <a:endParaRPr lang="en-US" altLang="zh-CN" sz="2800">
               <a:solidFill>
-                <a:srgbClr val="FF0000"/>
+                <a:schemeClr val="accent1"/>
               </a:solidFill>
+              <a:effectLst>
+                <a:outerShdw blurRad="38100" dist="25400" dir="5400000" algn="ctr" rotWithShape="0">
+                  <a:srgbClr val="6E747A">
+                    <a:alpha val="43000"/>
+                  </a:srgbClr>
+                </a:outerShdw>
+              </a:effectLst>
             </a:endParaRPr>
           </a:p>
           <a:p>
@@ -13957,18 +13436,44 @@
             <a:r>
               <a:rPr lang="en-US" altLang="zh-CN" sz="2800">
                 <a:solidFill>
-                  <a:srgbClr val="FF0000"/>
-                </a:solidFill>
+                  <a:schemeClr val="accent1"/>
+                </a:solidFill>
+                <a:effectLst>
+                  <a:outerShdw blurRad="38100" dist="25400" dir="5400000" algn="ctr" rotWithShape="0">
+                    <a:srgbClr val="6E747A">
+                      <a:alpha val="43000"/>
+                    </a:srgbClr>
+                  </a:outerShdw>
+                </a:effectLst>
               </a:rPr>
               <a:t>v-if</a:t>
             </a:r>
+            <a:endParaRPr lang="en-US" altLang="zh-CN" sz="2800">
+              <a:solidFill>
+                <a:schemeClr val="accent1"/>
+              </a:solidFill>
+              <a:effectLst>
+                <a:outerShdw blurRad="38100" dist="25400" dir="5400000" algn="ctr" rotWithShape="0">
+                  <a:srgbClr val="6E747A">
+                    <a:alpha val="43000"/>
+                  </a:srgbClr>
+                </a:outerShdw>
+              </a:effectLst>
+            </a:endParaRPr>
           </a:p>
           <a:p>
             <a:pPr algn="l"/>
             <a:endParaRPr lang="en-US" altLang="zh-CN" sz="2800">
               <a:solidFill>
-                <a:srgbClr val="FF0000"/>
+                <a:schemeClr val="accent1"/>
               </a:solidFill>
+              <a:effectLst>
+                <a:outerShdw blurRad="38100" dist="25400" dir="5400000" algn="ctr" rotWithShape="0">
+                  <a:srgbClr val="6E747A">
+                    <a:alpha val="43000"/>
+                  </a:srgbClr>
+                </a:outerShdw>
+              </a:effectLst>
             </a:endParaRPr>
           </a:p>
           <a:p>
@@ -13976,18 +13481,44 @@
             <a:r>
               <a:rPr lang="en-US" altLang="zh-CN" sz="2800">
                 <a:solidFill>
-                  <a:srgbClr val="FF0000"/>
-                </a:solidFill>
+                  <a:schemeClr val="accent1"/>
+                </a:solidFill>
+                <a:effectLst>
+                  <a:outerShdw blurRad="38100" dist="25400" dir="5400000" algn="ctr" rotWithShape="0">
+                    <a:srgbClr val="6E747A">
+                      <a:alpha val="43000"/>
+                    </a:srgbClr>
+                  </a:outerShdw>
+                </a:effectLst>
               </a:rPr>
               <a:t>v-bind</a:t>
             </a:r>
+            <a:endParaRPr lang="en-US" altLang="zh-CN" sz="2800">
+              <a:solidFill>
+                <a:schemeClr val="accent1"/>
+              </a:solidFill>
+              <a:effectLst>
+                <a:outerShdw blurRad="38100" dist="25400" dir="5400000" algn="ctr" rotWithShape="0">
+                  <a:srgbClr val="6E747A">
+                    <a:alpha val="43000"/>
+                  </a:srgbClr>
+                </a:outerShdw>
+              </a:effectLst>
+            </a:endParaRPr>
           </a:p>
           <a:p>
             <a:pPr algn="l"/>
             <a:endParaRPr lang="en-US" altLang="zh-CN" sz="2800">
               <a:solidFill>
-                <a:srgbClr val="FF0000"/>
+                <a:schemeClr val="accent1"/>
               </a:solidFill>
+              <a:effectLst>
+                <a:outerShdw blurRad="38100" dist="25400" dir="5400000" algn="ctr" rotWithShape="0">
+                  <a:srgbClr val="6E747A">
+                    <a:alpha val="43000"/>
+                  </a:srgbClr>
+                </a:outerShdw>
+              </a:effectLst>
             </a:endParaRPr>
           </a:p>
           <a:p>
@@ -13995,17 +13526,84 @@
             <a:r>
               <a:rPr lang="en-US" altLang="zh-CN" sz="2800">
                 <a:solidFill>
-                  <a:srgbClr val="FF0000"/>
-                </a:solidFill>
+                  <a:schemeClr val="accent1"/>
+                </a:solidFill>
+                <a:effectLst>
+                  <a:outerShdw blurRad="38100" dist="25400" dir="5400000" algn="ctr" rotWithShape="0">
+                    <a:srgbClr val="6E747A">
+                      <a:alpha val="43000"/>
+                    </a:srgbClr>
+                  </a:outerShdw>
+                </a:effectLst>
               </a:rPr>
               <a:t>v-on</a:t>
             </a:r>
+            <a:endParaRPr lang="en-US" altLang="zh-CN" sz="2800">
+              <a:solidFill>
+                <a:schemeClr val="accent1"/>
+              </a:solidFill>
+              <a:effectLst>
+                <a:outerShdw blurRad="38100" dist="25400" dir="5400000" algn="ctr" rotWithShape="0">
+                  <a:srgbClr val="6E747A">
+                    <a:alpha val="43000"/>
+                  </a:srgbClr>
+                </a:outerShdw>
+              </a:effectLst>
+            </a:endParaRPr>
           </a:p>
         </p:txBody>
       </p:sp>
       <p:pic>
         <p:nvPicPr>
           <p:cNvPr id="22" name="图片 21"/>
+          <p:cNvPicPr>
+            <a:picLocks noChangeAspect="1"/>
+          </p:cNvPicPr>
+          <p:nvPr/>
+        </p:nvPicPr>
+        <p:blipFill>
+          <a:blip r:embed="rId3"/>
+          <a:stretch>
+            <a:fillRect/>
+          </a:stretch>
+        </p:blipFill>
+        <p:spPr>
+          <a:xfrm>
+            <a:off x="2917078" y="2381632"/>
+            <a:ext cx="4638675" cy="571500"/>
+          </a:xfrm>
+          <a:prstGeom prst="rect">
+            <a:avLst/>
+          </a:prstGeom>
+        </p:spPr>
+      </p:pic>
+      <p:pic>
+        <p:nvPicPr>
+          <p:cNvPr id="23" name="图片 22"/>
+          <p:cNvPicPr>
+            <a:picLocks noChangeAspect="1"/>
+          </p:cNvPicPr>
+          <p:nvPr/>
+        </p:nvPicPr>
+        <p:blipFill>
+          <a:blip r:embed="rId4"/>
+          <a:stretch>
+            <a:fillRect/>
+          </a:stretch>
+        </p:blipFill>
+        <p:spPr>
+          <a:xfrm>
+            <a:off x="2917078" y="4207892"/>
+            <a:ext cx="3895725" cy="381000"/>
+          </a:xfrm>
+          <a:prstGeom prst="rect">
+            <a:avLst/>
+          </a:prstGeom>
+        </p:spPr>
+      </p:pic>
+      <p:pic>
+        <p:nvPicPr>
+          <p:cNvPr id="24" name="图片 23"/>
           <p:cNvPicPr>
             <a:picLocks noChangeAspect="1"/>
           </p:cNvPicPr>
@@ -14019,8 +13617,8 @@
         </p:blipFill>
         <p:spPr>
           <a:xfrm>
-            <a:off x="2917078" y="2381632"/>
-            <a:ext cx="4638675" cy="571500"/>
+            <a:off x="2917078" y="2984882"/>
+            <a:ext cx="3724275" cy="1209675"/>
           </a:xfrm>
           <a:prstGeom prst="rect">
             <a:avLst/>
@@ -14029,7 +13627,7 @@
       </p:pic>
       <p:pic>
         <p:nvPicPr>
-          <p:cNvPr id="23" name="图片 22"/>
+          <p:cNvPr id="25" name="图片 24"/>
           <p:cNvPicPr>
             <a:picLocks noChangeAspect="1"/>
           </p:cNvPicPr>
@@ -14043,54 +13641,6 @@
         </p:blipFill>
         <p:spPr>
           <a:xfrm>
-            <a:off x="2917078" y="4207892"/>
-            <a:ext cx="3895725" cy="381000"/>
-          </a:xfrm>
-          <a:prstGeom prst="rect">
-            <a:avLst/>
-          </a:prstGeom>
-        </p:spPr>
-      </p:pic>
-      <p:pic>
-        <p:nvPicPr>
-          <p:cNvPr id="24" name="图片 23"/>
-          <p:cNvPicPr>
-            <a:picLocks noChangeAspect="1"/>
-          </p:cNvPicPr>
-          <p:nvPr/>
-        </p:nvPicPr>
-        <p:blipFill>
-          <a:blip r:embed="rId7"/>
-          <a:stretch>
-            <a:fillRect/>
-          </a:stretch>
-        </p:blipFill>
-        <p:spPr>
-          <a:xfrm>
-            <a:off x="2917078" y="2984882"/>
-            <a:ext cx="3724275" cy="1209675"/>
-          </a:xfrm>
-          <a:prstGeom prst="rect">
-            <a:avLst/>
-          </a:prstGeom>
-        </p:spPr>
-      </p:pic>
-      <p:pic>
-        <p:nvPicPr>
-          <p:cNvPr id="25" name="图片 24"/>
-          <p:cNvPicPr>
-            <a:picLocks noChangeAspect="1"/>
-          </p:cNvPicPr>
-          <p:nvPr/>
-        </p:nvPicPr>
-        <p:blipFill>
-          <a:blip r:embed="rId8"/>
-          <a:stretch>
-            <a:fillRect/>
-          </a:stretch>
-        </p:blipFill>
-        <p:spPr>
-          <a:xfrm>
             <a:off x="2917078" y="5592192"/>
             <a:ext cx="5638800" cy="990600"/>
           </a:xfrm>
@@ -14108,7 +13658,7 @@
           <p:nvPr/>
         </p:nvPicPr>
         <p:blipFill>
-          <a:blip r:embed="rId9"/>
+          <a:blip r:embed="rId7"/>
           <a:stretch>
             <a:fillRect/>
           </a:stretch>
@@ -14165,11 +13715,11 @@
           <p:nvPr/>
         </p:nvPicPr>
         <p:blipFill rotWithShape="1">
-          <a:blip r:embed="rId3" cstate="print">
+          <a:blip r:embed="rId1" cstate="print">
             <a:extLst>
               <a:ext uri="{BEBA8EAE-BF5A-486C-A8C5-ECC9F3942E4B}">
-                <a14:imgProps xmlns="" xmlns:a14="http://schemas.microsoft.com/office/drawing/2010/main">
-                  <a14:imgLayer r:embed="rId4">
+                <a14:imgProps xmlns:a14="http://schemas.microsoft.com/office/drawing/2010/main">
+                  <a14:imgLayer r:embed="rId2">
                     <a14:imgEffect>
                       <a14:saturation sat="0"/>
                     </a14:imgEffect>
@@ -14292,49 +13842,6 @@
       </p:sp>
       <p:sp>
         <p:nvSpPr>
-          <p:cNvPr id="7" name="文本框 6"/>
-          <p:cNvSpPr txBox="1"/>
-          <p:nvPr/>
-        </p:nvSpPr>
-        <p:spPr>
-          <a:xfrm>
-            <a:off x="1520031" y="804444"/>
-            <a:ext cx="2613546" cy="338554"/>
-          </a:xfrm>
-          <a:prstGeom prst="rect">
-            <a:avLst/>
-          </a:prstGeom>
-          <a:noFill/>
-        </p:spPr>
-        <p:txBody>
-          <a:bodyPr wrap="square" rtlCol="0">
-            <a:spAutoFit/>
-          </a:bodyPr>
-          <a:lstStyle/>
-          <a:p>
-            <a:pPr algn="dist"/>
-            <a:r>
-              <a:rPr lang="en-US" altLang="zh-CN" sz="1600" dirty="0">
-                <a:solidFill>
-                  <a:schemeClr val="bg1"/>
-                </a:solidFill>
-                <a:latin typeface="微软雅黑" panose="020B0503020204020204" pitchFamily="34" charset="-122"/>
-                <a:ea typeface="微软雅黑" panose="020B0503020204020204" pitchFamily="34" charset="-122"/>
-              </a:rPr>
-              <a:t>CONTENTS</a:t>
-            </a:r>
-            <a:endParaRPr lang="zh-CN" altLang="en-US" sz="1600" dirty="0">
-              <a:solidFill>
-                <a:schemeClr val="bg1"/>
-              </a:solidFill>
-              <a:latin typeface="微软雅黑" panose="020B0503020204020204" pitchFamily="34" charset="-122"/>
-              <a:ea typeface="微软雅黑" panose="020B0503020204020204" pitchFamily="34" charset="-122"/>
-            </a:endParaRPr>
-          </a:p>
-        </p:txBody>
-      </p:sp>
-      <p:sp>
-        <p:nvSpPr>
           <p:cNvPr id="19" name="文本框 7"/>
           <p:cNvSpPr txBox="1"/>
           <p:nvPr/>
@@ -14391,6 +13898,15 @@
               </a:rPr>
               <a:t>组件</a:t>
             </a:r>
+            <a:endParaRPr kumimoji="1" lang="zh-CN" altLang="en-US" sz="4400" b="1" dirty="0" smtClean="0">
+              <a:solidFill>
+                <a:schemeClr val="bg1"/>
+              </a:solidFill>
+              <a:latin typeface="微软雅黑" panose="020B0503020204020204" pitchFamily="34" charset="-122"/>
+              <a:ea typeface="微软雅黑" panose="020B0503020204020204" pitchFamily="34" charset="-122"/>
+              <a:cs typeface="微软雅黑" panose="020B0503020204020204" pitchFamily="34" charset="-122"/>
+              <a:sym typeface="+mn-ea"/>
+            </a:endParaRPr>
           </a:p>
         </p:txBody>
       </p:sp>
@@ -14473,7 +13989,7 @@
           <p:nvPr/>
         </p:nvPicPr>
         <p:blipFill>
-          <a:blip r:embed="rId5"/>
+          <a:blip r:embed="rId3"/>
           <a:stretch>
             <a:fillRect/>
           </a:stretch>
@@ -14505,7 +14021,7 @@
 </file>
 
 <file path=ppt/tags/tag1.xml><?xml version="1.0" encoding="utf-8"?>
-<p:tagLst xmlns:a="http://schemas.openxmlformats.org/drawingml/2006/main" xmlns:r="http://schemas.openxmlformats.org/officeDocument/2006/relationships" xmlns:p="http://schemas.openxmlformats.org/presentationml/2006/main">
+<p:tagLst xmlns:p="http://schemas.openxmlformats.org/presentationml/2006/main">
   <p:tag name="KSO_WM_BEAUTIFY_FLAG" val="#wm#"/>
   <p:tag name="KSO_WM_TEMPLATE_CATEGORY" val="custom"/>
   <p:tag name="KSO_WM_TEMPLATE_INDEX" val="20187308"/>
@@ -14763,11 +14279,9 @@
       </a:bgFillStyleLst>
     </a:fmtScheme>
   </a:themeElements>
-  <a:objectDefaults/>
-  <a:extraClrSchemeLst/>
   <a:extLst>
     <a:ext uri="{05A4C25C-085E-4340-85A3-A5531E510DB2}">
-      <thm15:themeFamily xmlns="" xmlns:thm15="http://schemas.microsoft.com/office/thememl/2012/main" name="Office Theme" id="{62F939B6-93AF-4DB8-9C6B-D6C7DFDC589F}" vid="{4A3C46E8-61CC-4603-A589-7422A47A8E4A}"/>
+      <thm15:themeFamily xmlns:thm15="http://schemas.microsoft.com/office/thememl/2012/main" name="Office Theme" id="{62F939B6-93AF-4DB8-9C6B-D6C7DFDC589F}" vid="{4A3C46E8-61CC-4603-A589-7422A47A8E4A}"/>
     </a:ext>
   </a:extLst>
 </a:theme>
@@ -15024,11 +14538,9 @@
       </a:bgFillStyleLst>
     </a:fmtScheme>
   </a:themeElements>
-  <a:objectDefaults/>
-  <a:extraClrSchemeLst/>
   <a:extLst>
     <a:ext uri="{05A4C25C-085E-4340-85A3-A5531E510DB2}">
-      <thm15:themeFamily xmlns="" xmlns:thm15="http://schemas.microsoft.com/office/thememl/2012/main" name="Office Theme" id="{62F939B6-93AF-4DB8-9C6B-D6C7DFDC589F}" vid="{4A3C46E8-61CC-4603-A589-7422A47A8E4A}"/>
+      <thm15:themeFamily xmlns:thm15="http://schemas.microsoft.com/office/thememl/2012/main" name="Office Theme" id="{62F939B6-93AF-4DB8-9C6B-D6C7DFDC589F}" vid="{4A3C46E8-61CC-4603-A589-7422A47A8E4A}"/>
     </a:ext>
   </a:extLst>
 </a:theme>
